--- a/Presentation/lesson-04-exceptions.pptx
+++ b/Presentation/lesson-04-exceptions.pptx
@@ -303,7 +303,7 @@
             <a:fld id="{FAECF776-F836-4CCD-9497-99E5597B8B5D}" type="datetimeFigureOut">
               <a:rPr lang="en-US" smtClean="0"/>
               <a:pPr/>
-              <a:t>3/29/2015</a:t>
+              <a:t>4/10/2015</a:t>
             </a:fld>
             <a:endParaRPr lang="en-US"/>
           </a:p>
@@ -475,7 +475,7 @@
             <a:fld id="{FAECF776-F836-4CCD-9497-99E5597B8B5D}" type="datetimeFigureOut">
               <a:rPr lang="en-US" smtClean="0"/>
               <a:pPr/>
-              <a:t>3/29/2015</a:t>
+              <a:t>4/10/2015</a:t>
             </a:fld>
             <a:endParaRPr lang="en-US"/>
           </a:p>
@@ -657,7 +657,7 @@
             <a:fld id="{FAECF776-F836-4CCD-9497-99E5597B8B5D}" type="datetimeFigureOut">
               <a:rPr lang="en-US" smtClean="0"/>
               <a:pPr/>
-              <a:t>3/29/2015</a:t>
+              <a:t>4/10/2015</a:t>
             </a:fld>
             <a:endParaRPr lang="en-US"/>
           </a:p>
@@ -829,7 +829,7 @@
             <a:fld id="{FAECF776-F836-4CCD-9497-99E5597B8B5D}" type="datetimeFigureOut">
               <a:rPr lang="en-US" smtClean="0"/>
               <a:pPr/>
-              <a:t>3/29/2015</a:t>
+              <a:t>4/10/2015</a:t>
             </a:fld>
             <a:endParaRPr lang="en-US"/>
           </a:p>
@@ -1077,7 +1077,7 @@
             <a:fld id="{FAECF776-F836-4CCD-9497-99E5597B8B5D}" type="datetimeFigureOut">
               <a:rPr lang="en-US" smtClean="0"/>
               <a:pPr/>
-              <a:t>3/29/2015</a:t>
+              <a:t>4/10/2015</a:t>
             </a:fld>
             <a:endParaRPr lang="en-US"/>
           </a:p>
@@ -1367,7 +1367,7 @@
             <a:fld id="{FAECF776-F836-4CCD-9497-99E5597B8B5D}" type="datetimeFigureOut">
               <a:rPr lang="en-US" smtClean="0"/>
               <a:pPr/>
-              <a:t>3/29/2015</a:t>
+              <a:t>4/10/2015</a:t>
             </a:fld>
             <a:endParaRPr lang="en-US"/>
           </a:p>
@@ -1791,7 +1791,7 @@
             <a:fld id="{FAECF776-F836-4CCD-9497-99E5597B8B5D}" type="datetimeFigureOut">
               <a:rPr lang="en-US" smtClean="0"/>
               <a:pPr/>
-              <a:t>3/29/2015</a:t>
+              <a:t>4/10/2015</a:t>
             </a:fld>
             <a:endParaRPr lang="en-US"/>
           </a:p>
@@ -1911,7 +1911,7 @@
             <a:fld id="{FAECF776-F836-4CCD-9497-99E5597B8B5D}" type="datetimeFigureOut">
               <a:rPr lang="en-US" smtClean="0"/>
               <a:pPr/>
-              <a:t>3/29/2015</a:t>
+              <a:t>4/10/2015</a:t>
             </a:fld>
             <a:endParaRPr lang="en-US"/>
           </a:p>
@@ -2008,7 +2008,7 @@
             <a:fld id="{FAECF776-F836-4CCD-9497-99E5597B8B5D}" type="datetimeFigureOut">
               <a:rPr lang="en-US" smtClean="0"/>
               <a:pPr/>
-              <a:t>3/29/2015</a:t>
+              <a:t>4/10/2015</a:t>
             </a:fld>
             <a:endParaRPr lang="en-US"/>
           </a:p>
@@ -2287,7 +2287,7 @@
             <a:fld id="{FAECF776-F836-4CCD-9497-99E5597B8B5D}" type="datetimeFigureOut">
               <a:rPr lang="en-US" smtClean="0"/>
               <a:pPr/>
-              <a:t>3/29/2015</a:t>
+              <a:t>4/10/2015</a:t>
             </a:fld>
             <a:endParaRPr lang="en-US"/>
           </a:p>
@@ -2542,7 +2542,7 @@
             <a:fld id="{FAECF776-F836-4CCD-9497-99E5597B8B5D}" type="datetimeFigureOut">
               <a:rPr lang="en-US" smtClean="0"/>
               <a:pPr/>
-              <a:t>3/29/2015</a:t>
+              <a:t>4/10/2015</a:t>
             </a:fld>
             <a:endParaRPr lang="en-US"/>
           </a:p>
@@ -2766,7 +2766,7 @@
             <a:fld id="{FAECF776-F836-4CCD-9497-99E5597B8B5D}" type="datetimeFigureOut">
               <a:rPr lang="en-US" smtClean="0"/>
               <a:pPr/>
-              <a:t>3/29/2015</a:t>
+              <a:t>4/10/2015</a:t>
             </a:fld>
             <a:endParaRPr lang="en-US"/>
           </a:p>
@@ -3311,7 +3311,15 @@
                   <a:schemeClr val="bg1"/>
                 </a:solidFill>
               </a:rPr>
-              <a:t>. Средства ввода/вывода</a:t>
+              <a:t>. </a:t>
+            </a:r>
+            <a:r>
+              <a:rPr lang="ru-RU" sz="2400" dirty="0" smtClean="0">
+                <a:solidFill>
+                  <a:schemeClr val="bg1"/>
+                </a:solidFill>
+              </a:rPr>
+              <a:t>Обработка ошибок с помощью исключений</a:t>
             </a:r>
             <a:endParaRPr lang="en-US" sz="2400" dirty="0">
               <a:solidFill>
@@ -10654,7 +10662,21 @@
                 <a:latin typeface="Consolas" panose="020B0609020204030204" pitchFamily="49" charset="0"/>
                 <a:cs typeface="Consolas" panose="020B0609020204030204" pitchFamily="49" charset="0"/>
               </a:rPr>
-              <a:t>new Win32Exception(Marshal.GetLastWin32Error()); </a:t>
+              <a:t>new </a:t>
+            </a:r>
+            <a:r>
+              <a:rPr lang="en-US" sz="1400">
+                <a:latin typeface="Consolas" panose="020B0609020204030204" pitchFamily="49" charset="0"/>
+                <a:cs typeface="Consolas" panose="020B0609020204030204" pitchFamily="49" charset="0"/>
+              </a:rPr>
+              <a:t>Win32Exception(Marshal.GetLastWin32Error</a:t>
+            </a:r>
+            <a:r>
+              <a:rPr lang="en-US" sz="1400" smtClean="0">
+                <a:latin typeface="Consolas" panose="020B0609020204030204" pitchFamily="49" charset="0"/>
+                <a:cs typeface="Consolas" panose="020B0609020204030204" pitchFamily="49" charset="0"/>
+              </a:rPr>
+              <a:t>());</a:t>
             </a:r>
             <a:endParaRPr lang="en-US" sz="1400" dirty="0" smtClean="0">
               <a:latin typeface="Consolas" panose="020B0609020204030204" pitchFamily="49" charset="0"/>
@@ -10689,7 +10711,21 @@
                 <a:latin typeface="Consolas" panose="020B0609020204030204" pitchFamily="49" charset="0"/>
                 <a:cs typeface="Consolas" panose="020B0609020204030204" pitchFamily="49" charset="0"/>
               </a:rPr>
-              <a:t>(Win32Exception exception) if (</a:t>
+              <a:t>(Win32Exception exception) </a:t>
+            </a:r>
+            <a:r>
+              <a:rPr lang="en-US" sz="1400" dirty="0" smtClean="0">
+                <a:latin typeface="Consolas" panose="020B0609020204030204" pitchFamily="49" charset="0"/>
+                <a:cs typeface="Consolas" panose="020B0609020204030204" pitchFamily="49" charset="0"/>
+              </a:rPr>
+              <a:t>when </a:t>
+            </a:r>
+            <a:r>
+              <a:rPr lang="en-US" sz="1400" dirty="0">
+                <a:latin typeface="Consolas" panose="020B0609020204030204" pitchFamily="49" charset="0"/>
+                <a:cs typeface="Consolas" panose="020B0609020204030204" pitchFamily="49" charset="0"/>
+              </a:rPr>
+              <a:t>(</a:t>
             </a:r>
             <a:r>
               <a:rPr lang="en-US" sz="1400" dirty="0" err="1">

--- a/Presentation/lesson-04-exceptions.pptx
+++ b/Presentation/lesson-04-exceptions.pptx
@@ -17,9 +17,11 @@
     <p:sldId id="282" r:id="rId11"/>
     <p:sldId id="284" r:id="rId12"/>
     <p:sldId id="285" r:id="rId13"/>
-    <p:sldId id="307" r:id="rId14"/>
-    <p:sldId id="320" r:id="rId15"/>
-    <p:sldId id="321" r:id="rId16"/>
+    <p:sldId id="322" r:id="rId14"/>
+    <p:sldId id="307" r:id="rId15"/>
+    <p:sldId id="323" r:id="rId16"/>
+    <p:sldId id="320" r:id="rId17"/>
+    <p:sldId id="321" r:id="rId18"/>
   </p:sldIdLst>
   <p:sldSz cx="9144000" cy="6858000" type="screen4x3"/>
   <p:notesSz cx="6858000" cy="9144000"/>
@@ -303,7 +305,7 @@
             <a:fld id="{FAECF776-F836-4CCD-9497-99E5597B8B5D}" type="datetimeFigureOut">
               <a:rPr lang="en-US" smtClean="0"/>
               <a:pPr/>
-              <a:t>4/10/2015</a:t>
+              <a:t>9/16/2015</a:t>
             </a:fld>
             <a:endParaRPr lang="en-US"/>
           </a:p>
@@ -475,7 +477,7 @@
             <a:fld id="{FAECF776-F836-4CCD-9497-99E5597B8B5D}" type="datetimeFigureOut">
               <a:rPr lang="en-US" smtClean="0"/>
               <a:pPr/>
-              <a:t>4/10/2015</a:t>
+              <a:t>9/16/2015</a:t>
             </a:fld>
             <a:endParaRPr lang="en-US"/>
           </a:p>
@@ -657,7 +659,7 @@
             <a:fld id="{FAECF776-F836-4CCD-9497-99E5597B8B5D}" type="datetimeFigureOut">
               <a:rPr lang="en-US" smtClean="0"/>
               <a:pPr/>
-              <a:t>4/10/2015</a:t>
+              <a:t>9/16/2015</a:t>
             </a:fld>
             <a:endParaRPr lang="en-US"/>
           </a:p>
@@ -829,7 +831,7 @@
             <a:fld id="{FAECF776-F836-4CCD-9497-99E5597B8B5D}" type="datetimeFigureOut">
               <a:rPr lang="en-US" smtClean="0"/>
               <a:pPr/>
-              <a:t>4/10/2015</a:t>
+              <a:t>9/16/2015</a:t>
             </a:fld>
             <a:endParaRPr lang="en-US"/>
           </a:p>
@@ -1077,7 +1079,7 @@
             <a:fld id="{FAECF776-F836-4CCD-9497-99E5597B8B5D}" type="datetimeFigureOut">
               <a:rPr lang="en-US" smtClean="0"/>
               <a:pPr/>
-              <a:t>4/10/2015</a:t>
+              <a:t>9/16/2015</a:t>
             </a:fld>
             <a:endParaRPr lang="en-US"/>
           </a:p>
@@ -1367,7 +1369,7 @@
             <a:fld id="{FAECF776-F836-4CCD-9497-99E5597B8B5D}" type="datetimeFigureOut">
               <a:rPr lang="en-US" smtClean="0"/>
               <a:pPr/>
-              <a:t>4/10/2015</a:t>
+              <a:t>9/16/2015</a:t>
             </a:fld>
             <a:endParaRPr lang="en-US"/>
           </a:p>
@@ -1791,7 +1793,7 @@
             <a:fld id="{FAECF776-F836-4CCD-9497-99E5597B8B5D}" type="datetimeFigureOut">
               <a:rPr lang="en-US" smtClean="0"/>
               <a:pPr/>
-              <a:t>4/10/2015</a:t>
+              <a:t>9/16/2015</a:t>
             </a:fld>
             <a:endParaRPr lang="en-US"/>
           </a:p>
@@ -1911,7 +1913,7 @@
             <a:fld id="{FAECF776-F836-4CCD-9497-99E5597B8B5D}" type="datetimeFigureOut">
               <a:rPr lang="en-US" smtClean="0"/>
               <a:pPr/>
-              <a:t>4/10/2015</a:t>
+              <a:t>9/16/2015</a:t>
             </a:fld>
             <a:endParaRPr lang="en-US"/>
           </a:p>
@@ -2008,7 +2010,7 @@
             <a:fld id="{FAECF776-F836-4CCD-9497-99E5597B8B5D}" type="datetimeFigureOut">
               <a:rPr lang="en-US" smtClean="0"/>
               <a:pPr/>
-              <a:t>4/10/2015</a:t>
+              <a:t>9/16/2015</a:t>
             </a:fld>
             <a:endParaRPr lang="en-US"/>
           </a:p>
@@ -2287,7 +2289,7 @@
             <a:fld id="{FAECF776-F836-4CCD-9497-99E5597B8B5D}" type="datetimeFigureOut">
               <a:rPr lang="en-US" smtClean="0"/>
               <a:pPr/>
-              <a:t>4/10/2015</a:t>
+              <a:t>9/16/2015</a:t>
             </a:fld>
             <a:endParaRPr lang="en-US"/>
           </a:p>
@@ -2542,7 +2544,7 @@
             <a:fld id="{FAECF776-F836-4CCD-9497-99E5597B8B5D}" type="datetimeFigureOut">
               <a:rPr lang="en-US" smtClean="0"/>
               <a:pPr/>
-              <a:t>4/10/2015</a:t>
+              <a:t>9/16/2015</a:t>
             </a:fld>
             <a:endParaRPr lang="en-US"/>
           </a:p>
@@ -2766,7 +2768,7 @@
             <a:fld id="{FAECF776-F836-4CCD-9497-99E5597B8B5D}" type="datetimeFigureOut">
               <a:rPr lang="en-US" smtClean="0"/>
               <a:pPr/>
-              <a:t>4/10/2015</a:t>
+              <a:t>9/16/2015</a:t>
             </a:fld>
             <a:endParaRPr lang="en-US"/>
           </a:p>
@@ -3311,15 +3313,7 @@
                   <a:schemeClr val="bg1"/>
                 </a:solidFill>
               </a:rPr>
-              <a:t>. </a:t>
-            </a:r>
-            <a:r>
-              <a:rPr lang="ru-RU" sz="2400" dirty="0" smtClean="0">
-                <a:solidFill>
-                  <a:schemeClr val="bg1"/>
-                </a:solidFill>
-              </a:rPr>
-              <a:t>Обработка ошибок с помощью исключений</a:t>
+              <a:t>. Обработка ошибок с помощью исключений</a:t>
             </a:r>
             <a:endParaRPr lang="en-US" sz="2400" dirty="0">
               <a:solidFill>
@@ -7840,19 +7834,15 @@
         <p:spPr/>
         <p:txBody>
           <a:bodyPr>
-            <a:normAutofit/>
+            <a:noAutofit/>
           </a:bodyPr>
           <a:lstStyle/>
           <a:p>
             <a:r>
-              <a:rPr lang="ru-RU" dirty="0" smtClean="0"/>
-              <a:t>Окно </a:t>
-            </a:r>
-            <a:r>
-              <a:rPr lang="en-US" dirty="0" smtClean="0"/>
-              <a:t>Debug -&gt; Exceptions ...</a:t>
-            </a:r>
-            <a:endParaRPr lang="en-US" dirty="0"/>
+              <a:rPr lang="ru-RU" sz="3600" dirty="0" smtClean="0"/>
+              <a:t>Необработанные исключения приложения</a:t>
+            </a:r>
+            <a:endParaRPr lang="en-US" sz="3600" dirty="0"/>
           </a:p>
         </p:txBody>
       </p:sp>
@@ -7869,7 +7859,7 @@
         <p:spPr>
           <a:xfrm>
             <a:off x="457200" y="1412776"/>
-            <a:ext cx="8229600" cy="4525963"/>
+            <a:ext cx="8229600" cy="1656183"/>
           </a:xfrm>
         </p:spPr>
         <p:txBody>
@@ -7882,121 +7872,740 @@
               <a:buNone/>
             </a:pPr>
             <a:r>
-              <a:rPr lang="ru-RU" sz="1800" dirty="0" smtClean="0"/>
-              <a:t>Окно «</a:t>
-            </a:r>
-            <a:r>
-              <a:rPr lang="en-US" sz="1800" dirty="0" smtClean="0"/>
-              <a:t>Debug </a:t>
-            </a:r>
-            <a:r>
-              <a:rPr lang="en-US" sz="1800" dirty="0"/>
-              <a:t>-&gt; Exceptions </a:t>
-            </a:r>
-            <a:r>
-              <a:rPr lang="en-US" sz="1800" dirty="0" smtClean="0"/>
-              <a:t>...</a:t>
-            </a:r>
-            <a:r>
-              <a:rPr lang="ru-RU" sz="1800" dirty="0" smtClean="0"/>
-              <a:t>» контролирует поведение отладчика при генерации исключений. По умолчанию остановка будет происходить только если исключение не было обработано. Иногда возникает необходимость делать остановку как только исключения было сгенерировано. Для этого нужно поставить отметку в колонке «</a:t>
-            </a:r>
-            <a:r>
-              <a:rPr lang="en-US" sz="1800" dirty="0" smtClean="0"/>
-              <a:t>Thrown</a:t>
-            </a:r>
-            <a:r>
-              <a:rPr lang="ru-RU" sz="1800" dirty="0" smtClean="0"/>
-              <a:t>» в ветке «</a:t>
-            </a:r>
-            <a:r>
-              <a:rPr lang="en-US" sz="1800" dirty="0" smtClean="0"/>
-              <a:t>Common Language Runtime Exceptions</a:t>
-            </a:r>
-            <a:r>
-              <a:rPr lang="ru-RU" sz="1800" dirty="0" smtClean="0"/>
-              <a:t>»</a:t>
-            </a:r>
-            <a:r>
-              <a:rPr lang="en-US" sz="1800" dirty="0"/>
+              <a:rPr lang="ru-RU" sz="2000" dirty="0" smtClean="0"/>
+              <a:t>У класса </a:t>
+            </a:r>
+            <a:r>
+              <a:rPr lang="en-US" sz="2000" dirty="0" err="1" smtClean="0"/>
+              <a:t>System.AppDomain</a:t>
+            </a:r>
+            <a:r>
+              <a:rPr lang="en-US" sz="2000" dirty="0" smtClean="0"/>
               <a:t> </a:t>
             </a:r>
             <a:r>
-              <a:rPr lang="ru-RU" sz="1800" dirty="0" smtClean="0"/>
-              <a:t>для всех исключений или только для отдельных.</a:t>
-            </a:r>
-            <a:endParaRPr lang="en-US" sz="1800" dirty="0"/>
+              <a:rPr lang="ru-RU" sz="2000" dirty="0" smtClean="0"/>
+              <a:t>есть событие </a:t>
+            </a:r>
+            <a:r>
+              <a:rPr lang="en-US" sz="2000" dirty="0" err="1"/>
+              <a:t>UnhandledException</a:t>
+            </a:r>
+            <a:r>
+              <a:rPr lang="en-US" sz="2000" dirty="0"/>
+              <a:t> </a:t>
+            </a:r>
+            <a:r>
+              <a:rPr lang="ru-RU" sz="2000" dirty="0" smtClean="0"/>
+              <a:t>которое генерируется </a:t>
+            </a:r>
+            <a:r>
+              <a:rPr lang="ru-RU" sz="2000" dirty="0"/>
+              <a:t>при наличии необработанного исключения в приложении (точнее в домене приложения</a:t>
+            </a:r>
+            <a:r>
+              <a:rPr lang="ru-RU" sz="2000" dirty="0" smtClean="0"/>
+              <a:t>).</a:t>
+            </a:r>
+            <a:r>
+              <a:rPr lang="ru-RU" sz="2000" dirty="0" smtClean="0"/>
+              <a:t> Подписываться </a:t>
+            </a:r>
+            <a:r>
+              <a:rPr lang="ru-RU" sz="2000" dirty="0" smtClean="0"/>
+              <a:t>на это событие </a:t>
+            </a:r>
+            <a:r>
+              <a:rPr lang="ru-RU" sz="2000" dirty="0" smtClean="0"/>
+              <a:t>следует</a:t>
+            </a:r>
+            <a:r>
+              <a:rPr lang="en-US" sz="2000" dirty="0"/>
+              <a:t> </a:t>
+            </a:r>
+            <a:r>
+              <a:rPr lang="ru-RU" sz="2000" dirty="0" smtClean="0"/>
+              <a:t>при запуске программы. Это событие НЕ ДАЕТ возможность обработать исключение, но ДАЕТ возможность записать информацию о нем.</a:t>
+            </a:r>
+            <a:endParaRPr lang="en-US" sz="2000" dirty="0"/>
           </a:p>
         </p:txBody>
       </p:sp>
-      <p:pic>
-        <p:nvPicPr>
-          <p:cNvPr id="1028" name="Picture 4"/>
-          <p:cNvPicPr>
-            <a:picLocks noChangeAspect="1" noChangeArrowheads="1"/>
-          </p:cNvPicPr>
+      <p:sp>
+        <p:nvSpPr>
+          <p:cNvPr id="5" name="TextBox 4"/>
+          <p:cNvSpPr txBox="1"/>
           <p:nvPr/>
-        </p:nvPicPr>
-        <p:blipFill>
-          <a:blip r:embed="rId2">
-            <a:extLst>
-              <a:ext uri="{28A0092B-C50C-407E-A947-70E740481C1C}">
-                <a14:useLocalDpi xmlns:a14="http://schemas.microsoft.com/office/drawing/2010/main" val="0"/>
-              </a:ext>
-            </a:extLst>
-          </a:blip>
-          <a:srcRect/>
-          <a:stretch>
-            <a:fillRect/>
-          </a:stretch>
-        </p:blipFill>
-        <p:spPr bwMode="auto">
+        </p:nvSpPr>
+        <p:spPr>
           <a:xfrm>
-            <a:off x="899592" y="3356992"/>
-            <a:ext cx="7002463" cy="3105150"/>
+            <a:off x="467544" y="3645024"/>
+            <a:ext cx="8136904" cy="2308324"/>
           </a:xfrm>
           <a:prstGeom prst="rect">
             <a:avLst/>
           </a:prstGeom>
-          <a:noFill/>
-          <a:ln>
-            <a:noFill/>
-          </a:ln>
-          <a:effectLst/>
-          <a:extLst>
-            <a:ext uri="{909E8E84-426E-40DD-AFC4-6F175D3DCCD1}">
-              <a14:hiddenFill xmlns:a14="http://schemas.microsoft.com/office/drawing/2010/main">
-                <a:solidFill>
-                  <a:schemeClr val="accent1"/>
-                </a:solidFill>
-              </a14:hiddenFill>
-            </a:ext>
-            <a:ext uri="{91240B29-F687-4F45-9708-019B960494DF}">
-              <a14:hiddenLine xmlns:a14="http://schemas.microsoft.com/office/drawing/2010/main" w="9525">
-                <a:solidFill>
-                  <a:schemeClr val="tx1"/>
-                </a:solidFill>
-                <a:miter lim="800000"/>
-                <a:headEnd/>
-                <a:tailEnd/>
-              </a14:hiddenLine>
-            </a:ext>
-            <a:ext uri="{AF507438-7753-43E0-B8FC-AC1667EBCBE1}">
-              <a14:hiddenEffects xmlns:a14="http://schemas.microsoft.com/office/drawing/2010/main">
-                <a:effectLst>
-                  <a:outerShdw dist="35921" dir="2700000" algn="ctr" rotWithShape="0">
-                    <a:schemeClr val="bg2"/>
-                  </a:outerShdw>
-                </a:effectLst>
-              </a14:hiddenEffects>
-            </a:ext>
-          </a:extLst>
+          <a:solidFill>
+            <a:schemeClr val="bg1"/>
+          </a:solidFill>
         </p:spPr>
-      </p:pic>
+        <p:txBody>
+          <a:bodyPr wrap="square" rtlCol="0">
+            <a:spAutoFit/>
+          </a:bodyPr>
+          <a:lstStyle/>
+          <a:p>
+            <a:r>
+              <a:rPr lang="en-US" sz="1200" dirty="0">
+                <a:solidFill>
+                  <a:srgbClr val="0000FF"/>
+                </a:solidFill>
+                <a:latin typeface="Courier New" panose="02070309020205020404" pitchFamily="49" charset="0"/>
+                <a:cs typeface="Courier New" panose="02070309020205020404" pitchFamily="49" charset="0"/>
+              </a:rPr>
+              <a:t>static</a:t>
+            </a:r>
+            <a:r>
+              <a:rPr lang="en-US" sz="1200" dirty="0">
+                <a:latin typeface="Courier New" panose="02070309020205020404" pitchFamily="49" charset="0"/>
+                <a:cs typeface="Courier New" panose="02070309020205020404" pitchFamily="49" charset="0"/>
+              </a:rPr>
+              <a:t> </a:t>
+            </a:r>
+            <a:r>
+              <a:rPr lang="en-US" sz="1200" dirty="0">
+                <a:solidFill>
+                  <a:srgbClr val="0000FF"/>
+                </a:solidFill>
+                <a:latin typeface="Courier New" panose="02070309020205020404" pitchFamily="49" charset="0"/>
+                <a:cs typeface="Courier New" panose="02070309020205020404" pitchFamily="49" charset="0"/>
+              </a:rPr>
+              <a:t>void</a:t>
+            </a:r>
+            <a:r>
+              <a:rPr lang="en-US" sz="1200" dirty="0">
+                <a:solidFill>
+                  <a:srgbClr val="000000"/>
+                </a:solidFill>
+                <a:latin typeface="Courier New" panose="02070309020205020404" pitchFamily="49" charset="0"/>
+                <a:cs typeface="Courier New" panose="02070309020205020404" pitchFamily="49" charset="0"/>
+              </a:rPr>
+              <a:t> Main(</a:t>
+            </a:r>
+            <a:r>
+              <a:rPr lang="en-US" sz="1200" dirty="0">
+                <a:solidFill>
+                  <a:srgbClr val="0000FF"/>
+                </a:solidFill>
+                <a:latin typeface="Courier New" panose="02070309020205020404" pitchFamily="49" charset="0"/>
+                <a:cs typeface="Courier New" panose="02070309020205020404" pitchFamily="49" charset="0"/>
+              </a:rPr>
+              <a:t>string</a:t>
+            </a:r>
+            <a:r>
+              <a:rPr lang="en-US" sz="1200" dirty="0">
+                <a:solidFill>
+                  <a:srgbClr val="000000"/>
+                </a:solidFill>
+                <a:latin typeface="Courier New" panose="02070309020205020404" pitchFamily="49" charset="0"/>
+                <a:cs typeface="Courier New" panose="02070309020205020404" pitchFamily="49" charset="0"/>
+              </a:rPr>
+              <a:t>[] args</a:t>
+            </a:r>
+            <a:r>
+              <a:rPr lang="en-US" sz="1200" dirty="0" smtClean="0">
+                <a:solidFill>
+                  <a:srgbClr val="000000"/>
+                </a:solidFill>
+                <a:latin typeface="Courier New" panose="02070309020205020404" pitchFamily="49" charset="0"/>
+                <a:cs typeface="Courier New" panose="02070309020205020404" pitchFamily="49" charset="0"/>
+              </a:rPr>
+              <a:t>)</a:t>
+            </a:r>
+            <a:endParaRPr lang="ru-RU" sz="1200" dirty="0" smtClean="0">
+              <a:solidFill>
+                <a:srgbClr val="000000"/>
+              </a:solidFill>
+              <a:latin typeface="Courier New" panose="02070309020205020404" pitchFamily="49" charset="0"/>
+              <a:cs typeface="Courier New" panose="02070309020205020404" pitchFamily="49" charset="0"/>
+            </a:endParaRPr>
+          </a:p>
+          <a:p>
+            <a:r>
+              <a:rPr lang="en-US" sz="1200" dirty="0" smtClean="0">
+                <a:solidFill>
+                  <a:srgbClr val="000000"/>
+                </a:solidFill>
+                <a:latin typeface="Courier New" panose="02070309020205020404" pitchFamily="49" charset="0"/>
+                <a:cs typeface="Courier New" panose="02070309020205020404" pitchFamily="49" charset="0"/>
+              </a:rPr>
+              <a:t>{</a:t>
+            </a:r>
+            <a:endParaRPr lang="ru-RU" sz="1200" dirty="0" smtClean="0">
+              <a:solidFill>
+                <a:srgbClr val="000000"/>
+              </a:solidFill>
+              <a:latin typeface="Courier New" panose="02070309020205020404" pitchFamily="49" charset="0"/>
+              <a:cs typeface="Courier New" panose="02070309020205020404" pitchFamily="49" charset="0"/>
+            </a:endParaRPr>
+          </a:p>
+          <a:p>
+            <a:r>
+              <a:rPr lang="ru-RU" sz="1200" dirty="0" smtClean="0">
+                <a:solidFill>
+                  <a:srgbClr val="2B91AF"/>
+                </a:solidFill>
+                <a:latin typeface="Courier New" panose="02070309020205020404" pitchFamily="49" charset="0"/>
+                <a:cs typeface="Courier New" panose="02070309020205020404" pitchFamily="49" charset="0"/>
+              </a:rPr>
+              <a:t>    </a:t>
+            </a:r>
+            <a:r>
+              <a:rPr lang="en-US" sz="1200" dirty="0" smtClean="0">
+                <a:solidFill>
+                  <a:srgbClr val="2B91AF"/>
+                </a:solidFill>
+                <a:latin typeface="Courier New" panose="02070309020205020404" pitchFamily="49" charset="0"/>
+                <a:cs typeface="Courier New" panose="02070309020205020404" pitchFamily="49" charset="0"/>
+              </a:rPr>
+              <a:t>AppDomain</a:t>
+            </a:r>
+            <a:r>
+              <a:rPr lang="en-US" sz="1200" dirty="0" smtClean="0">
+                <a:solidFill>
+                  <a:srgbClr val="000000"/>
+                </a:solidFill>
+                <a:latin typeface="Courier New" panose="02070309020205020404" pitchFamily="49" charset="0"/>
+                <a:cs typeface="Courier New" panose="02070309020205020404" pitchFamily="49" charset="0"/>
+              </a:rPr>
+              <a:t>.CurrentDomain.UnhandledException</a:t>
+            </a:r>
+            <a:r>
+              <a:rPr lang="en-US" sz="1200" dirty="0">
+                <a:solidFill>
+                  <a:srgbClr val="000000"/>
+                </a:solidFill>
+                <a:latin typeface="Courier New" panose="02070309020205020404" pitchFamily="49" charset="0"/>
+                <a:cs typeface="Courier New" panose="02070309020205020404" pitchFamily="49" charset="0"/>
+              </a:rPr>
+              <a:t> += OnUnhandledException</a:t>
+            </a:r>
+            <a:r>
+              <a:rPr lang="en-US" sz="1200" dirty="0" smtClean="0">
+                <a:solidFill>
+                  <a:srgbClr val="000000"/>
+                </a:solidFill>
+                <a:latin typeface="Courier New" panose="02070309020205020404" pitchFamily="49" charset="0"/>
+                <a:cs typeface="Courier New" panose="02070309020205020404" pitchFamily="49" charset="0"/>
+              </a:rPr>
+              <a:t>;</a:t>
+            </a:r>
+            <a:endParaRPr lang="ru-RU" sz="1200" dirty="0" smtClean="0">
+              <a:solidFill>
+                <a:srgbClr val="000000"/>
+              </a:solidFill>
+              <a:latin typeface="Courier New" panose="02070309020205020404" pitchFamily="49" charset="0"/>
+              <a:cs typeface="Courier New" panose="02070309020205020404" pitchFamily="49" charset="0"/>
+            </a:endParaRPr>
+          </a:p>
+          <a:p>
+            <a:r>
+              <a:rPr lang="ru-RU" sz="1200" dirty="0" smtClean="0">
+                <a:solidFill>
+                  <a:srgbClr val="008000"/>
+                </a:solidFill>
+                <a:latin typeface="Courier New" panose="02070309020205020404" pitchFamily="49" charset="0"/>
+                <a:cs typeface="Courier New" panose="02070309020205020404" pitchFamily="49" charset="0"/>
+              </a:rPr>
+              <a:t>   </a:t>
+            </a:r>
+            <a:r>
+              <a:rPr lang="en-US" sz="1200" dirty="0" smtClean="0">
+                <a:solidFill>
+                  <a:srgbClr val="008000"/>
+                </a:solidFill>
+                <a:latin typeface="Courier New" panose="02070309020205020404" pitchFamily="49" charset="0"/>
+                <a:cs typeface="Courier New" panose="02070309020205020404" pitchFamily="49" charset="0"/>
+              </a:rPr>
+              <a:t> //</a:t>
+            </a:r>
+            <a:r>
+              <a:rPr lang="en-US" sz="1200" dirty="0">
+                <a:solidFill>
+                  <a:srgbClr val="008000"/>
+                </a:solidFill>
+                <a:latin typeface="Courier New" panose="02070309020205020404" pitchFamily="49" charset="0"/>
+                <a:cs typeface="Courier New" panose="02070309020205020404" pitchFamily="49" charset="0"/>
+              </a:rPr>
+              <a:t> </a:t>
+            </a:r>
+            <a:r>
+              <a:rPr lang="ru-RU" sz="1200" dirty="0" smtClean="0">
+                <a:solidFill>
+                  <a:srgbClr val="008000"/>
+                </a:solidFill>
+                <a:latin typeface="Courier New" panose="02070309020205020404" pitchFamily="49" charset="0"/>
+                <a:cs typeface="Courier New" panose="02070309020205020404" pitchFamily="49" charset="0"/>
+              </a:rPr>
+              <a:t>Основной код приложения</a:t>
+            </a:r>
+            <a:endParaRPr lang="ru-RU" sz="1200" dirty="0" smtClean="0">
+              <a:solidFill>
+                <a:srgbClr val="000000"/>
+              </a:solidFill>
+              <a:latin typeface="Courier New" panose="02070309020205020404" pitchFamily="49" charset="0"/>
+              <a:cs typeface="Courier New" panose="02070309020205020404" pitchFamily="49" charset="0"/>
+            </a:endParaRPr>
+          </a:p>
+          <a:p>
+            <a:r>
+              <a:rPr lang="en-US" sz="1200" dirty="0" smtClean="0">
+                <a:solidFill>
+                  <a:srgbClr val="000000"/>
+                </a:solidFill>
+                <a:latin typeface="Courier New" panose="02070309020205020404" pitchFamily="49" charset="0"/>
+                <a:cs typeface="Courier New" panose="02070309020205020404" pitchFamily="49" charset="0"/>
+              </a:rPr>
+              <a:t>}</a:t>
+            </a:r>
+            <a:endParaRPr lang="ru-RU" sz="1200" dirty="0" smtClean="0">
+              <a:solidFill>
+                <a:srgbClr val="000000"/>
+              </a:solidFill>
+              <a:latin typeface="Courier New" panose="02070309020205020404" pitchFamily="49" charset="0"/>
+              <a:cs typeface="Courier New" panose="02070309020205020404" pitchFamily="49" charset="0"/>
+            </a:endParaRPr>
+          </a:p>
+          <a:p>
+            <a:endParaRPr lang="ru-RU" sz="1200" dirty="0">
+              <a:solidFill>
+                <a:srgbClr val="000000"/>
+              </a:solidFill>
+              <a:latin typeface="Courier New" panose="02070309020205020404" pitchFamily="49" charset="0"/>
+              <a:cs typeface="Courier New" panose="02070309020205020404" pitchFamily="49" charset="0"/>
+            </a:endParaRPr>
+          </a:p>
+          <a:p>
+            <a:r>
+              <a:rPr lang="en-US" sz="1200" dirty="0" smtClean="0">
+                <a:solidFill>
+                  <a:srgbClr val="0000FF"/>
+                </a:solidFill>
+                <a:latin typeface="Courier New" panose="02070309020205020404" pitchFamily="49" charset="0"/>
+                <a:cs typeface="Courier New" panose="02070309020205020404" pitchFamily="49" charset="0"/>
+              </a:rPr>
+              <a:t>private</a:t>
+            </a:r>
+            <a:r>
+              <a:rPr lang="en-US" sz="1200" dirty="0">
+                <a:latin typeface="Courier New" panose="02070309020205020404" pitchFamily="49" charset="0"/>
+                <a:cs typeface="Courier New" panose="02070309020205020404" pitchFamily="49" charset="0"/>
+              </a:rPr>
+              <a:t> </a:t>
+            </a:r>
+            <a:r>
+              <a:rPr lang="en-US" sz="1200" dirty="0">
+                <a:solidFill>
+                  <a:srgbClr val="0000FF"/>
+                </a:solidFill>
+                <a:latin typeface="Courier New" panose="02070309020205020404" pitchFamily="49" charset="0"/>
+                <a:cs typeface="Courier New" panose="02070309020205020404" pitchFamily="49" charset="0"/>
+              </a:rPr>
+              <a:t>static</a:t>
+            </a:r>
+            <a:r>
+              <a:rPr lang="en-US" sz="1200" dirty="0">
+                <a:latin typeface="Courier New" panose="02070309020205020404" pitchFamily="49" charset="0"/>
+                <a:cs typeface="Courier New" panose="02070309020205020404" pitchFamily="49" charset="0"/>
+              </a:rPr>
+              <a:t> </a:t>
+            </a:r>
+            <a:r>
+              <a:rPr lang="en-US" sz="1200" dirty="0">
+                <a:solidFill>
+                  <a:srgbClr val="0000FF"/>
+                </a:solidFill>
+                <a:latin typeface="Courier New" panose="02070309020205020404" pitchFamily="49" charset="0"/>
+                <a:cs typeface="Courier New" panose="02070309020205020404" pitchFamily="49" charset="0"/>
+              </a:rPr>
+              <a:t>void</a:t>
+            </a:r>
+            <a:r>
+              <a:rPr lang="en-US" sz="1200" dirty="0">
+                <a:solidFill>
+                  <a:srgbClr val="000000"/>
+                </a:solidFill>
+                <a:latin typeface="Courier New" panose="02070309020205020404" pitchFamily="49" charset="0"/>
+                <a:cs typeface="Courier New" panose="02070309020205020404" pitchFamily="49" charset="0"/>
+              </a:rPr>
+              <a:t> OnUnhandledException(</a:t>
+            </a:r>
+            <a:r>
+              <a:rPr lang="en-US" sz="1200" dirty="0">
+                <a:solidFill>
+                  <a:srgbClr val="0000FF"/>
+                </a:solidFill>
+                <a:latin typeface="Courier New" panose="02070309020205020404" pitchFamily="49" charset="0"/>
+                <a:cs typeface="Courier New" panose="02070309020205020404" pitchFamily="49" charset="0"/>
+              </a:rPr>
+              <a:t>object</a:t>
+            </a:r>
+            <a:r>
+              <a:rPr lang="en-US" sz="1200" dirty="0">
+                <a:solidFill>
+                  <a:srgbClr val="000000"/>
+                </a:solidFill>
+                <a:latin typeface="Courier New" panose="02070309020205020404" pitchFamily="49" charset="0"/>
+                <a:cs typeface="Courier New" panose="02070309020205020404" pitchFamily="49" charset="0"/>
+              </a:rPr>
+              <a:t> sender,</a:t>
+            </a:r>
+            <a:r>
+              <a:rPr lang="en-US" sz="1200" dirty="0">
+                <a:latin typeface="Courier New" panose="02070309020205020404" pitchFamily="49" charset="0"/>
+                <a:cs typeface="Courier New" panose="02070309020205020404" pitchFamily="49" charset="0"/>
+              </a:rPr>
+              <a:t> </a:t>
+            </a:r>
+            <a:r>
+              <a:rPr lang="en-US" sz="1200" dirty="0">
+                <a:solidFill>
+                  <a:srgbClr val="2B91AF"/>
+                </a:solidFill>
+                <a:latin typeface="Courier New" panose="02070309020205020404" pitchFamily="49" charset="0"/>
+                <a:cs typeface="Courier New" panose="02070309020205020404" pitchFamily="49" charset="0"/>
+              </a:rPr>
+              <a:t>UnhandledExceptionEventArgs</a:t>
+            </a:r>
+            <a:r>
+              <a:rPr lang="en-US" sz="1200" dirty="0">
+                <a:solidFill>
+                  <a:srgbClr val="000000"/>
+                </a:solidFill>
+                <a:latin typeface="Courier New" panose="02070309020205020404" pitchFamily="49" charset="0"/>
+                <a:cs typeface="Courier New" panose="02070309020205020404" pitchFamily="49" charset="0"/>
+              </a:rPr>
+              <a:t> e</a:t>
+            </a:r>
+            <a:r>
+              <a:rPr lang="en-US" sz="1200" dirty="0" smtClean="0">
+                <a:solidFill>
+                  <a:srgbClr val="000000"/>
+                </a:solidFill>
+                <a:latin typeface="Courier New" panose="02070309020205020404" pitchFamily="49" charset="0"/>
+                <a:cs typeface="Courier New" panose="02070309020205020404" pitchFamily="49" charset="0"/>
+              </a:rPr>
+              <a:t>)</a:t>
+            </a:r>
+            <a:endParaRPr lang="ru-RU" sz="1200" dirty="0" smtClean="0">
+              <a:solidFill>
+                <a:srgbClr val="000000"/>
+              </a:solidFill>
+              <a:latin typeface="Courier New" panose="02070309020205020404" pitchFamily="49" charset="0"/>
+              <a:cs typeface="Courier New" panose="02070309020205020404" pitchFamily="49" charset="0"/>
+            </a:endParaRPr>
+          </a:p>
+          <a:p>
+            <a:r>
+              <a:rPr lang="en-US" sz="1200" dirty="0" smtClean="0">
+                <a:solidFill>
+                  <a:srgbClr val="000000"/>
+                </a:solidFill>
+                <a:latin typeface="Courier New" panose="02070309020205020404" pitchFamily="49" charset="0"/>
+                <a:cs typeface="Courier New" panose="02070309020205020404" pitchFamily="49" charset="0"/>
+              </a:rPr>
+              <a:t>{</a:t>
+            </a:r>
+            <a:endParaRPr lang="ru-RU" sz="1200" dirty="0" smtClean="0">
+              <a:solidFill>
+                <a:srgbClr val="000000"/>
+              </a:solidFill>
+              <a:latin typeface="Courier New" panose="02070309020205020404" pitchFamily="49" charset="0"/>
+              <a:cs typeface="Courier New" panose="02070309020205020404" pitchFamily="49" charset="0"/>
+            </a:endParaRPr>
+          </a:p>
+          <a:p>
+            <a:r>
+              <a:rPr lang="ru-RU" sz="1200" dirty="0">
+                <a:solidFill>
+                  <a:srgbClr val="000000"/>
+                </a:solidFill>
+                <a:latin typeface="Courier New" panose="02070309020205020404" pitchFamily="49" charset="0"/>
+                <a:cs typeface="Courier New" panose="02070309020205020404" pitchFamily="49" charset="0"/>
+              </a:rPr>
+              <a:t> </a:t>
+            </a:r>
+            <a:r>
+              <a:rPr lang="ru-RU" sz="1200" dirty="0" smtClean="0">
+                <a:solidFill>
+                  <a:srgbClr val="000000"/>
+                </a:solidFill>
+                <a:latin typeface="Courier New" panose="02070309020205020404" pitchFamily="49" charset="0"/>
+                <a:cs typeface="Courier New" panose="02070309020205020404" pitchFamily="49" charset="0"/>
+              </a:rPr>
+              <a:t>   </a:t>
+            </a:r>
+            <a:r>
+              <a:rPr lang="en-US" sz="1200" dirty="0" smtClean="0">
+                <a:solidFill>
+                  <a:srgbClr val="2B91AF"/>
+                </a:solidFill>
+                <a:latin typeface="Courier New" panose="02070309020205020404" pitchFamily="49" charset="0"/>
+                <a:cs typeface="Courier New" panose="02070309020205020404" pitchFamily="49" charset="0"/>
+              </a:rPr>
+              <a:t>Exception</a:t>
+            </a:r>
+            <a:r>
+              <a:rPr lang="en-US" sz="1200" dirty="0">
+                <a:solidFill>
+                  <a:srgbClr val="000000"/>
+                </a:solidFill>
+                <a:latin typeface="Courier New" panose="02070309020205020404" pitchFamily="49" charset="0"/>
+                <a:cs typeface="Courier New" panose="02070309020205020404" pitchFamily="49" charset="0"/>
+              </a:rPr>
+              <a:t> ex = e.ExceptionObject </a:t>
+            </a:r>
+            <a:r>
+              <a:rPr lang="en-US" sz="1200" dirty="0">
+                <a:solidFill>
+                  <a:srgbClr val="0000FF"/>
+                </a:solidFill>
+                <a:latin typeface="Courier New" panose="02070309020205020404" pitchFamily="49" charset="0"/>
+                <a:cs typeface="Courier New" panose="02070309020205020404" pitchFamily="49" charset="0"/>
+              </a:rPr>
+              <a:t>as</a:t>
+            </a:r>
+            <a:r>
+              <a:rPr lang="en-US" sz="1200" dirty="0">
+                <a:latin typeface="Courier New" panose="02070309020205020404" pitchFamily="49" charset="0"/>
+                <a:cs typeface="Courier New" panose="02070309020205020404" pitchFamily="49" charset="0"/>
+              </a:rPr>
+              <a:t> </a:t>
+            </a:r>
+            <a:r>
+              <a:rPr lang="en-US" sz="1200" dirty="0" smtClean="0">
+                <a:solidFill>
+                  <a:srgbClr val="2B91AF"/>
+                </a:solidFill>
+                <a:latin typeface="Courier New" panose="02070309020205020404" pitchFamily="49" charset="0"/>
+                <a:cs typeface="Courier New" panose="02070309020205020404" pitchFamily="49" charset="0"/>
+              </a:rPr>
+              <a:t>Exception</a:t>
+            </a:r>
+            <a:r>
+              <a:rPr lang="en-US" sz="1200" dirty="0" smtClean="0">
+                <a:solidFill>
+                  <a:srgbClr val="000000"/>
+                </a:solidFill>
+                <a:latin typeface="Courier New" panose="02070309020205020404" pitchFamily="49" charset="0"/>
+                <a:cs typeface="Courier New" panose="02070309020205020404" pitchFamily="49" charset="0"/>
+              </a:rPr>
+              <a:t>;</a:t>
+            </a:r>
+            <a:endParaRPr lang="ru-RU" sz="1200" dirty="0" smtClean="0">
+              <a:solidFill>
+                <a:srgbClr val="000000"/>
+              </a:solidFill>
+              <a:latin typeface="Courier New" panose="02070309020205020404" pitchFamily="49" charset="0"/>
+              <a:cs typeface="Courier New" panose="02070309020205020404" pitchFamily="49" charset="0"/>
+            </a:endParaRPr>
+          </a:p>
+          <a:p>
+            <a:r>
+              <a:rPr lang="ru-RU" sz="1200" dirty="0">
+                <a:solidFill>
+                  <a:srgbClr val="000000"/>
+                </a:solidFill>
+                <a:latin typeface="Courier New" panose="02070309020205020404" pitchFamily="49" charset="0"/>
+                <a:cs typeface="Courier New" panose="02070309020205020404" pitchFamily="49" charset="0"/>
+              </a:rPr>
+              <a:t> </a:t>
+            </a:r>
+            <a:r>
+              <a:rPr lang="ru-RU" sz="1200" dirty="0" smtClean="0">
+                <a:solidFill>
+                  <a:srgbClr val="000000"/>
+                </a:solidFill>
+                <a:latin typeface="Courier New" panose="02070309020205020404" pitchFamily="49" charset="0"/>
+                <a:cs typeface="Courier New" panose="02070309020205020404" pitchFamily="49" charset="0"/>
+              </a:rPr>
+              <a:t>   </a:t>
+            </a:r>
+            <a:r>
+              <a:rPr lang="en-US" sz="1200" dirty="0" smtClean="0">
+                <a:solidFill>
+                  <a:srgbClr val="0000FF"/>
+                </a:solidFill>
+                <a:latin typeface="Courier New" panose="02070309020205020404" pitchFamily="49" charset="0"/>
+                <a:cs typeface="Courier New" panose="02070309020205020404" pitchFamily="49" charset="0"/>
+              </a:rPr>
+              <a:t>if</a:t>
+            </a:r>
+            <a:r>
+              <a:rPr lang="en-US" sz="1200" dirty="0">
+                <a:solidFill>
+                  <a:srgbClr val="000000"/>
+                </a:solidFill>
+                <a:latin typeface="Courier New" panose="02070309020205020404" pitchFamily="49" charset="0"/>
+                <a:cs typeface="Courier New" panose="02070309020205020404" pitchFamily="49" charset="0"/>
+              </a:rPr>
+              <a:t> (ex == </a:t>
+            </a:r>
+            <a:r>
+              <a:rPr lang="en-US" sz="1200" dirty="0">
+                <a:solidFill>
+                  <a:srgbClr val="0000FF"/>
+                </a:solidFill>
+                <a:latin typeface="Courier New" panose="02070309020205020404" pitchFamily="49" charset="0"/>
+                <a:cs typeface="Courier New" panose="02070309020205020404" pitchFamily="49" charset="0"/>
+              </a:rPr>
+              <a:t>null</a:t>
+            </a:r>
+            <a:r>
+              <a:rPr lang="en-US" sz="1200" dirty="0">
+                <a:solidFill>
+                  <a:srgbClr val="000000"/>
+                </a:solidFill>
+                <a:latin typeface="Courier New" panose="02070309020205020404" pitchFamily="49" charset="0"/>
+                <a:cs typeface="Courier New" panose="02070309020205020404" pitchFamily="49" charset="0"/>
+              </a:rPr>
+              <a:t>) </a:t>
+            </a:r>
+            <a:r>
+              <a:rPr lang="en-US" sz="1200" dirty="0">
+                <a:solidFill>
+                  <a:srgbClr val="0000FF"/>
+                </a:solidFill>
+                <a:latin typeface="Courier New" panose="02070309020205020404" pitchFamily="49" charset="0"/>
+                <a:cs typeface="Courier New" panose="02070309020205020404" pitchFamily="49" charset="0"/>
+              </a:rPr>
+              <a:t>return</a:t>
+            </a:r>
+            <a:r>
+              <a:rPr lang="en-US" sz="1200" dirty="0" smtClean="0">
+                <a:solidFill>
+                  <a:srgbClr val="000000"/>
+                </a:solidFill>
+                <a:latin typeface="Courier New" panose="02070309020205020404" pitchFamily="49" charset="0"/>
+                <a:cs typeface="Courier New" panose="02070309020205020404" pitchFamily="49" charset="0"/>
+              </a:rPr>
+              <a:t>;</a:t>
+            </a:r>
+            <a:endParaRPr lang="ru-RU" sz="1200" dirty="0" smtClean="0">
+              <a:solidFill>
+                <a:srgbClr val="000000"/>
+              </a:solidFill>
+              <a:latin typeface="Courier New" panose="02070309020205020404" pitchFamily="49" charset="0"/>
+              <a:cs typeface="Courier New" panose="02070309020205020404" pitchFamily="49" charset="0"/>
+            </a:endParaRPr>
+          </a:p>
+          <a:p>
+            <a:r>
+              <a:rPr lang="ru-RU" sz="1200" dirty="0">
+                <a:solidFill>
+                  <a:srgbClr val="000000"/>
+                </a:solidFill>
+                <a:latin typeface="Courier New" panose="02070309020205020404" pitchFamily="49" charset="0"/>
+                <a:cs typeface="Courier New" panose="02070309020205020404" pitchFamily="49" charset="0"/>
+              </a:rPr>
+              <a:t> </a:t>
+            </a:r>
+            <a:r>
+              <a:rPr lang="ru-RU" sz="1200" dirty="0" smtClean="0">
+                <a:solidFill>
+                  <a:srgbClr val="000000"/>
+                </a:solidFill>
+                <a:latin typeface="Courier New" panose="02070309020205020404" pitchFamily="49" charset="0"/>
+                <a:cs typeface="Courier New" panose="02070309020205020404" pitchFamily="49" charset="0"/>
+              </a:rPr>
+              <a:t>   </a:t>
+            </a:r>
+            <a:r>
+              <a:rPr lang="en-US" sz="1200" dirty="0" smtClean="0">
+                <a:solidFill>
+                  <a:srgbClr val="008000"/>
+                </a:solidFill>
+                <a:latin typeface="Courier New" panose="02070309020205020404" pitchFamily="49" charset="0"/>
+                <a:cs typeface="Courier New" panose="02070309020205020404" pitchFamily="49" charset="0"/>
+              </a:rPr>
+              <a:t>//</a:t>
+            </a:r>
+            <a:r>
+              <a:rPr lang="en-US" sz="1200" dirty="0">
+                <a:solidFill>
+                  <a:srgbClr val="008000"/>
+                </a:solidFill>
+                <a:latin typeface="Courier New" panose="02070309020205020404" pitchFamily="49" charset="0"/>
+                <a:cs typeface="Courier New" panose="02070309020205020404" pitchFamily="49" charset="0"/>
+              </a:rPr>
+              <a:t> </a:t>
+            </a:r>
+            <a:r>
+              <a:rPr lang="ru-RU" sz="1200" dirty="0">
+                <a:solidFill>
+                  <a:srgbClr val="008000"/>
+                </a:solidFill>
+                <a:latin typeface="Courier New" panose="02070309020205020404" pitchFamily="49" charset="0"/>
+                <a:cs typeface="Courier New" panose="02070309020205020404" pitchFamily="49" charset="0"/>
+              </a:rPr>
+              <a:t>Сохранить информацию </a:t>
+            </a:r>
+            <a:r>
+              <a:rPr lang="ru-RU" sz="1200" dirty="0" smtClean="0">
+                <a:solidFill>
+                  <a:srgbClr val="008000"/>
+                </a:solidFill>
+                <a:latin typeface="Courier New" panose="02070309020205020404" pitchFamily="49" charset="0"/>
+                <a:cs typeface="Courier New" panose="02070309020205020404" pitchFamily="49" charset="0"/>
+              </a:rPr>
+              <a:t>об</a:t>
+            </a:r>
+            <a:r>
+              <a:rPr lang="ru-RU" sz="1200" dirty="0">
+                <a:solidFill>
+                  <a:srgbClr val="008000"/>
+                </a:solidFill>
+                <a:latin typeface="Courier New" panose="02070309020205020404" pitchFamily="49" charset="0"/>
+                <a:cs typeface="Courier New" panose="02070309020205020404" pitchFamily="49" charset="0"/>
+              </a:rPr>
+              <a:t> исключении в </a:t>
+            </a:r>
+            <a:r>
+              <a:rPr lang="ru-RU" sz="1200" dirty="0" smtClean="0">
+                <a:solidFill>
+                  <a:srgbClr val="008000"/>
+                </a:solidFill>
+                <a:latin typeface="Courier New" panose="02070309020205020404" pitchFamily="49" charset="0"/>
+                <a:cs typeface="Courier New" panose="02070309020205020404" pitchFamily="49" charset="0"/>
+              </a:rPr>
+              <a:t>лог</a:t>
+            </a:r>
+          </a:p>
+          <a:p>
+            <a:r>
+              <a:rPr lang="ru-RU" sz="1200" dirty="0" smtClean="0">
+                <a:solidFill>
+                  <a:srgbClr val="000000"/>
+                </a:solidFill>
+                <a:latin typeface="Courier New" panose="02070309020205020404" pitchFamily="49" charset="0"/>
+                <a:cs typeface="Courier New" panose="02070309020205020404" pitchFamily="49" charset="0"/>
+              </a:rPr>
+              <a:t>}</a:t>
+            </a:r>
+            <a:endParaRPr lang="en-US" sz="1200" dirty="0" smtClean="0">
+              <a:solidFill>
+                <a:srgbClr val="000000"/>
+              </a:solidFill>
+              <a:latin typeface="Courier New" panose="02070309020205020404" pitchFamily="49" charset="0"/>
+              <a:cs typeface="Courier New" panose="02070309020205020404" pitchFamily="49" charset="0"/>
+            </a:endParaRPr>
+          </a:p>
+        </p:txBody>
+      </p:sp>
     </p:spTree>
     <p:extLst>
       <p:ext uri="{BB962C8B-B14F-4D97-AF65-F5344CB8AC3E}">
-        <p14:creationId xmlns:p14="http://schemas.microsoft.com/office/powerpoint/2010/main" val="1032801931"/>
+        <p14:creationId xmlns:p14="http://schemas.microsoft.com/office/powerpoint/2010/main" val="2325098032"/>
       </p:ext>
     </p:extLst>
   </p:cSld>
@@ -8048,6 +8657,1362 @@
           <a:lstStyle/>
           <a:p>
             <a:r>
+              <a:rPr lang="ru-RU" dirty="0" smtClean="0"/>
+              <a:t>Отключение </a:t>
+            </a:r>
+            <a:r>
+              <a:rPr lang="en-US" dirty="0" smtClean="0"/>
+              <a:t>WER</a:t>
+            </a:r>
+            <a:endParaRPr lang="en-US" dirty="0"/>
+          </a:p>
+        </p:txBody>
+      </p:sp>
+      <p:sp>
+        <p:nvSpPr>
+          <p:cNvPr id="3" name="Content Placeholder 2"/>
+          <p:cNvSpPr>
+            <a:spLocks noGrp="1"/>
+          </p:cNvSpPr>
+          <p:nvPr>
+            <p:ph idx="1"/>
+          </p:nvPr>
+        </p:nvSpPr>
+        <p:spPr>
+          <a:xfrm>
+            <a:off x="457200" y="1412777"/>
+            <a:ext cx="8229600" cy="936103"/>
+          </a:xfrm>
+        </p:spPr>
+        <p:txBody>
+          <a:bodyPr>
+            <a:normAutofit/>
+          </a:bodyPr>
+          <a:lstStyle/>
+          <a:p>
+            <a:pPr marL="0" indent="0">
+              <a:buNone/>
+            </a:pPr>
+            <a:r>
+              <a:rPr lang="ru-RU" sz="1800" dirty="0" smtClean="0"/>
+              <a:t>При использовании события </a:t>
+            </a:r>
+            <a:r>
+              <a:rPr lang="en-US" sz="1800" dirty="0" err="1"/>
+              <a:t>UnhandledException</a:t>
+            </a:r>
+            <a:r>
+              <a:rPr lang="en-US" sz="1800" dirty="0"/>
+              <a:t> </a:t>
+            </a:r>
+            <a:r>
+              <a:rPr lang="ru-RU" sz="1800" dirty="0" smtClean="0"/>
+              <a:t> вам может понадобиться отключить механизм </a:t>
+            </a:r>
+            <a:r>
+              <a:rPr lang="en-US" sz="1800" dirty="0" smtClean="0"/>
+              <a:t>Windows Error Reporting </a:t>
+            </a:r>
+            <a:r>
+              <a:rPr lang="ru-RU" sz="1800" dirty="0" smtClean="0"/>
+              <a:t>который отправляет отчет об ошибке в </a:t>
+            </a:r>
+            <a:r>
+              <a:rPr lang="en-US" sz="1800" dirty="0" smtClean="0"/>
+              <a:t>Microsoft.</a:t>
+            </a:r>
+            <a:endParaRPr lang="en-US" sz="1800" dirty="0"/>
+          </a:p>
+        </p:txBody>
+      </p:sp>
+      <p:sp>
+        <p:nvSpPr>
+          <p:cNvPr id="5" name="Rectangle 4"/>
+          <p:cNvSpPr/>
+          <p:nvPr/>
+        </p:nvSpPr>
+        <p:spPr>
+          <a:xfrm>
+            <a:off x="457200" y="2483018"/>
+            <a:ext cx="7643192" cy="3970318"/>
+          </a:xfrm>
+          <a:prstGeom prst="rect">
+            <a:avLst/>
+          </a:prstGeom>
+          <a:solidFill>
+            <a:schemeClr val="bg1"/>
+          </a:solidFill>
+        </p:spPr>
+        <p:txBody>
+          <a:bodyPr wrap="square">
+            <a:spAutoFit/>
+          </a:bodyPr>
+          <a:lstStyle/>
+          <a:p>
+            <a:r>
+              <a:rPr lang="en-US" sz="1200" dirty="0">
+                <a:solidFill>
+                  <a:srgbClr val="0000FF"/>
+                </a:solidFill>
+                <a:highlight>
+                  <a:srgbClr val="FFFFFF"/>
+                </a:highlight>
+                <a:latin typeface="Consolas"/>
+              </a:rPr>
+              <a:t>static</a:t>
+            </a:r>
+            <a:r>
+              <a:rPr lang="en-US" sz="1200" dirty="0">
+                <a:solidFill>
+                  <a:srgbClr val="000000"/>
+                </a:solidFill>
+                <a:highlight>
+                  <a:srgbClr val="FFFFFF"/>
+                </a:highlight>
+                <a:latin typeface="Consolas"/>
+              </a:rPr>
+              <a:t> </a:t>
+            </a:r>
+            <a:r>
+              <a:rPr lang="en-US" sz="1200" dirty="0">
+                <a:solidFill>
+                  <a:srgbClr val="0000FF"/>
+                </a:solidFill>
+                <a:highlight>
+                  <a:srgbClr val="FFFFFF"/>
+                </a:highlight>
+                <a:latin typeface="Consolas"/>
+              </a:rPr>
+              <a:t>void</a:t>
+            </a:r>
+            <a:r>
+              <a:rPr lang="en-US" sz="1200" dirty="0">
+                <a:solidFill>
+                  <a:srgbClr val="000000"/>
+                </a:solidFill>
+                <a:highlight>
+                  <a:srgbClr val="FFFFFF"/>
+                </a:highlight>
+                <a:latin typeface="Consolas"/>
+              </a:rPr>
+              <a:t> Main</a:t>
+            </a:r>
+            <a:r>
+              <a:rPr lang="en-US" sz="1200" dirty="0" smtClean="0">
+                <a:solidFill>
+                  <a:srgbClr val="000000"/>
+                </a:solidFill>
+                <a:highlight>
+                  <a:srgbClr val="FFFFFF"/>
+                </a:highlight>
+                <a:latin typeface="Consolas"/>
+              </a:rPr>
+              <a:t>() </a:t>
+            </a:r>
+            <a:r>
+              <a:rPr lang="ru-RU" sz="1200" dirty="0" smtClean="0">
+                <a:solidFill>
+                  <a:srgbClr val="000000"/>
+                </a:solidFill>
+                <a:highlight>
+                  <a:srgbClr val="FFFFFF"/>
+                </a:highlight>
+                <a:latin typeface="Consolas"/>
+              </a:rPr>
+              <a:t>{</a:t>
+            </a:r>
+            <a:endParaRPr lang="ru-RU" sz="1200" dirty="0">
+              <a:solidFill>
+                <a:srgbClr val="000000"/>
+              </a:solidFill>
+              <a:highlight>
+                <a:srgbClr val="FFFFFF"/>
+              </a:highlight>
+              <a:latin typeface="Consolas"/>
+            </a:endParaRPr>
+          </a:p>
+          <a:p>
+            <a:r>
+              <a:rPr lang="en-US" sz="1200" dirty="0" smtClean="0">
+                <a:solidFill>
+                  <a:srgbClr val="000000"/>
+                </a:solidFill>
+                <a:highlight>
+                  <a:srgbClr val="FFFFFF"/>
+                </a:highlight>
+                <a:latin typeface="Consolas"/>
+              </a:rPr>
+              <a:t>    </a:t>
+            </a:r>
+            <a:r>
+              <a:rPr lang="en-US" sz="1200" dirty="0" err="1" smtClean="0">
+                <a:solidFill>
+                  <a:srgbClr val="000000"/>
+                </a:solidFill>
+                <a:highlight>
+                  <a:srgbClr val="FFFFFF"/>
+                </a:highlight>
+                <a:latin typeface="Consolas"/>
+              </a:rPr>
+              <a:t>SetErrorMode</a:t>
+            </a:r>
+            <a:r>
+              <a:rPr lang="en-US" sz="1200" dirty="0">
+                <a:solidFill>
+                  <a:srgbClr val="000000"/>
+                </a:solidFill>
+                <a:highlight>
+                  <a:srgbClr val="FFFFFF"/>
+                </a:highlight>
+                <a:latin typeface="Consolas"/>
+              </a:rPr>
+              <a:t>(</a:t>
+            </a:r>
+          </a:p>
+          <a:p>
+            <a:r>
+              <a:rPr lang="en-US" sz="1200" dirty="0" smtClean="0">
+                <a:solidFill>
+                  <a:srgbClr val="000000"/>
+                </a:solidFill>
+                <a:highlight>
+                  <a:srgbClr val="FFFFFF"/>
+                </a:highlight>
+                <a:latin typeface="Consolas"/>
+              </a:rPr>
+              <a:t>        </a:t>
+            </a:r>
+            <a:r>
+              <a:rPr lang="en-US" sz="1200" dirty="0" err="1" smtClean="0">
+                <a:solidFill>
+                  <a:srgbClr val="000000"/>
+                </a:solidFill>
+                <a:highlight>
+                  <a:srgbClr val="FFFFFF"/>
+                </a:highlight>
+                <a:latin typeface="Consolas"/>
+              </a:rPr>
+              <a:t>SetErrorMode</a:t>
+            </a:r>
+            <a:r>
+              <a:rPr lang="en-US" sz="1200" dirty="0" smtClean="0">
+                <a:solidFill>
+                  <a:srgbClr val="000000"/>
+                </a:solidFill>
+                <a:highlight>
+                  <a:srgbClr val="FFFFFF"/>
+                </a:highlight>
+                <a:latin typeface="Consolas"/>
+              </a:rPr>
+              <a:t>(</a:t>
+            </a:r>
+            <a:r>
+              <a:rPr lang="en-US" sz="1200" dirty="0" err="1" smtClean="0">
+                <a:solidFill>
+                  <a:srgbClr val="2B91AF"/>
+                </a:solidFill>
+                <a:highlight>
+                  <a:srgbClr val="FFFFFF"/>
+                </a:highlight>
+                <a:latin typeface="Consolas"/>
+              </a:rPr>
+              <a:t>ErrorModes</a:t>
+            </a:r>
+            <a:r>
+              <a:rPr lang="en-US" sz="1200" dirty="0" err="1" smtClean="0">
+                <a:solidFill>
+                  <a:srgbClr val="000000"/>
+                </a:solidFill>
+                <a:highlight>
+                  <a:srgbClr val="FFFFFF"/>
+                </a:highlight>
+                <a:latin typeface="Consolas"/>
+              </a:rPr>
+              <a:t>.SYSTEM_DEFAULT</a:t>
+            </a:r>
+            <a:r>
+              <a:rPr lang="en-US" sz="1200" dirty="0">
+                <a:solidFill>
+                  <a:srgbClr val="000000"/>
+                </a:solidFill>
+                <a:highlight>
+                  <a:srgbClr val="FFFFFF"/>
+                </a:highlight>
+                <a:latin typeface="Consolas"/>
+              </a:rPr>
+              <a:t>)</a:t>
+            </a:r>
+          </a:p>
+          <a:p>
+            <a:r>
+              <a:rPr lang="en-US" sz="1200" dirty="0" smtClean="0">
+                <a:solidFill>
+                  <a:srgbClr val="000000"/>
+                </a:solidFill>
+                <a:highlight>
+                  <a:srgbClr val="FFFFFF"/>
+                </a:highlight>
+                <a:latin typeface="Consolas"/>
+              </a:rPr>
+              <a:t>        | </a:t>
+            </a:r>
+            <a:r>
+              <a:rPr lang="en-US" sz="1200" dirty="0" err="1">
+                <a:solidFill>
+                  <a:srgbClr val="2B91AF"/>
+                </a:solidFill>
+                <a:highlight>
+                  <a:srgbClr val="FFFFFF"/>
+                </a:highlight>
+                <a:latin typeface="Consolas"/>
+              </a:rPr>
+              <a:t>ErrorModes</a:t>
+            </a:r>
+            <a:r>
+              <a:rPr lang="en-US" sz="1200" dirty="0" err="1">
+                <a:solidFill>
+                  <a:srgbClr val="000000"/>
+                </a:solidFill>
+                <a:highlight>
+                  <a:srgbClr val="FFFFFF"/>
+                </a:highlight>
+                <a:latin typeface="Consolas"/>
+              </a:rPr>
+              <a:t>.SEM_NOGPFAULTERRORBOX</a:t>
+            </a:r>
+            <a:endParaRPr lang="en-US" sz="1200" dirty="0">
+              <a:solidFill>
+                <a:srgbClr val="000000"/>
+              </a:solidFill>
+              <a:highlight>
+                <a:srgbClr val="FFFFFF"/>
+              </a:highlight>
+              <a:latin typeface="Consolas"/>
+            </a:endParaRPr>
+          </a:p>
+          <a:p>
+            <a:r>
+              <a:rPr lang="en-US" sz="1200" dirty="0" smtClean="0">
+                <a:solidFill>
+                  <a:srgbClr val="000000"/>
+                </a:solidFill>
+                <a:highlight>
+                  <a:srgbClr val="FFFFFF"/>
+                </a:highlight>
+                <a:latin typeface="Consolas"/>
+              </a:rPr>
+              <a:t>        | </a:t>
+            </a:r>
+            <a:r>
+              <a:rPr lang="en-US" sz="1200" dirty="0" err="1">
+                <a:solidFill>
+                  <a:srgbClr val="2B91AF"/>
+                </a:solidFill>
+                <a:highlight>
+                  <a:srgbClr val="FFFFFF"/>
+                </a:highlight>
+                <a:latin typeface="Consolas"/>
+              </a:rPr>
+              <a:t>ErrorModes</a:t>
+            </a:r>
+            <a:r>
+              <a:rPr lang="en-US" sz="1200" dirty="0" err="1">
+                <a:solidFill>
+                  <a:srgbClr val="000000"/>
+                </a:solidFill>
+                <a:highlight>
+                  <a:srgbClr val="FFFFFF"/>
+                </a:highlight>
+                <a:latin typeface="Consolas"/>
+              </a:rPr>
+              <a:t>.SEM_FAILCRITICALERRORS</a:t>
+            </a:r>
+            <a:endParaRPr lang="en-US" sz="1200" dirty="0">
+              <a:solidFill>
+                <a:srgbClr val="000000"/>
+              </a:solidFill>
+              <a:highlight>
+                <a:srgbClr val="FFFFFF"/>
+              </a:highlight>
+              <a:latin typeface="Consolas"/>
+            </a:endParaRPr>
+          </a:p>
+          <a:p>
+            <a:r>
+              <a:rPr lang="en-US" sz="1200" dirty="0" smtClean="0">
+                <a:solidFill>
+                  <a:srgbClr val="000000"/>
+                </a:solidFill>
+                <a:highlight>
+                  <a:srgbClr val="FFFFFF"/>
+                </a:highlight>
+                <a:latin typeface="Consolas"/>
+              </a:rPr>
+              <a:t>        | </a:t>
+            </a:r>
+            <a:r>
+              <a:rPr lang="en-US" sz="1200" dirty="0" err="1">
+                <a:solidFill>
+                  <a:srgbClr val="2B91AF"/>
+                </a:solidFill>
+                <a:highlight>
+                  <a:srgbClr val="FFFFFF"/>
+                </a:highlight>
+                <a:latin typeface="Consolas"/>
+              </a:rPr>
+              <a:t>ErrorModes</a:t>
+            </a:r>
+            <a:r>
+              <a:rPr lang="en-US" sz="1200" dirty="0" err="1">
+                <a:solidFill>
+                  <a:srgbClr val="000000"/>
+                </a:solidFill>
+                <a:highlight>
+                  <a:srgbClr val="FFFFFF"/>
+                </a:highlight>
+                <a:latin typeface="Consolas"/>
+              </a:rPr>
+              <a:t>.SEM_NOOPENFILEERRORBOX</a:t>
+            </a:r>
+            <a:endParaRPr lang="en-US" sz="1200" dirty="0">
+              <a:solidFill>
+                <a:srgbClr val="000000"/>
+              </a:solidFill>
+              <a:highlight>
+                <a:srgbClr val="FFFFFF"/>
+              </a:highlight>
+              <a:latin typeface="Consolas"/>
+            </a:endParaRPr>
+          </a:p>
+          <a:p>
+            <a:r>
+              <a:rPr lang="en-US" sz="1200" dirty="0" smtClean="0">
+                <a:solidFill>
+                  <a:srgbClr val="000000"/>
+                </a:solidFill>
+                <a:highlight>
+                  <a:srgbClr val="FFFFFF"/>
+                </a:highlight>
+                <a:latin typeface="Consolas"/>
+              </a:rPr>
+              <a:t>    </a:t>
+            </a:r>
+            <a:r>
+              <a:rPr lang="ru-RU" sz="1200" dirty="0" smtClean="0">
+                <a:solidFill>
+                  <a:srgbClr val="000000"/>
+                </a:solidFill>
+                <a:highlight>
+                  <a:srgbClr val="FFFFFF"/>
+                </a:highlight>
+                <a:latin typeface="Consolas"/>
+              </a:rPr>
+              <a:t>);</a:t>
+            </a:r>
+            <a:endParaRPr lang="ru-RU" sz="1200" dirty="0">
+              <a:solidFill>
+                <a:srgbClr val="000000"/>
+              </a:solidFill>
+              <a:highlight>
+                <a:srgbClr val="FFFFFF"/>
+              </a:highlight>
+              <a:latin typeface="Consolas"/>
+            </a:endParaRPr>
+          </a:p>
+          <a:p>
+            <a:r>
+              <a:rPr lang="en-US" sz="1200" dirty="0" smtClean="0">
+                <a:solidFill>
+                  <a:srgbClr val="008000"/>
+                </a:solidFill>
+                <a:highlight>
+                  <a:srgbClr val="FFFFFF"/>
+                </a:highlight>
+                <a:latin typeface="Consolas"/>
+              </a:rPr>
+              <a:t>    </a:t>
+            </a:r>
+            <a:r>
+              <a:rPr lang="ru-RU" sz="1200" dirty="0" smtClean="0">
+                <a:solidFill>
+                  <a:srgbClr val="008000"/>
+                </a:solidFill>
+                <a:highlight>
+                  <a:srgbClr val="FFFFFF"/>
+                </a:highlight>
+                <a:latin typeface="Consolas"/>
+              </a:rPr>
+              <a:t>// </a:t>
+            </a:r>
+            <a:r>
+              <a:rPr lang="ru-RU" sz="1200" dirty="0">
+                <a:solidFill>
+                  <a:srgbClr val="008000"/>
+                </a:solidFill>
+                <a:highlight>
+                  <a:srgbClr val="FFFFFF"/>
+                </a:highlight>
+                <a:latin typeface="Consolas"/>
+              </a:rPr>
+              <a:t>Код приложения ...</a:t>
+            </a:r>
+            <a:endParaRPr lang="ru-RU" sz="1200" dirty="0">
+              <a:solidFill>
+                <a:srgbClr val="000000"/>
+              </a:solidFill>
+              <a:highlight>
+                <a:srgbClr val="FFFFFF"/>
+              </a:highlight>
+              <a:latin typeface="Consolas"/>
+            </a:endParaRPr>
+          </a:p>
+          <a:p>
+            <a:r>
+              <a:rPr lang="ru-RU" sz="1200" dirty="0" smtClean="0">
+                <a:solidFill>
+                  <a:srgbClr val="000000"/>
+                </a:solidFill>
+                <a:highlight>
+                  <a:srgbClr val="FFFFFF"/>
+                </a:highlight>
+                <a:latin typeface="Consolas"/>
+              </a:rPr>
+              <a:t>}</a:t>
+            </a:r>
+            <a:endParaRPr lang="en-US" sz="1200" dirty="0" smtClean="0">
+              <a:solidFill>
+                <a:srgbClr val="000000"/>
+              </a:solidFill>
+              <a:highlight>
+                <a:srgbClr val="FFFFFF"/>
+              </a:highlight>
+              <a:latin typeface="Consolas"/>
+            </a:endParaRPr>
+          </a:p>
+          <a:p>
+            <a:endParaRPr lang="en-US" sz="1200" dirty="0" smtClean="0">
+              <a:solidFill>
+                <a:srgbClr val="000000"/>
+              </a:solidFill>
+              <a:highlight>
+                <a:srgbClr val="FFFFFF"/>
+              </a:highlight>
+              <a:latin typeface="Consolas"/>
+            </a:endParaRPr>
+          </a:p>
+          <a:p>
+            <a:r>
+              <a:rPr lang="en-US" sz="1200" dirty="0" smtClean="0">
+                <a:solidFill>
+                  <a:srgbClr val="000000"/>
+                </a:solidFill>
+                <a:highlight>
+                  <a:srgbClr val="FFFFFF"/>
+                </a:highlight>
+                <a:latin typeface="Consolas"/>
+              </a:rPr>
+              <a:t>[</a:t>
+            </a:r>
+            <a:r>
+              <a:rPr lang="en-US" sz="1200" dirty="0" err="1">
+                <a:solidFill>
+                  <a:srgbClr val="2B91AF"/>
+                </a:solidFill>
+                <a:highlight>
+                  <a:srgbClr val="FFFFFF"/>
+                </a:highlight>
+                <a:latin typeface="Consolas"/>
+              </a:rPr>
+              <a:t>DllImport</a:t>
+            </a:r>
+            <a:r>
+              <a:rPr lang="en-US" sz="1200" dirty="0">
+                <a:solidFill>
+                  <a:srgbClr val="000000"/>
+                </a:solidFill>
+                <a:highlight>
+                  <a:srgbClr val="FFFFFF"/>
+                </a:highlight>
+                <a:latin typeface="Consolas"/>
+              </a:rPr>
+              <a:t>(</a:t>
+            </a:r>
+            <a:r>
+              <a:rPr lang="en-US" sz="1200" dirty="0">
+                <a:solidFill>
+                  <a:srgbClr val="A31515"/>
+                </a:solidFill>
+                <a:highlight>
+                  <a:srgbClr val="FFFFFF"/>
+                </a:highlight>
+                <a:latin typeface="Consolas"/>
+              </a:rPr>
+              <a:t>"kernel32.dll"</a:t>
+            </a:r>
+            <a:r>
+              <a:rPr lang="en-US" sz="1200" dirty="0">
+                <a:solidFill>
+                  <a:srgbClr val="000000"/>
+                </a:solidFill>
+                <a:highlight>
+                  <a:srgbClr val="FFFFFF"/>
+                </a:highlight>
+                <a:latin typeface="Consolas"/>
+              </a:rPr>
+              <a:t>)]</a:t>
+            </a:r>
+          </a:p>
+          <a:p>
+            <a:r>
+              <a:rPr lang="en-US" sz="1200" dirty="0">
+                <a:solidFill>
+                  <a:srgbClr val="0000FF"/>
+                </a:solidFill>
+                <a:highlight>
+                  <a:srgbClr val="FFFFFF"/>
+                </a:highlight>
+                <a:latin typeface="Consolas"/>
+              </a:rPr>
+              <a:t>internal</a:t>
+            </a:r>
+            <a:r>
+              <a:rPr lang="en-US" sz="1200" dirty="0">
+                <a:solidFill>
+                  <a:srgbClr val="000000"/>
+                </a:solidFill>
+                <a:highlight>
+                  <a:srgbClr val="FFFFFF"/>
+                </a:highlight>
+                <a:latin typeface="Consolas"/>
+              </a:rPr>
+              <a:t> </a:t>
+            </a:r>
+            <a:r>
+              <a:rPr lang="en-US" sz="1200" dirty="0">
+                <a:solidFill>
+                  <a:srgbClr val="0000FF"/>
+                </a:solidFill>
+                <a:highlight>
+                  <a:srgbClr val="FFFFFF"/>
+                </a:highlight>
+                <a:latin typeface="Consolas"/>
+              </a:rPr>
+              <a:t>static</a:t>
+            </a:r>
+            <a:r>
+              <a:rPr lang="en-US" sz="1200" dirty="0">
+                <a:solidFill>
+                  <a:srgbClr val="000000"/>
+                </a:solidFill>
+                <a:highlight>
+                  <a:srgbClr val="FFFFFF"/>
+                </a:highlight>
+                <a:latin typeface="Consolas"/>
+              </a:rPr>
+              <a:t> </a:t>
+            </a:r>
+            <a:r>
+              <a:rPr lang="en-US" sz="1200" dirty="0">
+                <a:solidFill>
+                  <a:srgbClr val="0000FF"/>
+                </a:solidFill>
+                <a:highlight>
+                  <a:srgbClr val="FFFFFF"/>
+                </a:highlight>
+                <a:latin typeface="Consolas"/>
+              </a:rPr>
+              <a:t>extern</a:t>
+            </a:r>
+            <a:r>
+              <a:rPr lang="en-US" sz="1200" dirty="0">
+                <a:solidFill>
+                  <a:srgbClr val="000000"/>
+                </a:solidFill>
+                <a:highlight>
+                  <a:srgbClr val="FFFFFF"/>
+                </a:highlight>
+                <a:latin typeface="Consolas"/>
+              </a:rPr>
+              <a:t> </a:t>
+            </a:r>
+            <a:r>
+              <a:rPr lang="en-US" sz="1200" dirty="0" err="1">
+                <a:solidFill>
+                  <a:srgbClr val="2B91AF"/>
+                </a:solidFill>
+                <a:highlight>
+                  <a:srgbClr val="FFFFFF"/>
+                </a:highlight>
+                <a:latin typeface="Consolas"/>
+              </a:rPr>
+              <a:t>Program</a:t>
+            </a:r>
+            <a:r>
+              <a:rPr lang="en-US" sz="1200" dirty="0" err="1">
+                <a:solidFill>
+                  <a:srgbClr val="000000"/>
+                </a:solidFill>
+                <a:highlight>
+                  <a:srgbClr val="FFFFFF"/>
+                </a:highlight>
+                <a:latin typeface="Consolas"/>
+              </a:rPr>
+              <a:t>.</a:t>
+            </a:r>
+            <a:r>
+              <a:rPr lang="en-US" sz="1200" dirty="0" err="1">
+                <a:solidFill>
+                  <a:srgbClr val="2B91AF"/>
+                </a:solidFill>
+                <a:highlight>
+                  <a:srgbClr val="FFFFFF"/>
+                </a:highlight>
+                <a:latin typeface="Consolas"/>
+              </a:rPr>
+              <a:t>ErrorModes</a:t>
+            </a:r>
+            <a:r>
+              <a:rPr lang="en-US" sz="1200" dirty="0">
+                <a:solidFill>
+                  <a:srgbClr val="000000"/>
+                </a:solidFill>
+                <a:highlight>
+                  <a:srgbClr val="FFFFFF"/>
+                </a:highlight>
+                <a:latin typeface="Consolas"/>
+              </a:rPr>
+              <a:t> </a:t>
+            </a:r>
+            <a:r>
+              <a:rPr lang="en-US" sz="1200" dirty="0" err="1">
+                <a:solidFill>
+                  <a:srgbClr val="000000"/>
+                </a:solidFill>
+                <a:highlight>
+                  <a:srgbClr val="FFFFFF"/>
+                </a:highlight>
+                <a:latin typeface="Consolas"/>
+              </a:rPr>
+              <a:t>SetErrorMode</a:t>
+            </a:r>
+            <a:r>
+              <a:rPr lang="en-US" sz="1200" dirty="0">
+                <a:solidFill>
+                  <a:srgbClr val="000000"/>
+                </a:solidFill>
+                <a:highlight>
+                  <a:srgbClr val="FFFFFF"/>
+                </a:highlight>
+                <a:latin typeface="Consolas"/>
+              </a:rPr>
+              <a:t>(</a:t>
+            </a:r>
+            <a:r>
+              <a:rPr lang="en-US" sz="1200" dirty="0" err="1">
+                <a:solidFill>
+                  <a:srgbClr val="2B91AF"/>
+                </a:solidFill>
+                <a:highlight>
+                  <a:srgbClr val="FFFFFF"/>
+                </a:highlight>
+                <a:latin typeface="Consolas"/>
+              </a:rPr>
+              <a:t>ErrorModes</a:t>
+            </a:r>
+            <a:r>
+              <a:rPr lang="en-US" sz="1200" dirty="0">
+                <a:solidFill>
+                  <a:srgbClr val="000000"/>
+                </a:solidFill>
+                <a:highlight>
+                  <a:srgbClr val="FFFFFF"/>
+                </a:highlight>
+                <a:latin typeface="Consolas"/>
+              </a:rPr>
+              <a:t> mode);</a:t>
+            </a:r>
+          </a:p>
+          <a:p>
+            <a:endParaRPr lang="ru-RU" sz="1200" dirty="0">
+              <a:solidFill>
+                <a:srgbClr val="000000"/>
+              </a:solidFill>
+              <a:highlight>
+                <a:srgbClr val="FFFFFF"/>
+              </a:highlight>
+              <a:latin typeface="Consolas"/>
+            </a:endParaRPr>
+          </a:p>
+          <a:p>
+            <a:r>
+              <a:rPr lang="en-US" sz="1200" dirty="0">
+                <a:solidFill>
+                  <a:srgbClr val="000000"/>
+                </a:solidFill>
+                <a:highlight>
+                  <a:srgbClr val="FFFFFF"/>
+                </a:highlight>
+                <a:latin typeface="Consolas"/>
+              </a:rPr>
+              <a:t>[</a:t>
+            </a:r>
+            <a:r>
+              <a:rPr lang="en-US" sz="1200" dirty="0">
+                <a:solidFill>
+                  <a:srgbClr val="2B91AF"/>
+                </a:solidFill>
+                <a:highlight>
+                  <a:srgbClr val="FFFFFF"/>
+                </a:highlight>
+                <a:latin typeface="Consolas"/>
+              </a:rPr>
+              <a:t>Flags</a:t>
+            </a:r>
+            <a:r>
+              <a:rPr lang="en-US" sz="1200" dirty="0">
+                <a:solidFill>
+                  <a:srgbClr val="000000"/>
+                </a:solidFill>
+                <a:highlight>
+                  <a:srgbClr val="FFFFFF"/>
+                </a:highlight>
+                <a:latin typeface="Consolas"/>
+              </a:rPr>
+              <a:t>]</a:t>
+            </a:r>
+          </a:p>
+          <a:p>
+            <a:r>
+              <a:rPr lang="en-US" sz="1200" dirty="0">
+                <a:solidFill>
+                  <a:srgbClr val="0000FF"/>
+                </a:solidFill>
+                <a:highlight>
+                  <a:srgbClr val="FFFFFF"/>
+                </a:highlight>
+                <a:latin typeface="Consolas"/>
+              </a:rPr>
+              <a:t>internal</a:t>
+            </a:r>
+            <a:r>
+              <a:rPr lang="en-US" sz="1200" dirty="0">
+                <a:solidFill>
+                  <a:srgbClr val="000000"/>
+                </a:solidFill>
+                <a:highlight>
+                  <a:srgbClr val="FFFFFF"/>
+                </a:highlight>
+                <a:latin typeface="Consolas"/>
+              </a:rPr>
+              <a:t> </a:t>
+            </a:r>
+            <a:r>
+              <a:rPr lang="en-US" sz="1200" dirty="0" err="1">
+                <a:solidFill>
+                  <a:srgbClr val="0000FF"/>
+                </a:solidFill>
+                <a:highlight>
+                  <a:srgbClr val="FFFFFF"/>
+                </a:highlight>
+                <a:latin typeface="Consolas"/>
+              </a:rPr>
+              <a:t>enum</a:t>
+            </a:r>
+            <a:r>
+              <a:rPr lang="en-US" sz="1200" dirty="0">
+                <a:solidFill>
+                  <a:srgbClr val="000000"/>
+                </a:solidFill>
+                <a:highlight>
+                  <a:srgbClr val="FFFFFF"/>
+                </a:highlight>
+                <a:latin typeface="Consolas"/>
+              </a:rPr>
+              <a:t> </a:t>
+            </a:r>
+            <a:r>
+              <a:rPr lang="en-US" sz="1200" dirty="0" err="1">
+                <a:solidFill>
+                  <a:srgbClr val="2B91AF"/>
+                </a:solidFill>
+                <a:highlight>
+                  <a:srgbClr val="FFFFFF"/>
+                </a:highlight>
+                <a:latin typeface="Consolas"/>
+              </a:rPr>
+              <a:t>ErrorModes</a:t>
+            </a:r>
+            <a:r>
+              <a:rPr lang="en-US" sz="1200" dirty="0">
+                <a:solidFill>
+                  <a:srgbClr val="000000"/>
+                </a:solidFill>
+                <a:highlight>
+                  <a:srgbClr val="FFFFFF"/>
+                </a:highlight>
+                <a:latin typeface="Consolas"/>
+              </a:rPr>
+              <a:t> : </a:t>
+            </a:r>
+            <a:r>
+              <a:rPr lang="en-US" sz="1200" dirty="0" err="1" smtClean="0">
+                <a:solidFill>
+                  <a:srgbClr val="0000FF"/>
+                </a:solidFill>
+                <a:highlight>
+                  <a:srgbClr val="FFFFFF"/>
+                </a:highlight>
+                <a:latin typeface="Consolas"/>
+              </a:rPr>
+              <a:t>uint</a:t>
+            </a:r>
+            <a:r>
+              <a:rPr lang="en-US" sz="1200" dirty="0" smtClean="0">
+                <a:solidFill>
+                  <a:srgbClr val="0000FF"/>
+                </a:solidFill>
+                <a:highlight>
+                  <a:srgbClr val="FFFFFF"/>
+                </a:highlight>
+                <a:latin typeface="Consolas"/>
+              </a:rPr>
+              <a:t> </a:t>
+            </a:r>
+            <a:r>
+              <a:rPr lang="ru-RU" sz="1200" dirty="0" smtClean="0">
+                <a:solidFill>
+                  <a:srgbClr val="000000"/>
+                </a:solidFill>
+                <a:highlight>
+                  <a:srgbClr val="FFFFFF"/>
+                </a:highlight>
+                <a:latin typeface="Consolas"/>
+              </a:rPr>
+              <a:t>{</a:t>
+            </a:r>
+            <a:endParaRPr lang="ru-RU" sz="1200" dirty="0">
+              <a:solidFill>
+                <a:srgbClr val="000000"/>
+              </a:solidFill>
+              <a:highlight>
+                <a:srgbClr val="FFFFFF"/>
+              </a:highlight>
+              <a:latin typeface="Consolas"/>
+            </a:endParaRPr>
+          </a:p>
+          <a:p>
+            <a:r>
+              <a:rPr lang="en-US" sz="1200" dirty="0" smtClean="0">
+                <a:solidFill>
+                  <a:srgbClr val="000000"/>
+                </a:solidFill>
+                <a:highlight>
+                  <a:srgbClr val="FFFFFF"/>
+                </a:highlight>
+                <a:latin typeface="Consolas"/>
+              </a:rPr>
+              <a:t>    SYSTEM_DEFAULT </a:t>
+            </a:r>
+            <a:r>
+              <a:rPr lang="en-US" sz="1200" dirty="0">
+                <a:solidFill>
+                  <a:srgbClr val="000000"/>
+                </a:solidFill>
+                <a:highlight>
+                  <a:srgbClr val="FFFFFF"/>
+                </a:highlight>
+                <a:latin typeface="Consolas"/>
+              </a:rPr>
+              <a:t>= 0x0,</a:t>
+            </a:r>
+          </a:p>
+          <a:p>
+            <a:r>
+              <a:rPr lang="en-US" sz="1200" dirty="0" smtClean="0">
+                <a:solidFill>
+                  <a:srgbClr val="000000"/>
+                </a:solidFill>
+                <a:highlight>
+                  <a:srgbClr val="FFFFFF"/>
+                </a:highlight>
+                <a:latin typeface="Consolas"/>
+              </a:rPr>
+              <a:t>    SEM_FAILCRITICALERRORS </a:t>
+            </a:r>
+            <a:r>
+              <a:rPr lang="en-US" sz="1200" dirty="0">
+                <a:solidFill>
+                  <a:srgbClr val="000000"/>
+                </a:solidFill>
+                <a:highlight>
+                  <a:srgbClr val="FFFFFF"/>
+                </a:highlight>
+                <a:latin typeface="Consolas"/>
+              </a:rPr>
+              <a:t>= 0x0001,</a:t>
+            </a:r>
+          </a:p>
+          <a:p>
+            <a:r>
+              <a:rPr lang="en-US" sz="1200" dirty="0" smtClean="0">
+                <a:solidFill>
+                  <a:srgbClr val="000000"/>
+                </a:solidFill>
+                <a:highlight>
+                  <a:srgbClr val="FFFFFF"/>
+                </a:highlight>
+                <a:latin typeface="Consolas"/>
+              </a:rPr>
+              <a:t>    SEM_NOALIGNMENTFAULTEXCEPT </a:t>
+            </a:r>
+            <a:r>
+              <a:rPr lang="en-US" sz="1200" dirty="0">
+                <a:solidFill>
+                  <a:srgbClr val="000000"/>
+                </a:solidFill>
+                <a:highlight>
+                  <a:srgbClr val="FFFFFF"/>
+                </a:highlight>
+                <a:latin typeface="Consolas"/>
+              </a:rPr>
+              <a:t>= 0x0004,</a:t>
+            </a:r>
+          </a:p>
+          <a:p>
+            <a:r>
+              <a:rPr lang="en-US" sz="1200" dirty="0" smtClean="0">
+                <a:solidFill>
+                  <a:srgbClr val="000000"/>
+                </a:solidFill>
+                <a:highlight>
+                  <a:srgbClr val="FFFFFF"/>
+                </a:highlight>
+                <a:latin typeface="Consolas"/>
+              </a:rPr>
+              <a:t>    SEM_NOGPFAULTERRORBOX </a:t>
+            </a:r>
+            <a:r>
+              <a:rPr lang="en-US" sz="1200" dirty="0">
+                <a:solidFill>
+                  <a:srgbClr val="000000"/>
+                </a:solidFill>
+                <a:highlight>
+                  <a:srgbClr val="FFFFFF"/>
+                </a:highlight>
+                <a:latin typeface="Consolas"/>
+              </a:rPr>
+              <a:t>= 0x0002,</a:t>
+            </a:r>
+          </a:p>
+          <a:p>
+            <a:r>
+              <a:rPr lang="en-US" sz="1200" dirty="0" smtClean="0">
+                <a:solidFill>
+                  <a:srgbClr val="000000"/>
+                </a:solidFill>
+                <a:highlight>
+                  <a:srgbClr val="FFFFFF"/>
+                </a:highlight>
+                <a:latin typeface="Consolas"/>
+              </a:rPr>
+              <a:t>    SEM_NOOPENFILEERRORBOX </a:t>
+            </a:r>
+            <a:r>
+              <a:rPr lang="en-US" sz="1200" dirty="0">
+                <a:solidFill>
+                  <a:srgbClr val="000000"/>
+                </a:solidFill>
+                <a:highlight>
+                  <a:srgbClr val="FFFFFF"/>
+                </a:highlight>
+                <a:latin typeface="Consolas"/>
+              </a:rPr>
+              <a:t>= 0x8000</a:t>
+            </a:r>
+          </a:p>
+          <a:p>
+            <a:r>
+              <a:rPr lang="ru-RU" sz="1200" dirty="0" smtClean="0">
+                <a:solidFill>
+                  <a:srgbClr val="000000"/>
+                </a:solidFill>
+                <a:highlight>
+                  <a:srgbClr val="FFFFFF"/>
+                </a:highlight>
+                <a:latin typeface="Consolas"/>
+              </a:rPr>
+              <a:t>}</a:t>
+            </a:r>
+            <a:endParaRPr lang="ru-RU" sz="1200" dirty="0">
+              <a:solidFill>
+                <a:srgbClr val="000000"/>
+              </a:solidFill>
+              <a:highlight>
+                <a:srgbClr val="FFFFFF"/>
+              </a:highlight>
+              <a:latin typeface="Consolas"/>
+            </a:endParaRPr>
+          </a:p>
+        </p:txBody>
+      </p:sp>
+    </p:spTree>
+    <p:extLst>
+      <p:ext uri="{BB962C8B-B14F-4D97-AF65-F5344CB8AC3E}">
+        <p14:creationId xmlns:p14="http://schemas.microsoft.com/office/powerpoint/2010/main" val="1032801931"/>
+      </p:ext>
+    </p:extLst>
+  </p:cSld>
+  <p:clrMapOvr>
+    <a:masterClrMapping/>
+  </p:clrMapOvr>
+  <p:timing>
+    <p:tnLst>
+      <p:par>
+        <p:cTn id="1" dur="indefinite" restart="never" nodeType="tmRoot"/>
+      </p:par>
+    </p:tnLst>
+  </p:timing>
+</p:sld>
+</file>
+
+<file path=ppt/slides/slide15.xml><?xml version="1.0" encoding="utf-8"?>
+<p:sld xmlns:a="http://schemas.openxmlformats.org/drawingml/2006/main" xmlns:r="http://schemas.openxmlformats.org/officeDocument/2006/relationships" xmlns:p="http://schemas.openxmlformats.org/presentationml/2006/main">
+  <p:cSld>
+    <p:spTree>
+      <p:nvGrpSpPr>
+        <p:cNvPr id="1" name=""/>
+        <p:cNvGrpSpPr/>
+        <p:nvPr/>
+      </p:nvGrpSpPr>
+      <p:grpSpPr>
+        <a:xfrm>
+          <a:off x="0" y="0"/>
+          <a:ext cx="0" cy="0"/>
+          <a:chOff x="0" y="0"/>
+          <a:chExt cx="0" cy="0"/>
+        </a:xfrm>
+      </p:grpSpPr>
+      <p:sp>
+        <p:nvSpPr>
+          <p:cNvPr id="2" name="Title 1"/>
+          <p:cNvSpPr>
+            <a:spLocks noGrp="1"/>
+          </p:cNvSpPr>
+          <p:nvPr>
+            <p:ph type="title"/>
+          </p:nvPr>
+        </p:nvSpPr>
+        <p:spPr/>
+        <p:txBody>
+          <a:bodyPr>
+            <a:normAutofit/>
+          </a:bodyPr>
+          <a:lstStyle/>
+          <a:p>
+            <a:r>
+              <a:rPr lang="ru-RU" dirty="0" smtClean="0"/>
+              <a:t>Окно </a:t>
+            </a:r>
+            <a:r>
+              <a:rPr lang="en-US" dirty="0" smtClean="0"/>
+              <a:t>Debug -&gt; Exceptions ...</a:t>
+            </a:r>
+            <a:endParaRPr lang="en-US" dirty="0"/>
+          </a:p>
+        </p:txBody>
+      </p:sp>
+      <p:sp>
+        <p:nvSpPr>
+          <p:cNvPr id="3" name="Content Placeholder 2"/>
+          <p:cNvSpPr>
+            <a:spLocks noGrp="1"/>
+          </p:cNvSpPr>
+          <p:nvPr>
+            <p:ph idx="1"/>
+          </p:nvPr>
+        </p:nvSpPr>
+        <p:spPr>
+          <a:xfrm>
+            <a:off x="457200" y="1412776"/>
+            <a:ext cx="8229600" cy="4525963"/>
+          </a:xfrm>
+        </p:spPr>
+        <p:txBody>
+          <a:bodyPr>
+            <a:normAutofit/>
+          </a:bodyPr>
+          <a:lstStyle/>
+          <a:p>
+            <a:pPr marL="0" indent="0">
+              <a:buNone/>
+            </a:pPr>
+            <a:r>
+              <a:rPr lang="ru-RU" sz="1800" dirty="0" smtClean="0"/>
+              <a:t>Окно «</a:t>
+            </a:r>
+            <a:r>
+              <a:rPr lang="en-US" sz="1800" dirty="0" smtClean="0"/>
+              <a:t>Debug </a:t>
+            </a:r>
+            <a:r>
+              <a:rPr lang="en-US" sz="1800" dirty="0"/>
+              <a:t>-&gt; Exceptions </a:t>
+            </a:r>
+            <a:r>
+              <a:rPr lang="en-US" sz="1800" dirty="0" smtClean="0"/>
+              <a:t>...</a:t>
+            </a:r>
+            <a:r>
+              <a:rPr lang="ru-RU" sz="1800" dirty="0" smtClean="0"/>
+              <a:t>» контролирует поведение отладчика при генерации исключений. По умолчанию остановка будет происходить только если исключение не было обработано. Иногда возникает необходимость делать остановку как только исключения было сгенерировано. Для этого нужно поставить отметку в колонке «</a:t>
+            </a:r>
+            <a:r>
+              <a:rPr lang="en-US" sz="1800" dirty="0" smtClean="0"/>
+              <a:t>Thrown</a:t>
+            </a:r>
+            <a:r>
+              <a:rPr lang="ru-RU" sz="1800" dirty="0" smtClean="0"/>
+              <a:t>» в ветке «</a:t>
+            </a:r>
+            <a:r>
+              <a:rPr lang="en-US" sz="1800" dirty="0" smtClean="0"/>
+              <a:t>Common Language Runtime Exceptions</a:t>
+            </a:r>
+            <a:r>
+              <a:rPr lang="ru-RU" sz="1800" dirty="0" smtClean="0"/>
+              <a:t>»</a:t>
+            </a:r>
+            <a:r>
+              <a:rPr lang="en-US" sz="1800" dirty="0"/>
+              <a:t> </a:t>
+            </a:r>
+            <a:r>
+              <a:rPr lang="ru-RU" sz="1800" dirty="0" smtClean="0"/>
+              <a:t>для всех исключений или только для отдельных.</a:t>
+            </a:r>
+            <a:endParaRPr lang="en-US" sz="1800" dirty="0"/>
+          </a:p>
+        </p:txBody>
+      </p:sp>
+      <p:pic>
+        <p:nvPicPr>
+          <p:cNvPr id="1028" name="Picture 4"/>
+          <p:cNvPicPr>
+            <a:picLocks noChangeAspect="1" noChangeArrowheads="1"/>
+          </p:cNvPicPr>
+          <p:nvPr/>
+        </p:nvPicPr>
+        <p:blipFill>
+          <a:blip r:embed="rId2">
+            <a:extLst>
+              <a:ext uri="{28A0092B-C50C-407E-A947-70E740481C1C}">
+                <a14:useLocalDpi xmlns:a14="http://schemas.microsoft.com/office/drawing/2010/main" val="0"/>
+              </a:ext>
+            </a:extLst>
+          </a:blip>
+          <a:srcRect/>
+          <a:stretch>
+            <a:fillRect/>
+          </a:stretch>
+        </p:blipFill>
+        <p:spPr bwMode="auto">
+          <a:xfrm>
+            <a:off x="899592" y="3356992"/>
+            <a:ext cx="7002463" cy="3105150"/>
+          </a:xfrm>
+          <a:prstGeom prst="rect">
+            <a:avLst/>
+          </a:prstGeom>
+          <a:noFill/>
+          <a:ln>
+            <a:noFill/>
+          </a:ln>
+          <a:effectLst/>
+          <a:extLst>
+            <a:ext uri="{909E8E84-426E-40DD-AFC4-6F175D3DCCD1}">
+              <a14:hiddenFill xmlns:a14="http://schemas.microsoft.com/office/drawing/2010/main">
+                <a:solidFill>
+                  <a:schemeClr val="accent1"/>
+                </a:solidFill>
+              </a14:hiddenFill>
+            </a:ext>
+            <a:ext uri="{91240B29-F687-4F45-9708-019B960494DF}">
+              <a14:hiddenLine xmlns:a14="http://schemas.microsoft.com/office/drawing/2010/main" w="9525">
+                <a:solidFill>
+                  <a:schemeClr val="tx1"/>
+                </a:solidFill>
+                <a:miter lim="800000"/>
+                <a:headEnd/>
+                <a:tailEnd/>
+              </a14:hiddenLine>
+            </a:ext>
+            <a:ext uri="{AF507438-7753-43E0-B8FC-AC1667EBCBE1}">
+              <a14:hiddenEffects xmlns:a14="http://schemas.microsoft.com/office/drawing/2010/main">
+                <a:effectLst>
+                  <a:outerShdw dist="35921" dir="2700000" algn="ctr" rotWithShape="0">
+                    <a:schemeClr val="bg2"/>
+                  </a:outerShdw>
+                </a:effectLst>
+              </a14:hiddenEffects>
+            </a:ext>
+          </a:extLst>
+        </p:spPr>
+      </p:pic>
+    </p:spTree>
+    <p:extLst>
+      <p:ext uri="{BB962C8B-B14F-4D97-AF65-F5344CB8AC3E}">
+        <p14:creationId xmlns:p14="http://schemas.microsoft.com/office/powerpoint/2010/main" val="274208739"/>
+      </p:ext>
+    </p:extLst>
+  </p:cSld>
+  <p:clrMapOvr>
+    <a:masterClrMapping/>
+  </p:clrMapOvr>
+  <p:timing>
+    <p:tnLst>
+      <p:par>
+        <p:cTn id="1" dur="indefinite" restart="never" nodeType="tmRoot"/>
+      </p:par>
+    </p:tnLst>
+  </p:timing>
+</p:sld>
+</file>
+
+<file path=ppt/slides/slide16.xml><?xml version="1.0" encoding="utf-8"?>
+<p:sld xmlns:a="http://schemas.openxmlformats.org/drawingml/2006/main" xmlns:r="http://schemas.openxmlformats.org/officeDocument/2006/relationships" xmlns:p="http://schemas.openxmlformats.org/presentationml/2006/main">
+  <p:cSld>
+    <p:spTree>
+      <p:nvGrpSpPr>
+        <p:cNvPr id="1" name=""/>
+        <p:cNvGrpSpPr/>
+        <p:nvPr/>
+      </p:nvGrpSpPr>
+      <p:grpSpPr>
+        <a:xfrm>
+          <a:off x="0" y="0"/>
+          <a:ext cx="0" cy="0"/>
+          <a:chOff x="0" y="0"/>
+          <a:chExt cx="0" cy="0"/>
+        </a:xfrm>
+      </p:grpSpPr>
+      <p:sp>
+        <p:nvSpPr>
+          <p:cNvPr id="2" name="Title 1"/>
+          <p:cNvSpPr>
+            <a:spLocks noGrp="1"/>
+          </p:cNvSpPr>
+          <p:nvPr>
+            <p:ph type="title"/>
+          </p:nvPr>
+        </p:nvSpPr>
+        <p:spPr/>
+        <p:txBody>
+          <a:bodyPr>
+            <a:normAutofit/>
+          </a:bodyPr>
+          <a:lstStyle/>
+          <a:p>
+            <a:r>
               <a:rPr lang="en-US" dirty="0" smtClean="0"/>
               <a:t>Windows Error Reporting</a:t>
             </a:r>
@@ -8503,7 +10468,7 @@
 </p:sld>
 </file>
 
-<file path=ppt/slides/slide15.xml><?xml version="1.0" encoding="utf-8"?>
+<file path=ppt/slides/slide17.xml><?xml version="1.0" encoding="utf-8"?>
 <p:sld xmlns:a="http://schemas.openxmlformats.org/drawingml/2006/main" xmlns:r="http://schemas.openxmlformats.org/officeDocument/2006/relationships" xmlns:p="http://schemas.openxmlformats.org/presentationml/2006/main">
   <p:cSld>
     <p:spTree>

--- a/Presentation/lesson-04-exceptions.pptx
+++ b/Presentation/lesson-04-exceptions.pptx
@@ -307,7 +307,7 @@
             <a:fld id="{FAECF776-F836-4CCD-9497-99E5597B8B5D}" type="datetimeFigureOut">
               <a:rPr lang="en-US" smtClean="0"/>
               <a:pPr/>
-              <a:t>12/3/2015</a:t>
+              <a:t>12/5/2015</a:t>
             </a:fld>
             <a:endParaRPr lang="en-US"/>
           </a:p>
@@ -479,7 +479,7 @@
             <a:fld id="{FAECF776-F836-4CCD-9497-99E5597B8B5D}" type="datetimeFigureOut">
               <a:rPr lang="en-US" smtClean="0"/>
               <a:pPr/>
-              <a:t>12/3/2015</a:t>
+              <a:t>12/5/2015</a:t>
             </a:fld>
             <a:endParaRPr lang="en-US"/>
           </a:p>
@@ -661,7 +661,7 @@
             <a:fld id="{FAECF776-F836-4CCD-9497-99E5597B8B5D}" type="datetimeFigureOut">
               <a:rPr lang="en-US" smtClean="0"/>
               <a:pPr/>
-              <a:t>12/3/2015</a:t>
+              <a:t>12/5/2015</a:t>
             </a:fld>
             <a:endParaRPr lang="en-US"/>
           </a:p>
@@ -833,7 +833,7 @@
             <a:fld id="{FAECF776-F836-4CCD-9497-99E5597B8B5D}" type="datetimeFigureOut">
               <a:rPr lang="en-US" smtClean="0"/>
               <a:pPr/>
-              <a:t>12/3/2015</a:t>
+              <a:t>12/5/2015</a:t>
             </a:fld>
             <a:endParaRPr lang="en-US"/>
           </a:p>
@@ -1081,7 +1081,7 @@
             <a:fld id="{FAECF776-F836-4CCD-9497-99E5597B8B5D}" type="datetimeFigureOut">
               <a:rPr lang="en-US" smtClean="0"/>
               <a:pPr/>
-              <a:t>12/3/2015</a:t>
+              <a:t>12/5/2015</a:t>
             </a:fld>
             <a:endParaRPr lang="en-US"/>
           </a:p>
@@ -1371,7 +1371,7 @@
             <a:fld id="{FAECF776-F836-4CCD-9497-99E5597B8B5D}" type="datetimeFigureOut">
               <a:rPr lang="en-US" smtClean="0"/>
               <a:pPr/>
-              <a:t>12/3/2015</a:t>
+              <a:t>12/5/2015</a:t>
             </a:fld>
             <a:endParaRPr lang="en-US"/>
           </a:p>
@@ -1795,7 +1795,7 @@
             <a:fld id="{FAECF776-F836-4CCD-9497-99E5597B8B5D}" type="datetimeFigureOut">
               <a:rPr lang="en-US" smtClean="0"/>
               <a:pPr/>
-              <a:t>12/3/2015</a:t>
+              <a:t>12/5/2015</a:t>
             </a:fld>
             <a:endParaRPr lang="en-US"/>
           </a:p>
@@ -1915,7 +1915,7 @@
             <a:fld id="{FAECF776-F836-4CCD-9497-99E5597B8B5D}" type="datetimeFigureOut">
               <a:rPr lang="en-US" smtClean="0"/>
               <a:pPr/>
-              <a:t>12/3/2015</a:t>
+              <a:t>12/5/2015</a:t>
             </a:fld>
             <a:endParaRPr lang="en-US"/>
           </a:p>
@@ -2012,7 +2012,7 @@
             <a:fld id="{FAECF776-F836-4CCD-9497-99E5597B8B5D}" type="datetimeFigureOut">
               <a:rPr lang="en-US" smtClean="0"/>
               <a:pPr/>
-              <a:t>12/3/2015</a:t>
+              <a:t>12/5/2015</a:t>
             </a:fld>
             <a:endParaRPr lang="en-US"/>
           </a:p>
@@ -2291,7 +2291,7 @@
             <a:fld id="{FAECF776-F836-4CCD-9497-99E5597B8B5D}" type="datetimeFigureOut">
               <a:rPr lang="en-US" smtClean="0"/>
               <a:pPr/>
-              <a:t>12/3/2015</a:t>
+              <a:t>12/5/2015</a:t>
             </a:fld>
             <a:endParaRPr lang="en-US"/>
           </a:p>
@@ -2546,7 +2546,7 @@
             <a:fld id="{FAECF776-F836-4CCD-9497-99E5597B8B5D}" type="datetimeFigureOut">
               <a:rPr lang="en-US" smtClean="0"/>
               <a:pPr/>
-              <a:t>12/3/2015</a:t>
+              <a:t>12/5/2015</a:t>
             </a:fld>
             <a:endParaRPr lang="en-US"/>
           </a:p>
@@ -2770,7 +2770,7 @@
             <a:fld id="{FAECF776-F836-4CCD-9497-99E5597B8B5D}" type="datetimeFigureOut">
               <a:rPr lang="en-US" smtClean="0"/>
               <a:pPr/>
-              <a:t>12/3/2015</a:t>
+              <a:t>12/5/2015</a:t>
             </a:fld>
             <a:endParaRPr lang="en-US"/>
           </a:p>
@@ -5561,7 +5561,7 @@
                 <a:latin typeface="Courier New" panose="02070309020205020404" pitchFamily="49" charset="0"/>
                 <a:cs typeface="Courier New" panose="02070309020205020404" pitchFamily="49" charset="0"/>
               </a:rPr>
-              <a:t>Idisposable</a:t>
+              <a:t>IDisposable</a:t>
             </a:r>
             <a:r>
               <a:rPr lang="en-US" sz="1000" dirty="0" smtClean="0">

--- a/Presentation/lesson-04-exceptions.pptx
+++ b/Presentation/lesson-04-exceptions.pptx
@@ -123,6 +123,22 @@
       </a:defRPr>
     </a:lvl9pPr>
   </p:defaultTextStyle>
+  <p:extLst>
+    <p:ext uri="{EFAFB233-063F-42B5-8137-9DF3F51BA10A}">
+      <p15:sldGuideLst xmlns:p15="http://schemas.microsoft.com/office/powerpoint/2012/main">
+        <p15:guide id="1" orient="horz" pos="2160">
+          <p15:clr>
+            <a:srgbClr val="A4A3A4"/>
+          </p15:clr>
+        </p15:guide>
+        <p15:guide id="2" pos="2880">
+          <p15:clr>
+            <a:srgbClr val="A4A3A4"/>
+          </p15:clr>
+        </p15:guide>
+      </p15:sldGuideLst>
+    </p:ext>
+  </p:extLst>
 </p:presentation>
 </file>
 
@@ -308,7 +324,7 @@
             <a:fld id="{FAECF776-F836-4CCD-9497-99E5597B8B5D}" type="datetimeFigureOut">
               <a:rPr lang="en-US" smtClean="0"/>
               <a:pPr/>
-              <a:t>6/3/2016</a:t>
+              <a:t>5/6/2017</a:t>
             </a:fld>
             <a:endParaRPr lang="en-US"/>
           </a:p>
@@ -480,7 +496,7 @@
             <a:fld id="{FAECF776-F836-4CCD-9497-99E5597B8B5D}" type="datetimeFigureOut">
               <a:rPr lang="en-US" smtClean="0"/>
               <a:pPr/>
-              <a:t>6/3/2016</a:t>
+              <a:t>5/6/2017</a:t>
             </a:fld>
             <a:endParaRPr lang="en-US"/>
           </a:p>
@@ -662,7 +678,7 @@
             <a:fld id="{FAECF776-F836-4CCD-9497-99E5597B8B5D}" type="datetimeFigureOut">
               <a:rPr lang="en-US" smtClean="0"/>
               <a:pPr/>
-              <a:t>6/3/2016</a:t>
+              <a:t>5/6/2017</a:t>
             </a:fld>
             <a:endParaRPr lang="en-US"/>
           </a:p>
@@ -834,7 +850,7 @@
             <a:fld id="{FAECF776-F836-4CCD-9497-99E5597B8B5D}" type="datetimeFigureOut">
               <a:rPr lang="en-US" smtClean="0"/>
               <a:pPr/>
-              <a:t>6/3/2016</a:t>
+              <a:t>5/6/2017</a:t>
             </a:fld>
             <a:endParaRPr lang="en-US"/>
           </a:p>
@@ -1082,7 +1098,7 @@
             <a:fld id="{FAECF776-F836-4CCD-9497-99E5597B8B5D}" type="datetimeFigureOut">
               <a:rPr lang="en-US" smtClean="0"/>
               <a:pPr/>
-              <a:t>6/3/2016</a:t>
+              <a:t>5/6/2017</a:t>
             </a:fld>
             <a:endParaRPr lang="en-US"/>
           </a:p>
@@ -1372,7 +1388,7 @@
             <a:fld id="{FAECF776-F836-4CCD-9497-99E5597B8B5D}" type="datetimeFigureOut">
               <a:rPr lang="en-US" smtClean="0"/>
               <a:pPr/>
-              <a:t>6/3/2016</a:t>
+              <a:t>5/6/2017</a:t>
             </a:fld>
             <a:endParaRPr lang="en-US"/>
           </a:p>
@@ -1796,7 +1812,7 @@
             <a:fld id="{FAECF776-F836-4CCD-9497-99E5597B8B5D}" type="datetimeFigureOut">
               <a:rPr lang="en-US" smtClean="0"/>
               <a:pPr/>
-              <a:t>6/3/2016</a:t>
+              <a:t>5/6/2017</a:t>
             </a:fld>
             <a:endParaRPr lang="en-US"/>
           </a:p>
@@ -1916,7 +1932,7 @@
             <a:fld id="{FAECF776-F836-4CCD-9497-99E5597B8B5D}" type="datetimeFigureOut">
               <a:rPr lang="en-US" smtClean="0"/>
               <a:pPr/>
-              <a:t>6/3/2016</a:t>
+              <a:t>5/6/2017</a:t>
             </a:fld>
             <a:endParaRPr lang="en-US"/>
           </a:p>
@@ -2013,7 +2029,7 @@
             <a:fld id="{FAECF776-F836-4CCD-9497-99E5597B8B5D}" type="datetimeFigureOut">
               <a:rPr lang="en-US" smtClean="0"/>
               <a:pPr/>
-              <a:t>6/3/2016</a:t>
+              <a:t>5/6/2017</a:t>
             </a:fld>
             <a:endParaRPr lang="en-US"/>
           </a:p>
@@ -2292,7 +2308,7 @@
             <a:fld id="{FAECF776-F836-4CCD-9497-99E5597B8B5D}" type="datetimeFigureOut">
               <a:rPr lang="en-US" smtClean="0"/>
               <a:pPr/>
-              <a:t>6/3/2016</a:t>
+              <a:t>5/6/2017</a:t>
             </a:fld>
             <a:endParaRPr lang="en-US"/>
           </a:p>
@@ -2547,7 +2563,7 @@
             <a:fld id="{FAECF776-F836-4CCD-9497-99E5597B8B5D}" type="datetimeFigureOut">
               <a:rPr lang="en-US" smtClean="0"/>
               <a:pPr/>
-              <a:t>6/3/2016</a:t>
+              <a:t>5/6/2017</a:t>
             </a:fld>
             <a:endParaRPr lang="en-US"/>
           </a:p>
@@ -2771,7 +2787,7 @@
             <a:fld id="{FAECF776-F836-4CCD-9497-99E5597B8B5D}" type="datetimeFigureOut">
               <a:rPr lang="en-US" smtClean="0"/>
               <a:pPr/>
-              <a:t>6/3/2016</a:t>
+              <a:t>5/6/2017</a:t>
             </a:fld>
             <a:endParaRPr lang="en-US"/>
           </a:p>
@@ -14258,7 +14274,7 @@
         <p:spPr/>
         <p:txBody>
           <a:bodyPr>
-            <a:normAutofit fontScale="92500"/>
+            <a:normAutofit fontScale="85000" lnSpcReduction="20000"/>
           </a:bodyPr>
           <a:lstStyle/>
           <a:p>
@@ -14283,14 +14299,32 @@
             </a:r>
             <a:r>
               <a:rPr lang="ru-RU" dirty="0" smtClean="0"/>
-              <a:t>К ним относятся следующие исключения:</a:t>
-            </a:r>
+              <a:t>К ним относятся следующие исключения</a:t>
+            </a:r>
+            <a:r>
+              <a:rPr lang="ru-RU" dirty="0" smtClean="0"/>
+              <a:t>:</a:t>
+            </a:r>
+            <a:endParaRPr lang="en-US" dirty="0" smtClean="0"/>
+          </a:p>
+          <a:p>
+            <a:pPr marL="0" indent="0">
+              <a:buNone/>
+            </a:pPr>
+            <a:endParaRPr lang="ru-RU" dirty="0" smtClean="0"/>
           </a:p>
           <a:p>
             <a:r>
               <a:rPr lang="en-US" dirty="0" err="1" smtClean="0"/>
               <a:t>System.AccessViolationException</a:t>
             </a:r>
+            <a:endParaRPr lang="en-US" dirty="0" smtClean="0"/>
+          </a:p>
+          <a:p>
+            <a:r>
+              <a:rPr lang="en-US" dirty="0" err="1"/>
+              <a:t>System.OutOfMemoryException</a:t>
+            </a:r>
             <a:endParaRPr lang="ru-RU" dirty="0" smtClean="0"/>
           </a:p>
           <a:p>
@@ -14298,12 +14332,12 @@
               <a:rPr lang="en-US" dirty="0" err="1" smtClean="0"/>
               <a:t>System.StackOverflowException</a:t>
             </a:r>
-            <a:endParaRPr lang="ru-RU" dirty="0" smtClean="0"/>
-          </a:p>
-          <a:p>
-            <a:r>
-              <a:rPr lang="ru-RU" dirty="0" smtClean="0"/>
-              <a:t>и некоторые другие</a:t>
+            <a:endParaRPr lang="en-US" dirty="0" smtClean="0"/>
+          </a:p>
+          <a:p>
+            <a:r>
+              <a:rPr lang="en-US" dirty="0" err="1" smtClean="0"/>
+              <a:t>System.Threading.ThreadAbortException</a:t>
             </a:r>
             <a:endParaRPr lang="ru-RU" dirty="0"/>
           </a:p>
@@ -14319,6 +14353,13 @@
   <p:clrMapOvr>
     <a:masterClrMapping/>
   </p:clrMapOvr>
+  <p:timing>
+    <p:tnLst>
+      <p:par>
+        <p:cTn id="1" dur="indefinite" restart="never" nodeType="tmRoot"/>
+      </p:par>
+    </p:tnLst>
+  </p:timing>
 </p:sld>
 </file>
 

--- a/Presentation/lesson-04-exceptions.pptx
+++ b/Presentation/lesson-04-exceptions.pptx
@@ -11,7 +11,7 @@
     <p:sldId id="259" r:id="rId5"/>
     <p:sldId id="318" r:id="rId6"/>
     <p:sldId id="273" r:id="rId7"/>
-    <p:sldId id="274" r:id="rId8"/>
+    <p:sldId id="329" r:id="rId8"/>
     <p:sldId id="324" r:id="rId9"/>
     <p:sldId id="327" r:id="rId10"/>
     <p:sldId id="319" r:id="rId11"/>
@@ -324,7 +324,7 @@
             <a:fld id="{FAECF776-F836-4CCD-9497-99E5597B8B5D}" type="datetimeFigureOut">
               <a:rPr lang="en-US" smtClean="0"/>
               <a:pPr/>
-              <a:t>5/6/2017</a:t>
+              <a:t>6/26/2017</a:t>
             </a:fld>
             <a:endParaRPr lang="en-US"/>
           </a:p>
@@ -496,7 +496,7 @@
             <a:fld id="{FAECF776-F836-4CCD-9497-99E5597B8B5D}" type="datetimeFigureOut">
               <a:rPr lang="en-US" smtClean="0"/>
               <a:pPr/>
-              <a:t>5/6/2017</a:t>
+              <a:t>6/26/2017</a:t>
             </a:fld>
             <a:endParaRPr lang="en-US"/>
           </a:p>
@@ -678,7 +678,7 @@
             <a:fld id="{FAECF776-F836-4CCD-9497-99E5597B8B5D}" type="datetimeFigureOut">
               <a:rPr lang="en-US" smtClean="0"/>
               <a:pPr/>
-              <a:t>5/6/2017</a:t>
+              <a:t>6/26/2017</a:t>
             </a:fld>
             <a:endParaRPr lang="en-US"/>
           </a:p>
@@ -850,7 +850,7 @@
             <a:fld id="{FAECF776-F836-4CCD-9497-99E5597B8B5D}" type="datetimeFigureOut">
               <a:rPr lang="en-US" smtClean="0"/>
               <a:pPr/>
-              <a:t>5/6/2017</a:t>
+              <a:t>6/26/2017</a:t>
             </a:fld>
             <a:endParaRPr lang="en-US"/>
           </a:p>
@@ -1098,7 +1098,7 @@
             <a:fld id="{FAECF776-F836-4CCD-9497-99E5597B8B5D}" type="datetimeFigureOut">
               <a:rPr lang="en-US" smtClean="0"/>
               <a:pPr/>
-              <a:t>5/6/2017</a:t>
+              <a:t>6/26/2017</a:t>
             </a:fld>
             <a:endParaRPr lang="en-US"/>
           </a:p>
@@ -1388,7 +1388,7 @@
             <a:fld id="{FAECF776-F836-4CCD-9497-99E5597B8B5D}" type="datetimeFigureOut">
               <a:rPr lang="en-US" smtClean="0"/>
               <a:pPr/>
-              <a:t>5/6/2017</a:t>
+              <a:t>6/26/2017</a:t>
             </a:fld>
             <a:endParaRPr lang="en-US"/>
           </a:p>
@@ -1812,7 +1812,7 @@
             <a:fld id="{FAECF776-F836-4CCD-9497-99E5597B8B5D}" type="datetimeFigureOut">
               <a:rPr lang="en-US" smtClean="0"/>
               <a:pPr/>
-              <a:t>5/6/2017</a:t>
+              <a:t>6/26/2017</a:t>
             </a:fld>
             <a:endParaRPr lang="en-US"/>
           </a:p>
@@ -1932,7 +1932,7 @@
             <a:fld id="{FAECF776-F836-4CCD-9497-99E5597B8B5D}" type="datetimeFigureOut">
               <a:rPr lang="en-US" smtClean="0"/>
               <a:pPr/>
-              <a:t>5/6/2017</a:t>
+              <a:t>6/26/2017</a:t>
             </a:fld>
             <a:endParaRPr lang="en-US"/>
           </a:p>
@@ -2029,7 +2029,7 @@
             <a:fld id="{FAECF776-F836-4CCD-9497-99E5597B8B5D}" type="datetimeFigureOut">
               <a:rPr lang="en-US" smtClean="0"/>
               <a:pPr/>
-              <a:t>5/6/2017</a:t>
+              <a:t>6/26/2017</a:t>
             </a:fld>
             <a:endParaRPr lang="en-US"/>
           </a:p>
@@ -2308,7 +2308,7 @@
             <a:fld id="{FAECF776-F836-4CCD-9497-99E5597B8B5D}" type="datetimeFigureOut">
               <a:rPr lang="en-US" smtClean="0"/>
               <a:pPr/>
-              <a:t>5/6/2017</a:t>
+              <a:t>6/26/2017</a:t>
             </a:fld>
             <a:endParaRPr lang="en-US"/>
           </a:p>
@@ -2563,7 +2563,7 @@
             <a:fld id="{FAECF776-F836-4CCD-9497-99E5597B8B5D}" type="datetimeFigureOut">
               <a:rPr lang="en-US" smtClean="0"/>
               <a:pPr/>
-              <a:t>5/6/2017</a:t>
+              <a:t>6/26/2017</a:t>
             </a:fld>
             <a:endParaRPr lang="en-US"/>
           </a:p>
@@ -2787,7 +2787,7 @@
             <a:fld id="{FAECF776-F836-4CCD-9497-99E5597B8B5D}" type="datetimeFigureOut">
               <a:rPr lang="en-US" smtClean="0"/>
               <a:pPr/>
-              <a:t>5/6/2017</a:t>
+              <a:t>6/26/2017</a:t>
             </a:fld>
             <a:endParaRPr lang="en-US"/>
           </a:p>
@@ -13829,20 +13829,6 @@
 <file path=ppt/slides/slide7.xml><?xml version="1.0" encoding="utf-8"?>
 <p:sld xmlns:a="http://schemas.openxmlformats.org/drawingml/2006/main" xmlns:r="http://schemas.openxmlformats.org/officeDocument/2006/relationships" xmlns:p="http://schemas.openxmlformats.org/presentationml/2006/main">
   <p:cSld>
-    <p:bg>
-      <p:bgPr>
-        <a:blipFill dpi="0" rotWithShape="1">
-          <a:blip r:embed="rId2">
-            <a:lum/>
-          </a:blip>
-          <a:srcRect/>
-          <a:stretch>
-            <a:fillRect/>
-          </a:stretch>
-        </a:blipFill>
-        <a:effectLst/>
-      </p:bgPr>
-    </p:bg>
     <p:spTree>
       <p:nvGrpSpPr>
         <p:cNvPr id="1" name=""/>
@@ -13859,189 +13845,519 @@
       </p:grpSpPr>
       <p:sp>
         <p:nvSpPr>
-          <p:cNvPr id="3074" name="Прямоугольник 2"/>
+          <p:cNvPr id="2" name="Title 1"/>
           <p:cNvSpPr>
-            <a:spLocks noChangeArrowheads="1"/>
+            <a:spLocks noGrp="1"/>
           </p:cNvSpPr>
-          <p:nvPr/>
+          <p:nvPr>
+            <p:ph type="title"/>
+          </p:nvPr>
         </p:nvSpPr>
-        <p:spPr bwMode="auto">
-          <a:xfrm>
-            <a:off x="2238957" y="332656"/>
-            <a:ext cx="4666086" cy="461665"/>
-          </a:xfrm>
-          <a:prstGeom prst="rect">
-            <a:avLst/>
-          </a:prstGeom>
-          <a:noFill/>
-          <a:ln>
-            <a:noFill/>
-          </a:ln>
-          <a:extLst>
-            <a:ext uri="{909E8E84-426E-40DD-AFC4-6F175D3DCCD1}">
-              <a14:hiddenFill xmlns:a14="http://schemas.microsoft.com/office/drawing/2010/main">
-                <a:solidFill>
-                  <a:srgbClr val="FFFFFF"/>
-                </a:solidFill>
-              </a14:hiddenFill>
-            </a:ext>
-            <a:ext uri="{91240B29-F687-4F45-9708-019B960494DF}">
-              <a14:hiddenLine xmlns:a14="http://schemas.microsoft.com/office/drawing/2010/main" w="9525">
-                <a:solidFill>
-                  <a:srgbClr val="000000"/>
-                </a:solidFill>
-                <a:miter lim="800000"/>
-                <a:headEnd/>
-                <a:tailEnd/>
-              </a14:hiddenLine>
-            </a:ext>
-          </a:extLst>
-        </p:spPr>
+        <p:spPr/>
         <p:txBody>
-          <a:bodyPr wrap="none">
-            <a:spAutoFit/>
+          <a:bodyPr>
+            <a:normAutofit fontScale="90000"/>
           </a:bodyPr>
           <a:lstStyle/>
           <a:p>
             <a:r>
-              <a:rPr lang="ru-RU" sz="2400" b="1" dirty="0" smtClean="0"/>
+              <a:rPr lang="ru-RU" b="1" dirty="0"/>
               <a:t>Часто используемые исключения</a:t>
             </a:r>
-            <a:endParaRPr lang="ru-RU" sz="2400" b="1" dirty="0"/>
+            <a:endParaRPr lang="ru-RU" dirty="0"/>
           </a:p>
         </p:txBody>
       </p:sp>
-      <p:sp>
-        <p:nvSpPr>
-          <p:cNvPr id="3" name="TextBox 2"/>
-          <p:cNvSpPr txBox="1"/>
-          <p:nvPr/>
-        </p:nvSpPr>
-        <p:spPr>
-          <a:xfrm>
-            <a:off x="503548" y="1772816"/>
-            <a:ext cx="8136904" cy="2031325"/>
-          </a:xfrm>
-          <a:prstGeom prst="rect">
-            <a:avLst/>
-          </a:prstGeom>
-          <a:noFill/>
-        </p:spPr>
-        <p:txBody>
-          <a:bodyPr wrap="square" rtlCol="0">
-            <a:spAutoFit/>
-          </a:bodyPr>
-          <a:lstStyle/>
-          <a:p>
-            <a:pPr marL="285750" indent="-285750">
-              <a:buFont typeface="Arial" pitchFamily="34" charset="0"/>
-              <a:buChar char="•"/>
-            </a:pPr>
-            <a:r>
-              <a:rPr lang="en-US" dirty="0" err="1" smtClean="0"/>
-              <a:t>System.Exception</a:t>
-            </a:r>
-            <a:r>
-              <a:rPr lang="en-US" dirty="0" smtClean="0"/>
-              <a:t>, </a:t>
-            </a:r>
-            <a:r>
-              <a:rPr lang="en-US" dirty="0" err="1"/>
-              <a:t>System.ApplicationException</a:t>
-            </a:r>
-            <a:r>
-              <a:rPr lang="en-US" dirty="0"/>
-              <a:t> </a:t>
-            </a:r>
-            <a:endParaRPr lang="en-US" dirty="0" smtClean="0"/>
-          </a:p>
-          <a:p>
-            <a:pPr marL="285750" indent="-285750">
-              <a:buFont typeface="Arial" pitchFamily="34" charset="0"/>
-              <a:buChar char="•"/>
-            </a:pPr>
-            <a:r>
-              <a:rPr lang="en-US" dirty="0" err="1" smtClean="0"/>
-              <a:t>System.NullReferenceException</a:t>
-            </a:r>
-            <a:endParaRPr lang="en-US" dirty="0" smtClean="0"/>
-          </a:p>
-          <a:p>
-            <a:pPr marL="742950" lvl="1" indent="-285750">
-              <a:buFont typeface="Arial" pitchFamily="34" charset="0"/>
-              <a:buChar char="•"/>
-            </a:pPr>
-            <a:r>
-              <a:rPr lang="en-US" dirty="0" smtClean="0"/>
-              <a:t>string s = null; </a:t>
-            </a:r>
-            <a:r>
-              <a:rPr lang="en-US" dirty="0" err="1" smtClean="0"/>
-              <a:t>int</a:t>
-            </a:r>
-            <a:r>
-              <a:rPr lang="en-US" dirty="0" smtClean="0"/>
-              <a:t> length = </a:t>
-            </a:r>
-            <a:r>
-              <a:rPr lang="en-US" dirty="0" err="1" smtClean="0"/>
-              <a:t>s.Length</a:t>
-            </a:r>
-            <a:r>
-              <a:rPr lang="en-US" dirty="0" smtClean="0"/>
-              <a:t>;</a:t>
-            </a:r>
-          </a:p>
-          <a:p>
-            <a:pPr marL="285750" indent="-285750">
-              <a:buFont typeface="Arial" pitchFamily="34" charset="0"/>
-              <a:buChar char="•"/>
-            </a:pPr>
-            <a:r>
-              <a:rPr lang="en-US" dirty="0" err="1"/>
-              <a:t>System.ArgumentNullException</a:t>
-            </a:r>
-            <a:endParaRPr lang="en-US" dirty="0" smtClean="0"/>
-          </a:p>
-          <a:p>
-            <a:pPr marL="285750" indent="-285750">
-              <a:buFont typeface="Arial" pitchFamily="34" charset="0"/>
-              <a:buChar char="•"/>
-            </a:pPr>
-            <a:r>
-              <a:rPr lang="en-US" dirty="0" err="1" smtClean="0"/>
-              <a:t>System.ArgumentOutOfRangeException</a:t>
-            </a:r>
-            <a:endParaRPr lang="en-US" dirty="0" smtClean="0"/>
-          </a:p>
-          <a:p>
-            <a:pPr marL="285750" indent="-285750">
-              <a:buFont typeface="Arial" pitchFamily="34" charset="0"/>
-              <a:buChar char="•"/>
-            </a:pPr>
-            <a:r>
-              <a:rPr lang="en-US" dirty="0" err="1" smtClean="0"/>
-              <a:t>System.InvalidOperationException</a:t>
-            </a:r>
-            <a:endParaRPr lang="en-US" dirty="0" smtClean="0"/>
-          </a:p>
-          <a:p>
-            <a:pPr marL="285750" indent="-285750">
-              <a:buFont typeface="Arial" pitchFamily="34" charset="0"/>
-              <a:buChar char="•"/>
-            </a:pPr>
-            <a:r>
-              <a:rPr lang="en-US" dirty="0" err="1"/>
-              <a:t>System.IO.IOException</a:t>
-            </a:r>
-            <a:endParaRPr lang="en-US" dirty="0"/>
-          </a:p>
-        </p:txBody>
-      </p:sp>
+      <p:graphicFrame>
+        <p:nvGraphicFramePr>
+          <p:cNvPr id="5" name="Table 4"/>
+          <p:cNvGraphicFramePr>
+            <a:graphicFrameLocks noGrp="1"/>
+          </p:cNvGraphicFramePr>
+          <p:nvPr>
+            <p:extLst>
+              <p:ext uri="{D42A27DB-BD31-4B8C-83A1-F6EECF244321}">
+                <p14:modId xmlns:p14="http://schemas.microsoft.com/office/powerpoint/2010/main" val="252463179"/>
+              </p:ext>
+            </p:extLst>
+          </p:nvPr>
+        </p:nvGraphicFramePr>
+        <p:xfrm>
+          <a:off x="457200" y="1596400"/>
+          <a:ext cx="8229600" cy="4312920"/>
+        </p:xfrm>
+        <a:graphic>
+          <a:graphicData uri="http://schemas.openxmlformats.org/drawingml/2006/table">
+            <a:tbl>
+              <a:tblPr firstRow="1" bandRow="1">
+                <a:tableStyleId>{5C22544A-7EE6-4342-B048-85BDC9FD1C3A}</a:tableStyleId>
+              </a:tblPr>
+              <a:tblGrid>
+                <a:gridCol w="3538736"/>
+                <a:gridCol w="4690864"/>
+              </a:tblGrid>
+              <a:tr h="370840">
+                <a:tc>
+                  <a:txBody>
+                    <a:bodyPr/>
+                    <a:lstStyle/>
+                    <a:p>
+                      <a:r>
+                        <a:rPr lang="ru-RU" dirty="0" smtClean="0"/>
+                        <a:t>Название</a:t>
+                      </a:r>
+                      <a:r>
+                        <a:rPr lang="ru-RU" baseline="0" dirty="0" smtClean="0"/>
+                        <a:t> класса исключения</a:t>
+                      </a:r>
+                      <a:endParaRPr lang="en-US" dirty="0"/>
+                    </a:p>
+                  </a:txBody>
+                  <a:tcPr/>
+                </a:tc>
+                <a:tc>
+                  <a:txBody>
+                    <a:bodyPr/>
+                    <a:lstStyle/>
+                    <a:p>
+                      <a:r>
+                        <a:rPr lang="ru-RU" dirty="0" smtClean="0"/>
+                        <a:t>Описание</a:t>
+                      </a:r>
+                      <a:endParaRPr lang="en-US" dirty="0"/>
+                    </a:p>
+                  </a:txBody>
+                  <a:tcPr/>
+                </a:tc>
+              </a:tr>
+              <a:tr h="370840">
+                <a:tc>
+                  <a:txBody>
+                    <a:bodyPr/>
+                    <a:lstStyle/>
+                    <a:p>
+                      <a:r>
+                        <a:rPr lang="en-US" dirty="0" err="1" smtClean="0">
+                          <a:solidFill>
+                            <a:schemeClr val="bg2"/>
+                          </a:solidFill>
+                        </a:rPr>
+                        <a:t>NullReferenceException</a:t>
+                      </a:r>
+                      <a:endParaRPr lang="en-US" dirty="0">
+                        <a:solidFill>
+                          <a:schemeClr val="bg2"/>
+                        </a:solidFill>
+                      </a:endParaRPr>
+                    </a:p>
+                  </a:txBody>
+                  <a:tcPr/>
+                </a:tc>
+                <a:tc>
+                  <a:txBody>
+                    <a:bodyPr/>
+                    <a:lstStyle/>
+                    <a:p>
+                      <a:r>
+                        <a:rPr lang="ru-RU" dirty="0" smtClean="0">
+                          <a:solidFill>
+                            <a:schemeClr val="bg2"/>
+                          </a:solidFill>
+                        </a:rPr>
+                        <a:t>Значение</a:t>
+                      </a:r>
+                      <a:r>
+                        <a:rPr lang="ru-RU" baseline="0" dirty="0" smtClean="0">
+                          <a:solidFill>
+                            <a:schemeClr val="bg2"/>
+                          </a:solidFill>
+                        </a:rPr>
+                        <a:t> ссылочного типа равно </a:t>
+                      </a:r>
+                      <a:r>
+                        <a:rPr lang="en-US" baseline="0" dirty="0" smtClean="0">
+                          <a:solidFill>
+                            <a:schemeClr val="bg2"/>
+                          </a:solidFill>
+                        </a:rPr>
+                        <a:t>null</a:t>
+                      </a:r>
+                      <a:endParaRPr lang="en-US" dirty="0">
+                        <a:solidFill>
+                          <a:schemeClr val="bg2"/>
+                        </a:solidFill>
+                      </a:endParaRPr>
+                    </a:p>
+                  </a:txBody>
+                  <a:tcPr/>
+                </a:tc>
+              </a:tr>
+              <a:tr h="370840">
+                <a:tc>
+                  <a:txBody>
+                    <a:bodyPr/>
+                    <a:lstStyle/>
+                    <a:p>
+                      <a:r>
+                        <a:rPr lang="en-US" sz="1800" kern="1200" dirty="0" err="1" smtClean="0">
+                          <a:solidFill>
+                            <a:schemeClr val="bg2"/>
+                          </a:solidFill>
+                          <a:latin typeface="+mn-lt"/>
+                          <a:ea typeface="+mn-ea"/>
+                          <a:cs typeface="+mn-cs"/>
+                        </a:rPr>
+                        <a:t>ArgumentNullException</a:t>
+                      </a:r>
+                      <a:endParaRPr lang="en-US" dirty="0">
+                        <a:solidFill>
+                          <a:schemeClr val="bg2"/>
+                        </a:solidFill>
+                      </a:endParaRPr>
+                    </a:p>
+                  </a:txBody>
+                  <a:tcPr/>
+                </a:tc>
+                <a:tc>
+                  <a:txBody>
+                    <a:bodyPr/>
+                    <a:lstStyle/>
+                    <a:p>
+                      <a:r>
+                        <a:rPr lang="ru-RU" dirty="0" smtClean="0">
+                          <a:solidFill>
+                            <a:schemeClr val="bg2"/>
+                          </a:solidFill>
+                        </a:rPr>
+                        <a:t>Аргумент</a:t>
+                      </a:r>
+                      <a:r>
+                        <a:rPr lang="ru-RU" baseline="0" dirty="0" smtClean="0">
+                          <a:solidFill>
+                            <a:schemeClr val="bg2"/>
+                          </a:solidFill>
+                        </a:rPr>
+                        <a:t> ссылочного типа равен </a:t>
+                      </a:r>
+                      <a:r>
+                        <a:rPr lang="en-US" baseline="0" dirty="0" smtClean="0">
+                          <a:solidFill>
+                            <a:schemeClr val="bg2"/>
+                          </a:solidFill>
+                        </a:rPr>
+                        <a:t>null</a:t>
+                      </a:r>
+                      <a:endParaRPr lang="en-US" dirty="0">
+                        <a:solidFill>
+                          <a:schemeClr val="bg2"/>
+                        </a:solidFill>
+                      </a:endParaRPr>
+                    </a:p>
+                  </a:txBody>
+                  <a:tcPr/>
+                </a:tc>
+              </a:tr>
+              <a:tr h="370840">
+                <a:tc>
+                  <a:txBody>
+                    <a:bodyPr/>
+                    <a:lstStyle/>
+                    <a:p>
+                      <a:r>
+                        <a:rPr lang="en-US" sz="1800" kern="1200" dirty="0" err="1" smtClean="0">
+                          <a:solidFill>
+                            <a:schemeClr val="bg2"/>
+                          </a:solidFill>
+                          <a:latin typeface="+mn-lt"/>
+                          <a:ea typeface="+mn-ea"/>
+                          <a:cs typeface="+mn-cs"/>
+                        </a:rPr>
+                        <a:t>ArgumentOutOfRangeException</a:t>
+                      </a:r>
+                      <a:endParaRPr lang="en-US" dirty="0">
+                        <a:solidFill>
+                          <a:schemeClr val="bg2"/>
+                        </a:solidFill>
+                      </a:endParaRPr>
+                    </a:p>
+                  </a:txBody>
+                  <a:tcPr/>
+                </a:tc>
+                <a:tc>
+                  <a:txBody>
+                    <a:bodyPr/>
+                    <a:lstStyle/>
+                    <a:p>
+                      <a:r>
+                        <a:rPr lang="ru-RU" dirty="0" smtClean="0">
+                          <a:solidFill>
+                            <a:schemeClr val="bg2"/>
+                          </a:solidFill>
+                        </a:rPr>
+                        <a:t>Значение</a:t>
+                      </a:r>
+                      <a:r>
+                        <a:rPr lang="ru-RU" baseline="0" dirty="0" smtClean="0">
+                          <a:solidFill>
+                            <a:schemeClr val="bg2"/>
+                          </a:solidFill>
+                        </a:rPr>
+                        <a:t> аргумента выходит за разрешенный диапазон значений</a:t>
+                      </a:r>
+                      <a:endParaRPr lang="en-US" dirty="0">
+                        <a:solidFill>
+                          <a:schemeClr val="bg2"/>
+                        </a:solidFill>
+                      </a:endParaRPr>
+                    </a:p>
+                  </a:txBody>
+                  <a:tcPr/>
+                </a:tc>
+              </a:tr>
+              <a:tr h="370840">
+                <a:tc>
+                  <a:txBody>
+                    <a:bodyPr/>
+                    <a:lstStyle/>
+                    <a:p>
+                      <a:r>
+                        <a:rPr lang="en-US" sz="1800" kern="1200" dirty="0" err="1" smtClean="0">
+                          <a:solidFill>
+                            <a:schemeClr val="bg2"/>
+                          </a:solidFill>
+                          <a:latin typeface="+mn-lt"/>
+                          <a:ea typeface="+mn-ea"/>
+                          <a:cs typeface="+mn-cs"/>
+                        </a:rPr>
+                        <a:t>IndexOutOfRangeException</a:t>
+                      </a:r>
+                      <a:endParaRPr lang="en-US" dirty="0">
+                        <a:solidFill>
+                          <a:schemeClr val="bg2"/>
+                        </a:solidFill>
+                      </a:endParaRPr>
+                    </a:p>
+                  </a:txBody>
+                  <a:tcPr/>
+                </a:tc>
+                <a:tc>
+                  <a:txBody>
+                    <a:bodyPr/>
+                    <a:lstStyle/>
+                    <a:p>
+                      <a:r>
+                        <a:rPr lang="ru-RU" dirty="0" smtClean="0">
+                          <a:solidFill>
+                            <a:schemeClr val="bg2"/>
+                          </a:solidFill>
+                        </a:rPr>
+                        <a:t>Индекс</a:t>
+                      </a:r>
+                      <a:r>
+                        <a:rPr lang="ru-RU" baseline="0" dirty="0" smtClean="0">
+                          <a:solidFill>
+                            <a:schemeClr val="bg2"/>
+                          </a:solidFill>
+                        </a:rPr>
+                        <a:t> (коллекции) </a:t>
+                      </a:r>
+                      <a:r>
+                        <a:rPr lang="ru-RU" baseline="0" dirty="0" smtClean="0">
+                          <a:solidFill>
+                            <a:schemeClr val="bg2"/>
+                          </a:solidFill>
+                        </a:rPr>
+                        <a:t>выходит за разрешенный диапазон значений</a:t>
+                      </a:r>
+                      <a:endParaRPr lang="en-US" dirty="0">
+                        <a:solidFill>
+                          <a:schemeClr val="bg2"/>
+                        </a:solidFill>
+                      </a:endParaRPr>
+                    </a:p>
+                  </a:txBody>
+                  <a:tcPr/>
+                </a:tc>
+              </a:tr>
+              <a:tr h="370840">
+                <a:tc>
+                  <a:txBody>
+                    <a:bodyPr/>
+                    <a:lstStyle/>
+                    <a:p>
+                      <a:r>
+                        <a:rPr lang="en-US" sz="1800" kern="1200" dirty="0" err="1" smtClean="0">
+                          <a:solidFill>
+                            <a:schemeClr val="bg2"/>
+                          </a:solidFill>
+                          <a:latin typeface="+mn-lt"/>
+                          <a:ea typeface="+mn-ea"/>
+                          <a:cs typeface="+mn-cs"/>
+                        </a:rPr>
+                        <a:t>InvalidOperationException</a:t>
+                      </a:r>
+                      <a:endParaRPr lang="en-US" dirty="0">
+                        <a:solidFill>
+                          <a:schemeClr val="bg2"/>
+                        </a:solidFill>
+                      </a:endParaRPr>
+                    </a:p>
+                  </a:txBody>
+                  <a:tcPr/>
+                </a:tc>
+                <a:tc>
+                  <a:txBody>
+                    <a:bodyPr/>
+                    <a:lstStyle/>
+                    <a:p>
+                      <a:r>
+                        <a:rPr lang="ru-RU" dirty="0" smtClean="0">
+                          <a:solidFill>
+                            <a:schemeClr val="bg2"/>
+                          </a:solidFill>
+                        </a:rPr>
+                        <a:t>Попытка выполнить операцию</a:t>
+                      </a:r>
+                      <a:r>
+                        <a:rPr lang="ru-RU" baseline="0" dirty="0" smtClean="0">
+                          <a:solidFill>
+                            <a:schemeClr val="bg2"/>
+                          </a:solidFill>
+                        </a:rPr>
+                        <a:t> запрещенную текущим состоянием объекта</a:t>
+                      </a:r>
+                      <a:endParaRPr lang="en-US" dirty="0">
+                        <a:solidFill>
+                          <a:schemeClr val="bg2"/>
+                        </a:solidFill>
+                      </a:endParaRPr>
+                    </a:p>
+                  </a:txBody>
+                  <a:tcPr/>
+                </a:tc>
+              </a:tr>
+              <a:tr h="370840">
+                <a:tc>
+                  <a:txBody>
+                    <a:bodyPr/>
+                    <a:lstStyle/>
+                    <a:p>
+                      <a:r>
+                        <a:rPr lang="en-US" sz="1800" kern="1200" dirty="0" err="1" smtClean="0">
+                          <a:solidFill>
+                            <a:schemeClr val="bg2"/>
+                          </a:solidFill>
+                          <a:latin typeface="+mn-lt"/>
+                          <a:ea typeface="+mn-ea"/>
+                          <a:cs typeface="+mn-cs"/>
+                        </a:rPr>
+                        <a:t>AggregateException</a:t>
+                      </a:r>
+                      <a:endParaRPr lang="en-US" dirty="0">
+                        <a:solidFill>
+                          <a:schemeClr val="bg2"/>
+                        </a:solidFill>
+                      </a:endParaRPr>
+                    </a:p>
+                  </a:txBody>
+                  <a:tcPr/>
+                </a:tc>
+                <a:tc>
+                  <a:txBody>
+                    <a:bodyPr/>
+                    <a:lstStyle/>
+                    <a:p>
+                      <a:r>
+                        <a:rPr lang="ru-RU" dirty="0" smtClean="0">
+                          <a:solidFill>
+                            <a:schemeClr val="bg2"/>
+                          </a:solidFill>
+                        </a:rPr>
+                        <a:t>Исключение состоящее из других</a:t>
+                      </a:r>
+                      <a:r>
+                        <a:rPr lang="ru-RU" baseline="0" dirty="0" smtClean="0">
+                          <a:solidFill>
+                            <a:schemeClr val="bg2"/>
+                          </a:solidFill>
+                        </a:rPr>
+                        <a:t> вложенных исключений</a:t>
+                      </a:r>
+                      <a:endParaRPr lang="en-US" dirty="0">
+                        <a:solidFill>
+                          <a:schemeClr val="bg2"/>
+                        </a:solidFill>
+                      </a:endParaRPr>
+                    </a:p>
+                  </a:txBody>
+                  <a:tcPr/>
+                </a:tc>
+              </a:tr>
+              <a:tr h="370840">
+                <a:tc>
+                  <a:txBody>
+                    <a:bodyPr/>
+                    <a:lstStyle/>
+                    <a:p>
+                      <a:r>
+                        <a:rPr lang="en-US" sz="1800" kern="1200" dirty="0" err="1" smtClean="0">
+                          <a:solidFill>
+                            <a:schemeClr val="bg2"/>
+                          </a:solidFill>
+                          <a:latin typeface="+mn-lt"/>
+                          <a:ea typeface="+mn-ea"/>
+                          <a:cs typeface="+mn-cs"/>
+                        </a:rPr>
+                        <a:t>ObjectDisposedException</a:t>
+                      </a:r>
+                      <a:endParaRPr lang="en-US" dirty="0">
+                        <a:solidFill>
+                          <a:schemeClr val="bg2"/>
+                        </a:solidFill>
+                      </a:endParaRPr>
+                    </a:p>
+                  </a:txBody>
+                  <a:tcPr/>
+                </a:tc>
+                <a:tc>
+                  <a:txBody>
+                    <a:bodyPr/>
+                    <a:lstStyle/>
+                    <a:p>
+                      <a:r>
+                        <a:rPr lang="ru-RU" dirty="0" smtClean="0">
+                          <a:solidFill>
+                            <a:schemeClr val="bg2"/>
+                          </a:solidFill>
+                        </a:rPr>
+                        <a:t>Попытка использовать объект после вызова </a:t>
+                      </a:r>
+                      <a:r>
+                        <a:rPr lang="en-US" dirty="0" smtClean="0">
+                          <a:solidFill>
+                            <a:schemeClr val="bg2"/>
+                          </a:solidFill>
+                        </a:rPr>
+                        <a:t>Dispose()</a:t>
+                      </a:r>
+                      <a:endParaRPr lang="en-US" dirty="0">
+                        <a:solidFill>
+                          <a:schemeClr val="bg2"/>
+                        </a:solidFill>
+                      </a:endParaRPr>
+                    </a:p>
+                  </a:txBody>
+                  <a:tcPr/>
+                </a:tc>
+              </a:tr>
+            </a:tbl>
+          </a:graphicData>
+        </a:graphic>
+      </p:graphicFrame>
     </p:spTree>
     <p:extLst>
       <p:ext uri="{BB962C8B-B14F-4D97-AF65-F5344CB8AC3E}">
-        <p14:creationId xmlns:p14="http://schemas.microsoft.com/office/powerpoint/2010/main" val="3298759647"/>
+        <p14:creationId xmlns:p14="http://schemas.microsoft.com/office/powerpoint/2010/main" val="4081289214"/>
       </p:ext>
     </p:extLst>
   </p:cSld>
@@ -14299,11 +14615,7 @@
             </a:r>
             <a:r>
               <a:rPr lang="ru-RU" dirty="0" smtClean="0"/>
-              <a:t>К ним относятся следующие исключения</a:t>
-            </a:r>
-            <a:r>
-              <a:rPr lang="ru-RU" dirty="0" smtClean="0"/>
-              <a:t>:</a:t>
+              <a:t>К ним относятся следующие исключения:</a:t>
             </a:r>
             <a:endParaRPr lang="en-US" dirty="0" smtClean="0"/>
           </a:p>

--- a/Presentation/lesson-04-exceptions.pptx
+++ b/Presentation/lesson-04-exceptions.pptx
@@ -11,22 +11,23 @@
     <p:sldId id="259" r:id="rId5"/>
     <p:sldId id="327" r:id="rId6"/>
     <p:sldId id="331" r:id="rId7"/>
-    <p:sldId id="318" r:id="rId8"/>
-    <p:sldId id="273" r:id="rId9"/>
-    <p:sldId id="329" r:id="rId10"/>
-    <p:sldId id="324" r:id="rId11"/>
-    <p:sldId id="330" r:id="rId12"/>
-    <p:sldId id="319" r:id="rId13"/>
-    <p:sldId id="326" r:id="rId14"/>
-    <p:sldId id="292" r:id="rId15"/>
-    <p:sldId id="282" r:id="rId16"/>
-    <p:sldId id="284" r:id="rId17"/>
-    <p:sldId id="285" r:id="rId18"/>
-    <p:sldId id="322" r:id="rId19"/>
-    <p:sldId id="323" r:id="rId20"/>
-    <p:sldId id="320" r:id="rId21"/>
-    <p:sldId id="321" r:id="rId22"/>
-    <p:sldId id="325" r:id="rId23"/>
+    <p:sldId id="332" r:id="rId8"/>
+    <p:sldId id="318" r:id="rId9"/>
+    <p:sldId id="273" r:id="rId10"/>
+    <p:sldId id="329" r:id="rId11"/>
+    <p:sldId id="324" r:id="rId12"/>
+    <p:sldId id="330" r:id="rId13"/>
+    <p:sldId id="319" r:id="rId14"/>
+    <p:sldId id="326" r:id="rId15"/>
+    <p:sldId id="292" r:id="rId16"/>
+    <p:sldId id="282" r:id="rId17"/>
+    <p:sldId id="284" r:id="rId18"/>
+    <p:sldId id="285" r:id="rId19"/>
+    <p:sldId id="322" r:id="rId20"/>
+    <p:sldId id="323" r:id="rId21"/>
+    <p:sldId id="320" r:id="rId22"/>
+    <p:sldId id="321" r:id="rId23"/>
+    <p:sldId id="325" r:id="rId24"/>
   </p:sldIdLst>
   <p:sldSz cx="9144000" cy="6858000" type="screen4x3"/>
   <p:notesSz cx="6858000" cy="9144000"/>
@@ -127,7 +128,7 @@
   </p:defaultTextStyle>
   <p:extLst>
     <p:ext uri="{EFAFB233-063F-42B5-8137-9DF3F51BA10A}">
-      <p15:sldGuideLst xmlns:p15="http://schemas.microsoft.com/office/powerpoint/2012/main">
+      <p15:sldGuideLst xmlns:p15="http://schemas.microsoft.com/office/powerpoint/2012/main" xmlns="">
         <p15:guide id="1" orient="horz" pos="2160">
           <p15:clr>
             <a:srgbClr val="A4A3A4"/>
@@ -324,7 +325,7 @@
             <a:fld id="{FAECF776-F836-4CCD-9497-99E5597B8B5D}" type="datetimeFigureOut">
               <a:rPr lang="en-US" smtClean="0"/>
               <a:pPr/>
-              <a:t>10/7/18</a:t>
+              <a:t>11/30/2018</a:t>
             </a:fld>
             <a:endParaRPr lang="en-US"/>
           </a:p>
@@ -494,7 +495,7 @@
             <a:fld id="{FAECF776-F836-4CCD-9497-99E5597B8B5D}" type="datetimeFigureOut">
               <a:rPr lang="en-US" smtClean="0"/>
               <a:pPr/>
-              <a:t>10/7/18</a:t>
+              <a:t>11/30/2018</a:t>
             </a:fld>
             <a:endParaRPr lang="en-US"/>
           </a:p>
@@ -674,7 +675,7 @@
             <a:fld id="{FAECF776-F836-4CCD-9497-99E5597B8B5D}" type="datetimeFigureOut">
               <a:rPr lang="en-US" smtClean="0"/>
               <a:pPr/>
-              <a:t>10/7/18</a:t>
+              <a:t>11/30/2018</a:t>
             </a:fld>
             <a:endParaRPr lang="en-US"/>
           </a:p>
@@ -844,7 +845,7 @@
             <a:fld id="{FAECF776-F836-4CCD-9497-99E5597B8B5D}" type="datetimeFigureOut">
               <a:rPr lang="en-US" smtClean="0"/>
               <a:pPr/>
-              <a:t>10/7/18</a:t>
+              <a:t>11/30/2018</a:t>
             </a:fld>
             <a:endParaRPr lang="en-US"/>
           </a:p>
@@ -1091,7 +1092,7 @@
             <a:fld id="{FAECF776-F836-4CCD-9497-99E5597B8B5D}" type="datetimeFigureOut">
               <a:rPr lang="en-US" smtClean="0"/>
               <a:pPr/>
-              <a:t>10/7/18</a:t>
+              <a:t>11/30/2018</a:t>
             </a:fld>
             <a:endParaRPr lang="en-US"/>
           </a:p>
@@ -1378,7 +1379,7 @@
             <a:fld id="{FAECF776-F836-4CCD-9497-99E5597B8B5D}" type="datetimeFigureOut">
               <a:rPr lang="en-US" smtClean="0"/>
               <a:pPr/>
-              <a:t>10/7/18</a:t>
+              <a:t>11/30/2018</a:t>
             </a:fld>
             <a:endParaRPr lang="en-US"/>
           </a:p>
@@ -1799,7 +1800,7 @@
             <a:fld id="{FAECF776-F836-4CCD-9497-99E5597B8B5D}" type="datetimeFigureOut">
               <a:rPr lang="en-US" smtClean="0"/>
               <a:pPr/>
-              <a:t>10/7/18</a:t>
+              <a:t>11/30/2018</a:t>
             </a:fld>
             <a:endParaRPr lang="en-US"/>
           </a:p>
@@ -1918,7 +1919,7 @@
             <a:fld id="{FAECF776-F836-4CCD-9497-99E5597B8B5D}" type="datetimeFigureOut">
               <a:rPr lang="en-US" smtClean="0"/>
               <a:pPr/>
-              <a:t>10/7/18</a:t>
+              <a:t>11/30/2018</a:t>
             </a:fld>
             <a:endParaRPr lang="en-US"/>
           </a:p>
@@ -2015,7 +2016,7 @@
             <a:fld id="{FAECF776-F836-4CCD-9497-99E5597B8B5D}" type="datetimeFigureOut">
               <a:rPr lang="en-US" smtClean="0"/>
               <a:pPr/>
-              <a:t>10/7/18</a:t>
+              <a:t>11/30/2018</a:t>
             </a:fld>
             <a:endParaRPr lang="en-US"/>
           </a:p>
@@ -2292,7 +2293,7 @@
             <a:fld id="{FAECF776-F836-4CCD-9497-99E5597B8B5D}" type="datetimeFigureOut">
               <a:rPr lang="en-US" smtClean="0"/>
               <a:pPr/>
-              <a:t>10/7/18</a:t>
+              <a:t>11/30/2018</a:t>
             </a:fld>
             <a:endParaRPr lang="en-US"/>
           </a:p>
@@ -2546,7 +2547,7 @@
             <a:fld id="{FAECF776-F836-4CCD-9497-99E5597B8B5D}" type="datetimeFigureOut">
               <a:rPr lang="en-US" smtClean="0"/>
               <a:pPr/>
-              <a:t>10/7/18</a:t>
+              <a:t>11/30/2018</a:t>
             </a:fld>
             <a:endParaRPr lang="en-US"/>
           </a:p>
@@ -2768,7 +2769,7 @@
             <a:fld id="{FAECF776-F836-4CCD-9497-99E5597B8B5D}" type="datetimeFigureOut">
               <a:rPr lang="en-US" smtClean="0"/>
               <a:pPr/>
-              <a:t>10/7/18</a:t>
+              <a:t>11/30/2018</a:t>
             </a:fld>
             <a:endParaRPr lang="en-US"/>
           </a:p>
@@ -3250,7 +3251,7 @@
           <p:cNvPr id="5" name="TextBox 4">
             <a:extLst>
               <a:ext uri="{FF2B5EF4-FFF2-40B4-BE49-F238E27FC236}">
-                <a16:creationId xmlns:a16="http://schemas.microsoft.com/office/drawing/2014/main" id="{1A85FE82-D427-3E40-9156-9771195096C3}"/>
+                <a16:creationId xmlns:a16="http://schemas.microsoft.com/office/drawing/2014/main" xmlns="" id="{1A85FE82-D427-3E40-9156-9771195096C3}"/>
               </a:ext>
             </a:extLst>
           </p:cNvPr>
@@ -3373,6 +3374,586 @@
 </file>
 
 <file path=ppt/slides/slide10.xml><?xml version="1.0" encoding="utf-8"?>
+<p:sld xmlns:a="http://schemas.openxmlformats.org/drawingml/2006/main" xmlns:r="http://schemas.openxmlformats.org/officeDocument/2006/relationships" xmlns:p="http://schemas.openxmlformats.org/presentationml/2006/main">
+  <p:cSld>
+    <p:spTree>
+      <p:nvGrpSpPr>
+        <p:cNvPr id="1" name=""/>
+        <p:cNvGrpSpPr/>
+        <p:nvPr/>
+      </p:nvGrpSpPr>
+      <p:grpSpPr>
+        <a:xfrm>
+          <a:off x="0" y="0"/>
+          <a:ext cx="0" cy="0"/>
+          <a:chOff x="0" y="0"/>
+          <a:chExt cx="0" cy="0"/>
+        </a:xfrm>
+      </p:grpSpPr>
+      <p:sp>
+        <p:nvSpPr>
+          <p:cNvPr id="2" name="Title 1"/>
+          <p:cNvSpPr>
+            <a:spLocks noGrp="1"/>
+          </p:cNvSpPr>
+          <p:nvPr>
+            <p:ph type="title"/>
+          </p:nvPr>
+        </p:nvSpPr>
+        <p:spPr/>
+        <p:txBody>
+          <a:bodyPr>
+            <a:normAutofit fontScale="90000"/>
+          </a:bodyPr>
+          <a:lstStyle/>
+          <a:p>
+            <a:r>
+              <a:rPr lang="ru-RU" b="1" dirty="0"/>
+              <a:t>Часто используемые исключения</a:t>
+            </a:r>
+            <a:endParaRPr lang="ru-RU" dirty="0"/>
+          </a:p>
+        </p:txBody>
+      </p:sp>
+      <p:graphicFrame>
+        <p:nvGraphicFramePr>
+          <p:cNvPr id="5" name="Table 4"/>
+          <p:cNvGraphicFramePr>
+            <a:graphicFrameLocks noGrp="1"/>
+          </p:cNvGraphicFramePr>
+          <p:nvPr>
+            <p:extLst>
+              <p:ext uri="{D42A27DB-BD31-4B8C-83A1-F6EECF244321}">
+                <p14:modId xmlns:p14="http://schemas.microsoft.com/office/powerpoint/2010/main" val="252463179"/>
+              </p:ext>
+            </p:extLst>
+          </p:nvPr>
+        </p:nvGraphicFramePr>
+        <p:xfrm>
+          <a:off x="457200" y="1596400"/>
+          <a:ext cx="8229600" cy="4312920"/>
+        </p:xfrm>
+        <a:graphic>
+          <a:graphicData uri="http://schemas.openxmlformats.org/drawingml/2006/table">
+            <a:tbl>
+              <a:tblPr firstRow="1" bandRow="1">
+                <a:tableStyleId>{5C22544A-7EE6-4342-B048-85BDC9FD1C3A}</a:tableStyleId>
+              </a:tblPr>
+              <a:tblGrid>
+                <a:gridCol w="3538736">
+                  <a:extLst>
+                    <a:ext uri="{9D8B030D-6E8A-4147-A177-3AD203B41FA5}">
+                      <a16:colId xmlns:a16="http://schemas.microsoft.com/office/drawing/2014/main" xmlns="" val="20000"/>
+                    </a:ext>
+                  </a:extLst>
+                </a:gridCol>
+                <a:gridCol w="4690864">
+                  <a:extLst>
+                    <a:ext uri="{9D8B030D-6E8A-4147-A177-3AD203B41FA5}">
+                      <a16:colId xmlns:a16="http://schemas.microsoft.com/office/drawing/2014/main" xmlns="" val="20001"/>
+                    </a:ext>
+                  </a:extLst>
+                </a:gridCol>
+              </a:tblGrid>
+              <a:tr h="370840">
+                <a:tc>
+                  <a:txBody>
+                    <a:bodyPr/>
+                    <a:lstStyle/>
+                    <a:p>
+                      <a:r>
+                        <a:rPr lang="ru-RU" dirty="0"/>
+                        <a:t>Название</a:t>
+                      </a:r>
+                      <a:r>
+                        <a:rPr lang="ru-RU" baseline="0" dirty="0"/>
+                        <a:t> класса исключения</a:t>
+                      </a:r>
+                      <a:endParaRPr lang="en-US" dirty="0"/>
+                    </a:p>
+                  </a:txBody>
+                  <a:tcPr/>
+                </a:tc>
+                <a:tc>
+                  <a:txBody>
+                    <a:bodyPr/>
+                    <a:lstStyle/>
+                    <a:p>
+                      <a:r>
+                        <a:rPr lang="ru-RU" dirty="0"/>
+                        <a:t>Описание</a:t>
+                      </a:r>
+                      <a:endParaRPr lang="en-US" dirty="0"/>
+                    </a:p>
+                  </a:txBody>
+                  <a:tcPr/>
+                </a:tc>
+                <a:extLst>
+                  <a:ext uri="{0D108BD9-81ED-4DB2-BD59-A6C34878D82A}">
+                    <a16:rowId xmlns:a16="http://schemas.microsoft.com/office/drawing/2014/main" xmlns="" val="10000"/>
+                  </a:ext>
+                </a:extLst>
+              </a:tr>
+              <a:tr h="370840">
+                <a:tc>
+                  <a:txBody>
+                    <a:bodyPr/>
+                    <a:lstStyle/>
+                    <a:p>
+                      <a:r>
+                        <a:rPr lang="en-US" dirty="0" err="1">
+                          <a:solidFill>
+                            <a:schemeClr val="bg2"/>
+                          </a:solidFill>
+                        </a:rPr>
+                        <a:t>NullReferenceException</a:t>
+                      </a:r>
+                      <a:endParaRPr lang="en-US" dirty="0">
+                        <a:solidFill>
+                          <a:schemeClr val="bg2"/>
+                        </a:solidFill>
+                      </a:endParaRPr>
+                    </a:p>
+                  </a:txBody>
+                  <a:tcPr/>
+                </a:tc>
+                <a:tc>
+                  <a:txBody>
+                    <a:bodyPr/>
+                    <a:lstStyle/>
+                    <a:p>
+                      <a:r>
+                        <a:rPr lang="ru-RU" dirty="0">
+                          <a:solidFill>
+                            <a:schemeClr val="bg2"/>
+                          </a:solidFill>
+                        </a:rPr>
+                        <a:t>Значение</a:t>
+                      </a:r>
+                      <a:r>
+                        <a:rPr lang="ru-RU" baseline="0" dirty="0">
+                          <a:solidFill>
+                            <a:schemeClr val="bg2"/>
+                          </a:solidFill>
+                        </a:rPr>
+                        <a:t> ссылочного типа равно </a:t>
+                      </a:r>
+                      <a:r>
+                        <a:rPr lang="en-US" baseline="0" dirty="0">
+                          <a:solidFill>
+                            <a:schemeClr val="bg2"/>
+                          </a:solidFill>
+                        </a:rPr>
+                        <a:t>null</a:t>
+                      </a:r>
+                      <a:endParaRPr lang="en-US" dirty="0">
+                        <a:solidFill>
+                          <a:schemeClr val="bg2"/>
+                        </a:solidFill>
+                      </a:endParaRPr>
+                    </a:p>
+                  </a:txBody>
+                  <a:tcPr/>
+                </a:tc>
+                <a:extLst>
+                  <a:ext uri="{0D108BD9-81ED-4DB2-BD59-A6C34878D82A}">
+                    <a16:rowId xmlns:a16="http://schemas.microsoft.com/office/drawing/2014/main" xmlns="" val="10001"/>
+                  </a:ext>
+                </a:extLst>
+              </a:tr>
+              <a:tr h="370840">
+                <a:tc>
+                  <a:txBody>
+                    <a:bodyPr/>
+                    <a:lstStyle/>
+                    <a:p>
+                      <a:r>
+                        <a:rPr lang="en-US" sz="1800" kern="1200" dirty="0" err="1">
+                          <a:solidFill>
+                            <a:schemeClr val="bg2"/>
+                          </a:solidFill>
+                          <a:latin typeface="+mn-lt"/>
+                          <a:ea typeface="+mn-ea"/>
+                          <a:cs typeface="+mn-cs"/>
+                        </a:rPr>
+                        <a:t>ArgumentNullException</a:t>
+                      </a:r>
+                      <a:endParaRPr lang="en-US" dirty="0">
+                        <a:solidFill>
+                          <a:schemeClr val="bg2"/>
+                        </a:solidFill>
+                      </a:endParaRPr>
+                    </a:p>
+                  </a:txBody>
+                  <a:tcPr/>
+                </a:tc>
+                <a:tc>
+                  <a:txBody>
+                    <a:bodyPr/>
+                    <a:lstStyle/>
+                    <a:p>
+                      <a:r>
+                        <a:rPr lang="ru-RU" dirty="0">
+                          <a:solidFill>
+                            <a:schemeClr val="bg2"/>
+                          </a:solidFill>
+                        </a:rPr>
+                        <a:t>Аргумент</a:t>
+                      </a:r>
+                      <a:r>
+                        <a:rPr lang="ru-RU" baseline="0" dirty="0">
+                          <a:solidFill>
+                            <a:schemeClr val="bg2"/>
+                          </a:solidFill>
+                        </a:rPr>
+                        <a:t> ссылочного типа равен </a:t>
+                      </a:r>
+                      <a:r>
+                        <a:rPr lang="en-US" baseline="0" dirty="0">
+                          <a:solidFill>
+                            <a:schemeClr val="bg2"/>
+                          </a:solidFill>
+                        </a:rPr>
+                        <a:t>null</a:t>
+                      </a:r>
+                      <a:endParaRPr lang="en-US" dirty="0">
+                        <a:solidFill>
+                          <a:schemeClr val="bg2"/>
+                        </a:solidFill>
+                      </a:endParaRPr>
+                    </a:p>
+                  </a:txBody>
+                  <a:tcPr/>
+                </a:tc>
+                <a:extLst>
+                  <a:ext uri="{0D108BD9-81ED-4DB2-BD59-A6C34878D82A}">
+                    <a16:rowId xmlns:a16="http://schemas.microsoft.com/office/drawing/2014/main" xmlns="" val="10002"/>
+                  </a:ext>
+                </a:extLst>
+              </a:tr>
+              <a:tr h="370840">
+                <a:tc>
+                  <a:txBody>
+                    <a:bodyPr/>
+                    <a:lstStyle/>
+                    <a:p>
+                      <a:r>
+                        <a:rPr lang="en-US" sz="1800" kern="1200" dirty="0" err="1">
+                          <a:solidFill>
+                            <a:schemeClr val="bg2"/>
+                          </a:solidFill>
+                          <a:latin typeface="+mn-lt"/>
+                          <a:ea typeface="+mn-ea"/>
+                          <a:cs typeface="+mn-cs"/>
+                        </a:rPr>
+                        <a:t>ArgumentOutOfRangeException</a:t>
+                      </a:r>
+                      <a:endParaRPr lang="en-US" dirty="0">
+                        <a:solidFill>
+                          <a:schemeClr val="bg2"/>
+                        </a:solidFill>
+                      </a:endParaRPr>
+                    </a:p>
+                  </a:txBody>
+                  <a:tcPr/>
+                </a:tc>
+                <a:tc>
+                  <a:txBody>
+                    <a:bodyPr/>
+                    <a:lstStyle/>
+                    <a:p>
+                      <a:r>
+                        <a:rPr lang="ru-RU" dirty="0">
+                          <a:solidFill>
+                            <a:schemeClr val="bg2"/>
+                          </a:solidFill>
+                        </a:rPr>
+                        <a:t>Значение</a:t>
+                      </a:r>
+                      <a:r>
+                        <a:rPr lang="ru-RU" baseline="0" dirty="0">
+                          <a:solidFill>
+                            <a:schemeClr val="bg2"/>
+                          </a:solidFill>
+                        </a:rPr>
+                        <a:t> аргумента выходит за разрешенный диапазон значений</a:t>
+                      </a:r>
+                      <a:endParaRPr lang="en-US" dirty="0">
+                        <a:solidFill>
+                          <a:schemeClr val="bg2"/>
+                        </a:solidFill>
+                      </a:endParaRPr>
+                    </a:p>
+                  </a:txBody>
+                  <a:tcPr/>
+                </a:tc>
+                <a:extLst>
+                  <a:ext uri="{0D108BD9-81ED-4DB2-BD59-A6C34878D82A}">
+                    <a16:rowId xmlns:a16="http://schemas.microsoft.com/office/drawing/2014/main" xmlns="" val="10003"/>
+                  </a:ext>
+                </a:extLst>
+              </a:tr>
+              <a:tr h="370840">
+                <a:tc>
+                  <a:txBody>
+                    <a:bodyPr/>
+                    <a:lstStyle/>
+                    <a:p>
+                      <a:r>
+                        <a:rPr lang="en-US" sz="1800" kern="1200" dirty="0" err="1">
+                          <a:solidFill>
+                            <a:schemeClr val="bg2"/>
+                          </a:solidFill>
+                          <a:latin typeface="+mn-lt"/>
+                          <a:ea typeface="+mn-ea"/>
+                          <a:cs typeface="+mn-cs"/>
+                        </a:rPr>
+                        <a:t>IndexOutOfRangeException</a:t>
+                      </a:r>
+                      <a:endParaRPr lang="en-US" dirty="0">
+                        <a:solidFill>
+                          <a:schemeClr val="bg2"/>
+                        </a:solidFill>
+                      </a:endParaRPr>
+                    </a:p>
+                  </a:txBody>
+                  <a:tcPr/>
+                </a:tc>
+                <a:tc>
+                  <a:txBody>
+                    <a:bodyPr/>
+                    <a:lstStyle/>
+                    <a:p>
+                      <a:r>
+                        <a:rPr lang="ru-RU" dirty="0">
+                          <a:solidFill>
+                            <a:schemeClr val="bg2"/>
+                          </a:solidFill>
+                        </a:rPr>
+                        <a:t>Индекс</a:t>
+                      </a:r>
+                      <a:r>
+                        <a:rPr lang="ru-RU" baseline="0" dirty="0">
+                          <a:solidFill>
+                            <a:schemeClr val="bg2"/>
+                          </a:solidFill>
+                        </a:rPr>
+                        <a:t> (коллекции) выходит за разрешенный диапазон значений</a:t>
+                      </a:r>
+                      <a:endParaRPr lang="en-US" dirty="0">
+                        <a:solidFill>
+                          <a:schemeClr val="bg2"/>
+                        </a:solidFill>
+                      </a:endParaRPr>
+                    </a:p>
+                  </a:txBody>
+                  <a:tcPr/>
+                </a:tc>
+                <a:extLst>
+                  <a:ext uri="{0D108BD9-81ED-4DB2-BD59-A6C34878D82A}">
+                    <a16:rowId xmlns:a16="http://schemas.microsoft.com/office/drawing/2014/main" xmlns="" val="10004"/>
+                  </a:ext>
+                </a:extLst>
+              </a:tr>
+              <a:tr h="370840">
+                <a:tc>
+                  <a:txBody>
+                    <a:bodyPr/>
+                    <a:lstStyle/>
+                    <a:p>
+                      <a:r>
+                        <a:rPr lang="en-US" sz="1800" kern="1200" dirty="0" err="1">
+                          <a:solidFill>
+                            <a:schemeClr val="bg2"/>
+                          </a:solidFill>
+                          <a:latin typeface="+mn-lt"/>
+                          <a:ea typeface="+mn-ea"/>
+                          <a:cs typeface="+mn-cs"/>
+                        </a:rPr>
+                        <a:t>InvalidOperationException</a:t>
+                      </a:r>
+                      <a:endParaRPr lang="en-US" dirty="0">
+                        <a:solidFill>
+                          <a:schemeClr val="bg2"/>
+                        </a:solidFill>
+                      </a:endParaRPr>
+                    </a:p>
+                  </a:txBody>
+                  <a:tcPr/>
+                </a:tc>
+                <a:tc>
+                  <a:txBody>
+                    <a:bodyPr/>
+                    <a:lstStyle/>
+                    <a:p>
+                      <a:r>
+                        <a:rPr lang="ru-RU" dirty="0">
+                          <a:solidFill>
+                            <a:schemeClr val="bg2"/>
+                          </a:solidFill>
+                        </a:rPr>
+                        <a:t>Попытка выполнить операцию</a:t>
+                      </a:r>
+                      <a:r>
+                        <a:rPr lang="ru-RU" baseline="0" dirty="0">
+                          <a:solidFill>
+                            <a:schemeClr val="bg2"/>
+                          </a:solidFill>
+                        </a:rPr>
+                        <a:t> запрещенную текущим состоянием объекта</a:t>
+                      </a:r>
+                      <a:endParaRPr lang="en-US" dirty="0">
+                        <a:solidFill>
+                          <a:schemeClr val="bg2"/>
+                        </a:solidFill>
+                      </a:endParaRPr>
+                    </a:p>
+                  </a:txBody>
+                  <a:tcPr/>
+                </a:tc>
+                <a:extLst>
+                  <a:ext uri="{0D108BD9-81ED-4DB2-BD59-A6C34878D82A}">
+                    <a16:rowId xmlns:a16="http://schemas.microsoft.com/office/drawing/2014/main" xmlns="" val="10005"/>
+                  </a:ext>
+                </a:extLst>
+              </a:tr>
+              <a:tr h="370840">
+                <a:tc>
+                  <a:txBody>
+                    <a:bodyPr/>
+                    <a:lstStyle/>
+                    <a:p>
+                      <a:r>
+                        <a:rPr lang="en-US" sz="1800" kern="1200" dirty="0" err="1">
+                          <a:solidFill>
+                            <a:schemeClr val="bg2"/>
+                          </a:solidFill>
+                          <a:latin typeface="+mn-lt"/>
+                          <a:ea typeface="+mn-ea"/>
+                          <a:cs typeface="+mn-cs"/>
+                        </a:rPr>
+                        <a:t>AggregateException</a:t>
+                      </a:r>
+                      <a:endParaRPr lang="en-US" dirty="0">
+                        <a:solidFill>
+                          <a:schemeClr val="bg2"/>
+                        </a:solidFill>
+                      </a:endParaRPr>
+                    </a:p>
+                  </a:txBody>
+                  <a:tcPr/>
+                </a:tc>
+                <a:tc>
+                  <a:txBody>
+                    <a:bodyPr/>
+                    <a:lstStyle/>
+                    <a:p>
+                      <a:r>
+                        <a:rPr lang="ru-RU" dirty="0">
+                          <a:solidFill>
+                            <a:schemeClr val="bg2"/>
+                          </a:solidFill>
+                        </a:rPr>
+                        <a:t>Исключение состоящее из других</a:t>
+                      </a:r>
+                      <a:r>
+                        <a:rPr lang="ru-RU" baseline="0" dirty="0">
+                          <a:solidFill>
+                            <a:schemeClr val="bg2"/>
+                          </a:solidFill>
+                        </a:rPr>
+                        <a:t> вложенных исключений</a:t>
+                      </a:r>
+                      <a:endParaRPr lang="en-US" dirty="0">
+                        <a:solidFill>
+                          <a:schemeClr val="bg2"/>
+                        </a:solidFill>
+                      </a:endParaRPr>
+                    </a:p>
+                  </a:txBody>
+                  <a:tcPr/>
+                </a:tc>
+                <a:extLst>
+                  <a:ext uri="{0D108BD9-81ED-4DB2-BD59-A6C34878D82A}">
+                    <a16:rowId xmlns:a16="http://schemas.microsoft.com/office/drawing/2014/main" xmlns="" val="10006"/>
+                  </a:ext>
+                </a:extLst>
+              </a:tr>
+              <a:tr h="370840">
+                <a:tc>
+                  <a:txBody>
+                    <a:bodyPr/>
+                    <a:lstStyle/>
+                    <a:p>
+                      <a:r>
+                        <a:rPr lang="en-US" sz="1800" kern="1200" dirty="0" err="1">
+                          <a:solidFill>
+                            <a:schemeClr val="bg2"/>
+                          </a:solidFill>
+                          <a:latin typeface="+mn-lt"/>
+                          <a:ea typeface="+mn-ea"/>
+                          <a:cs typeface="+mn-cs"/>
+                        </a:rPr>
+                        <a:t>ObjectDisposedException</a:t>
+                      </a:r>
+                      <a:endParaRPr lang="en-US" dirty="0">
+                        <a:solidFill>
+                          <a:schemeClr val="bg2"/>
+                        </a:solidFill>
+                      </a:endParaRPr>
+                    </a:p>
+                  </a:txBody>
+                  <a:tcPr/>
+                </a:tc>
+                <a:tc>
+                  <a:txBody>
+                    <a:bodyPr/>
+                    <a:lstStyle/>
+                    <a:p>
+                      <a:r>
+                        <a:rPr lang="ru-RU" dirty="0">
+                          <a:solidFill>
+                            <a:schemeClr val="bg2"/>
+                          </a:solidFill>
+                        </a:rPr>
+                        <a:t>Попытка использовать объект после вызова </a:t>
+                      </a:r>
+                      <a:r>
+                        <a:rPr lang="en-US" dirty="0">
+                          <a:solidFill>
+                            <a:schemeClr val="bg2"/>
+                          </a:solidFill>
+                        </a:rPr>
+                        <a:t>Dispose()</a:t>
+                      </a:r>
+                    </a:p>
+                  </a:txBody>
+                  <a:tcPr/>
+                </a:tc>
+                <a:extLst>
+                  <a:ext uri="{0D108BD9-81ED-4DB2-BD59-A6C34878D82A}">
+                    <a16:rowId xmlns:a16="http://schemas.microsoft.com/office/drawing/2014/main" xmlns="" val="10007"/>
+                  </a:ext>
+                </a:extLst>
+              </a:tr>
+            </a:tbl>
+          </a:graphicData>
+        </a:graphic>
+      </p:graphicFrame>
+    </p:spTree>
+    <p:extLst>
+      <p:ext uri="{BB962C8B-B14F-4D97-AF65-F5344CB8AC3E}">
+        <p14:creationId xmlns:p14="http://schemas.microsoft.com/office/powerpoint/2010/main" val="4081289214"/>
+      </p:ext>
+    </p:extLst>
+  </p:cSld>
+  <p:clrMapOvr>
+    <a:masterClrMapping/>
+  </p:clrMapOvr>
+</p:sld>
+</file>
+
+<file path=ppt/slides/slide11.xml><?xml version="1.0" encoding="utf-8"?>
 <p:sld xmlns:a="http://schemas.openxmlformats.org/drawingml/2006/main" xmlns:r="http://schemas.openxmlformats.org/officeDocument/2006/relationships" xmlns:p="http://schemas.openxmlformats.org/presentationml/2006/main">
   <p:cSld>
     <p:bg>
@@ -3527,7 +4108,7 @@
 </p:sld>
 </file>
 
-<file path=ppt/slides/slide11.xml><?xml version="1.0" encoding="utf-8"?>
+<file path=ppt/slides/slide12.xml><?xml version="1.0" encoding="utf-8"?>
 <p:sld xmlns:a="http://schemas.openxmlformats.org/drawingml/2006/main" xmlns:r="http://schemas.openxmlformats.org/officeDocument/2006/relationships" xmlns:p="http://schemas.openxmlformats.org/presentationml/2006/main">
   <p:cSld>
     <p:spTree>
@@ -3657,7 +4238,7 @@
 </p:sld>
 </file>
 
-<file path=ppt/slides/slide12.xml><?xml version="1.0" encoding="utf-8"?>
+<file path=ppt/slides/slide13.xml><?xml version="1.0" encoding="utf-8"?>
 <p:sld xmlns:a="http://schemas.openxmlformats.org/drawingml/2006/main" xmlns:r="http://schemas.openxmlformats.org/officeDocument/2006/relationships" xmlns:p="http://schemas.openxmlformats.org/presentationml/2006/main" show="0">
   <p:cSld>
     <p:bg>
@@ -3853,108 +4434,14 @@
   <p:clrMapOvr>
     <a:masterClrMapping/>
   </p:clrMapOvr>
-</p:sld>
-</file>
-
-<file path=ppt/slides/slide13.xml><?xml version="1.0" encoding="utf-8"?>
-<p:sld xmlns:a="http://schemas.openxmlformats.org/drawingml/2006/main" xmlns:r="http://schemas.openxmlformats.org/officeDocument/2006/relationships" xmlns:p="http://schemas.openxmlformats.org/presentationml/2006/main">
-  <p:cSld>
-    <p:spTree>
-      <p:nvGrpSpPr>
-        <p:cNvPr id="1" name=""/>
-        <p:cNvGrpSpPr/>
-        <p:nvPr/>
-      </p:nvGrpSpPr>
-      <p:grpSpPr>
-        <a:xfrm>
-          <a:off x="0" y="0"/>
-          <a:ext cx="0" cy="0"/>
-          <a:chOff x="0" y="0"/>
-          <a:chExt cx="0" cy="0"/>
-        </a:xfrm>
-      </p:grpSpPr>
-      <p:sp>
-        <p:nvSpPr>
-          <p:cNvPr id="2" name="Title 1"/>
-          <p:cNvSpPr>
-            <a:spLocks noGrp="1"/>
-          </p:cNvSpPr>
-          <p:nvPr>
-            <p:ph type="title"/>
-          </p:nvPr>
-        </p:nvSpPr>
-        <p:spPr/>
-        <p:txBody>
-          <a:bodyPr/>
-          <a:lstStyle/>
-          <a:p>
-            <a:r>
-              <a:rPr lang="ru-RU" dirty="0"/>
-              <a:t>Документирование исключений</a:t>
-            </a:r>
-          </a:p>
-        </p:txBody>
-      </p:sp>
-      <p:sp>
-        <p:nvSpPr>
-          <p:cNvPr id="3" name="Content Placeholder 2"/>
-          <p:cNvSpPr>
-            <a:spLocks noGrp="1"/>
-          </p:cNvSpPr>
-          <p:nvPr>
-            <p:ph idx="1"/>
-          </p:nvPr>
-        </p:nvSpPr>
-        <p:spPr/>
-        <p:txBody>
-          <a:bodyPr/>
-          <a:lstStyle/>
-          <a:p>
-            <a:pPr marL="0" indent="0">
-              <a:buNone/>
-            </a:pPr>
-            <a:r>
-              <a:rPr lang="ru-RU" dirty="0"/>
-              <a:t>Используйте </a:t>
-            </a:r>
-            <a:r>
-              <a:rPr lang="en-US" dirty="0"/>
-              <a:t>XML </a:t>
-            </a:r>
-            <a:r>
-              <a:rPr lang="ru-RU" dirty="0"/>
-              <a:t>комментарий </a:t>
-            </a:r>
-            <a:r>
-              <a:rPr lang="en-US" dirty="0"/>
-              <a:t>&lt;exception&gt; </a:t>
-            </a:r>
-            <a:r>
-              <a:rPr lang="ru-RU" dirty="0"/>
-              <a:t>для документирования списка исключений для </a:t>
-            </a:r>
-            <a:r>
-              <a:rPr lang="en-US" dirty="0"/>
-              <a:t>public </a:t>
-            </a:r>
-            <a:r>
-              <a:rPr lang="ru-RU"/>
-              <a:t>членов собственных типов.</a:t>
-            </a:r>
-            <a:endParaRPr lang="ru-RU" dirty="0"/>
-          </a:p>
-        </p:txBody>
-      </p:sp>
-    </p:spTree>
-    <p:extLst>
-      <p:ext uri="{BB962C8B-B14F-4D97-AF65-F5344CB8AC3E}">
-        <p14:creationId xmlns:p14="http://schemas.microsoft.com/office/powerpoint/2010/main" val="313182341"/>
-      </p:ext>
-    </p:extLst>
-  </p:cSld>
-  <p:clrMapOvr>
-    <a:masterClrMapping/>
-  </p:clrMapOvr>
+  <mc:AlternateContent xmlns:mc="http://schemas.openxmlformats.org/markup-compatibility/2006">
+    <mc:Choice xmlns:p14="http://schemas.microsoft.com/office/powerpoint/2010/main" Requires="p14">
+      <p:transition spd="slow" p14:dur="2000"/>
+    </mc:Choice>
+    <mc:Fallback>
+      <p:transition spd="slow"/>
+    </mc:Fallback>
+  </mc:AlternateContent>
 </p:sld>
 </file>
 
@@ -3987,6 +4474,108 @@
         </p:nvSpPr>
         <p:spPr/>
         <p:txBody>
+          <a:bodyPr/>
+          <a:lstStyle/>
+          <a:p>
+            <a:r>
+              <a:rPr lang="ru-RU" dirty="0"/>
+              <a:t>Документирование исключений</a:t>
+            </a:r>
+          </a:p>
+        </p:txBody>
+      </p:sp>
+      <p:sp>
+        <p:nvSpPr>
+          <p:cNvPr id="3" name="Content Placeholder 2"/>
+          <p:cNvSpPr>
+            <a:spLocks noGrp="1"/>
+          </p:cNvSpPr>
+          <p:nvPr>
+            <p:ph idx="1"/>
+          </p:nvPr>
+        </p:nvSpPr>
+        <p:spPr/>
+        <p:txBody>
+          <a:bodyPr/>
+          <a:lstStyle/>
+          <a:p>
+            <a:pPr marL="0" indent="0">
+              <a:buNone/>
+            </a:pPr>
+            <a:r>
+              <a:rPr lang="ru-RU" dirty="0"/>
+              <a:t>Используйте </a:t>
+            </a:r>
+            <a:r>
+              <a:rPr lang="en-US" dirty="0"/>
+              <a:t>XML </a:t>
+            </a:r>
+            <a:r>
+              <a:rPr lang="ru-RU" dirty="0"/>
+              <a:t>комментарий </a:t>
+            </a:r>
+            <a:r>
+              <a:rPr lang="en-US" dirty="0"/>
+              <a:t>&lt;exception&gt; </a:t>
+            </a:r>
+            <a:r>
+              <a:rPr lang="ru-RU" dirty="0"/>
+              <a:t>для документирования списка исключений для </a:t>
+            </a:r>
+            <a:r>
+              <a:rPr lang="en-US" dirty="0"/>
+              <a:t>public </a:t>
+            </a:r>
+            <a:r>
+              <a:rPr lang="ru-RU"/>
+              <a:t>членов собственных типов.</a:t>
+            </a:r>
+            <a:endParaRPr lang="ru-RU" dirty="0"/>
+          </a:p>
+        </p:txBody>
+      </p:sp>
+    </p:spTree>
+    <p:extLst>
+      <p:ext uri="{BB962C8B-B14F-4D97-AF65-F5344CB8AC3E}">
+        <p14:creationId xmlns:p14="http://schemas.microsoft.com/office/powerpoint/2010/main" val="313182341"/>
+      </p:ext>
+    </p:extLst>
+  </p:cSld>
+  <p:clrMapOvr>
+    <a:masterClrMapping/>
+  </p:clrMapOvr>
+</p:sld>
+</file>
+
+<file path=ppt/slides/slide15.xml><?xml version="1.0" encoding="utf-8"?>
+<p:sld xmlns:a="http://schemas.openxmlformats.org/drawingml/2006/main" xmlns:r="http://schemas.openxmlformats.org/officeDocument/2006/relationships" xmlns:p="http://schemas.openxmlformats.org/presentationml/2006/main">
+  <p:cSld>
+    <p:spTree>
+      <p:nvGrpSpPr>
+        <p:cNvPr id="1" name=""/>
+        <p:cNvGrpSpPr/>
+        <p:nvPr/>
+      </p:nvGrpSpPr>
+      <p:grpSpPr>
+        <a:xfrm>
+          <a:off x="0" y="0"/>
+          <a:ext cx="0" cy="0"/>
+          <a:chOff x="0" y="0"/>
+          <a:chExt cx="0" cy="0"/>
+        </a:xfrm>
+      </p:grpSpPr>
+      <p:sp>
+        <p:nvSpPr>
+          <p:cNvPr id="2" name="Title 1"/>
+          <p:cNvSpPr>
+            <a:spLocks noGrp="1"/>
+          </p:cNvSpPr>
+          <p:nvPr>
+            <p:ph type="title"/>
+          </p:nvPr>
+        </p:nvSpPr>
+        <p:spPr/>
+        <p:txBody>
           <a:bodyPr>
             <a:normAutofit fontScale="90000"/>
           </a:bodyPr>
@@ -4254,7 +4843,7 @@
 </p:sld>
 </file>
 
-<file path=ppt/slides/slide15.xml><?xml version="1.0" encoding="utf-8"?>
+<file path=ppt/slides/slide16.xml><?xml version="1.0" encoding="utf-8"?>
 <p:sld xmlns:a="http://schemas.openxmlformats.org/drawingml/2006/main" xmlns:r="http://schemas.openxmlformats.org/officeDocument/2006/relationships" xmlns:p="http://schemas.openxmlformats.org/presentationml/2006/main">
   <p:cSld>
     <p:bg>
@@ -5602,7 +6191,7 @@
 </p:sld>
 </file>
 
-<file path=ppt/slides/slide16.xml><?xml version="1.0" encoding="utf-8"?>
+<file path=ppt/slides/slide17.xml><?xml version="1.0" encoding="utf-8"?>
 <p:sld xmlns:a="http://schemas.openxmlformats.org/drawingml/2006/main" xmlns:r="http://schemas.openxmlformats.org/officeDocument/2006/relationships" xmlns:p="http://schemas.openxmlformats.org/presentationml/2006/main">
   <p:cSld>
     <p:bg>
@@ -7216,7 +7805,7 @@
 </p:sld>
 </file>
 
-<file path=ppt/slides/slide17.xml><?xml version="1.0" encoding="utf-8"?>
+<file path=ppt/slides/slide18.xml><?xml version="1.0" encoding="utf-8"?>
 <p:sld xmlns:a="http://schemas.openxmlformats.org/drawingml/2006/main" xmlns:r="http://schemas.openxmlformats.org/officeDocument/2006/relationships" xmlns:p="http://schemas.openxmlformats.org/presentationml/2006/main">
   <p:cSld>
     <p:bg>
@@ -8299,7 +8888,7 @@
 </p:sld>
 </file>
 
-<file path=ppt/slides/slide18.xml><?xml version="1.0" encoding="utf-8"?>
+<file path=ppt/slides/slide19.xml><?xml version="1.0" encoding="utf-8"?>
 <p:sld xmlns:a="http://schemas.openxmlformats.org/drawingml/2006/main" xmlns:r="http://schemas.openxmlformats.org/officeDocument/2006/relationships" xmlns:p="http://schemas.openxmlformats.org/presentationml/2006/main">
   <p:cSld>
     <p:spTree>
@@ -8961,193 +9550,6 @@
     <p:extLst>
       <p:ext uri="{BB962C8B-B14F-4D97-AF65-F5344CB8AC3E}">
         <p14:creationId xmlns:p14="http://schemas.microsoft.com/office/powerpoint/2010/main" val="2325098032"/>
-      </p:ext>
-    </p:extLst>
-  </p:cSld>
-  <p:clrMapOvr>
-    <a:masterClrMapping/>
-  </p:clrMapOvr>
-</p:sld>
-</file>
-
-<file path=ppt/slides/slide19.xml><?xml version="1.0" encoding="utf-8"?>
-<p:sld xmlns:a="http://schemas.openxmlformats.org/drawingml/2006/main" xmlns:r="http://schemas.openxmlformats.org/officeDocument/2006/relationships" xmlns:p="http://schemas.openxmlformats.org/presentationml/2006/main">
-  <p:cSld>
-    <p:spTree>
-      <p:nvGrpSpPr>
-        <p:cNvPr id="1" name=""/>
-        <p:cNvGrpSpPr/>
-        <p:nvPr/>
-      </p:nvGrpSpPr>
-      <p:grpSpPr>
-        <a:xfrm>
-          <a:off x="0" y="0"/>
-          <a:ext cx="0" cy="0"/>
-          <a:chOff x="0" y="0"/>
-          <a:chExt cx="0" cy="0"/>
-        </a:xfrm>
-      </p:grpSpPr>
-      <p:sp>
-        <p:nvSpPr>
-          <p:cNvPr id="2" name="Title 1"/>
-          <p:cNvSpPr>
-            <a:spLocks noGrp="1"/>
-          </p:cNvSpPr>
-          <p:nvPr>
-            <p:ph type="title"/>
-          </p:nvPr>
-        </p:nvSpPr>
-        <p:spPr/>
-        <p:txBody>
-          <a:bodyPr>
-            <a:normAutofit/>
-          </a:bodyPr>
-          <a:lstStyle/>
-          <a:p>
-            <a:r>
-              <a:rPr lang="ru-RU" dirty="0"/>
-              <a:t>Окно </a:t>
-            </a:r>
-            <a:r>
-              <a:rPr lang="en-US" dirty="0"/>
-              <a:t>Debug -&gt; Exceptions ...</a:t>
-            </a:r>
-          </a:p>
-        </p:txBody>
-      </p:sp>
-      <p:sp>
-        <p:nvSpPr>
-          <p:cNvPr id="3" name="Content Placeholder 2"/>
-          <p:cNvSpPr>
-            <a:spLocks noGrp="1"/>
-          </p:cNvSpPr>
-          <p:nvPr>
-            <p:ph idx="1"/>
-          </p:nvPr>
-        </p:nvSpPr>
-        <p:spPr>
-          <a:xfrm>
-            <a:off x="457200" y="1412776"/>
-            <a:ext cx="8229600" cy="4525963"/>
-          </a:xfrm>
-        </p:spPr>
-        <p:txBody>
-          <a:bodyPr>
-            <a:normAutofit/>
-          </a:bodyPr>
-          <a:lstStyle/>
-          <a:p>
-            <a:pPr marL="0" indent="0">
-              <a:buNone/>
-            </a:pPr>
-            <a:r>
-              <a:rPr lang="ru-RU" sz="1800" dirty="0"/>
-              <a:t>Окно «</a:t>
-            </a:r>
-            <a:r>
-              <a:rPr lang="en-US" sz="1800" dirty="0"/>
-              <a:t>Debug -&gt; Exceptions ...</a:t>
-            </a:r>
-            <a:r>
-              <a:rPr lang="ru-RU" sz="1800" dirty="0"/>
-              <a:t>» контролирует поведение отладчика при генерации исключений. По умолчанию остановка будет происходить только если исключение не было обработано. Иногда возникает необходимость делать остановку как только исключения было сгенерировано. Для этого нужно поставить отметку в колонке «</a:t>
-            </a:r>
-            <a:r>
-              <a:rPr lang="en-US" sz="1800" dirty="0"/>
-              <a:t>Thrown</a:t>
-            </a:r>
-            <a:r>
-              <a:rPr lang="ru-RU" sz="1800" dirty="0"/>
-              <a:t>» в ветке «</a:t>
-            </a:r>
-            <a:r>
-              <a:rPr lang="en-US" sz="1800" dirty="0"/>
-              <a:t>Common Language Runtime Exceptions</a:t>
-            </a:r>
-            <a:r>
-              <a:rPr lang="ru-RU" sz="1800" dirty="0"/>
-              <a:t>»</a:t>
-            </a:r>
-            <a:r>
-              <a:rPr lang="en-US" sz="1800" dirty="0"/>
-              <a:t> </a:t>
-            </a:r>
-            <a:r>
-              <a:rPr lang="ru-RU" sz="1800" dirty="0"/>
-              <a:t>для всех исключений или только для отдельных.</a:t>
-            </a:r>
-            <a:endParaRPr lang="en-US" sz="1800" dirty="0"/>
-          </a:p>
-        </p:txBody>
-      </p:sp>
-      <p:pic>
-        <p:nvPicPr>
-          <p:cNvPr id="1028" name="Picture 4"/>
-          <p:cNvPicPr>
-            <a:picLocks noChangeAspect="1" noChangeArrowheads="1"/>
-          </p:cNvPicPr>
-          <p:nvPr/>
-        </p:nvPicPr>
-        <p:blipFill>
-          <a:blip r:embed="rId2">
-            <a:extLst>
-              <a:ext uri="{28A0092B-C50C-407E-A947-70E740481C1C}">
-                <a14:useLocalDpi xmlns:a14="http://schemas.microsoft.com/office/drawing/2010/main" val="0"/>
-              </a:ext>
-            </a:extLst>
-          </a:blip>
-          <a:srcRect/>
-          <a:stretch>
-            <a:fillRect/>
-          </a:stretch>
-        </p:blipFill>
-        <p:spPr bwMode="auto">
-          <a:xfrm>
-            <a:off x="899592" y="3356992"/>
-            <a:ext cx="7002463" cy="3105150"/>
-          </a:xfrm>
-          <a:prstGeom prst="rect">
-            <a:avLst/>
-          </a:prstGeom>
-          <a:noFill/>
-          <a:ln>
-            <a:noFill/>
-          </a:ln>
-          <a:effectLst/>
-          <a:extLst>
-            <a:ext uri="{909E8E84-426E-40DD-AFC4-6F175D3DCCD1}">
-              <a14:hiddenFill xmlns:a14="http://schemas.microsoft.com/office/drawing/2010/main">
-                <a:solidFill>
-                  <a:schemeClr val="accent1"/>
-                </a:solidFill>
-              </a14:hiddenFill>
-            </a:ext>
-            <a:ext uri="{91240B29-F687-4F45-9708-019B960494DF}">
-              <a14:hiddenLine xmlns:a14="http://schemas.microsoft.com/office/drawing/2010/main" w="9525">
-                <a:solidFill>
-                  <a:schemeClr val="tx1"/>
-                </a:solidFill>
-                <a:miter lim="800000"/>
-                <a:headEnd/>
-                <a:tailEnd/>
-              </a14:hiddenLine>
-            </a:ext>
-            <a:ext uri="{AF507438-7753-43E0-B8FC-AC1667EBCBE1}">
-              <a14:hiddenEffects xmlns:a14="http://schemas.microsoft.com/office/drawing/2010/main">
-                <a:effectLst>
-                  <a:outerShdw dist="35921" dir="2700000" algn="ctr" rotWithShape="0">
-                    <a:schemeClr val="bg2"/>
-                  </a:outerShdw>
-                </a:effectLst>
-              </a14:hiddenEffects>
-            </a:ext>
-          </a:extLst>
-        </p:spPr>
-      </p:pic>
-    </p:spTree>
-    <p:extLst>
-      <p:ext uri="{BB962C8B-B14F-4D97-AF65-F5344CB8AC3E}">
-        <p14:creationId xmlns:p14="http://schemas.microsoft.com/office/powerpoint/2010/main" val="274208739"/>
       </p:ext>
     </p:extLst>
   </p:cSld>
@@ -9243,6 +9645,14 @@
               </a:rPr>
               <a:t>https://github.com/bazile/Training</a:t>
             </a:r>
+            <a:r>
+              <a:rPr lang="en-US" dirty="0">
+                <a:solidFill>
+                  <a:schemeClr val="bg1"/>
+                </a:solidFill>
+              </a:rPr>
+              <a:t/>
+            </a:r>
             <a:br>
               <a:rPr lang="en-US" dirty="0">
                 <a:solidFill>
@@ -9275,6 +9685,14 @@
                 <a:hlinkClick r:id="rId4"/>
               </a:rPr>
               <a:t>http://belhard.nullptr.ru/</a:t>
+            </a:r>
+            <a:r>
+              <a:rPr lang="ru-RU" dirty="0">
+                <a:solidFill>
+                  <a:schemeClr val="bg1"/>
+                </a:solidFill>
+              </a:rPr>
+              <a:t/>
             </a:r>
             <a:br>
               <a:rPr lang="ru-RU" dirty="0">
@@ -9345,6 +9763,193 @@
           <a:lstStyle/>
           <a:p>
             <a:r>
+              <a:rPr lang="ru-RU" dirty="0"/>
+              <a:t>Окно </a:t>
+            </a:r>
+            <a:r>
+              <a:rPr lang="en-US" dirty="0"/>
+              <a:t>Debug -&gt; Exceptions ...</a:t>
+            </a:r>
+          </a:p>
+        </p:txBody>
+      </p:sp>
+      <p:sp>
+        <p:nvSpPr>
+          <p:cNvPr id="3" name="Content Placeholder 2"/>
+          <p:cNvSpPr>
+            <a:spLocks noGrp="1"/>
+          </p:cNvSpPr>
+          <p:nvPr>
+            <p:ph idx="1"/>
+          </p:nvPr>
+        </p:nvSpPr>
+        <p:spPr>
+          <a:xfrm>
+            <a:off x="457200" y="1412776"/>
+            <a:ext cx="8229600" cy="4525963"/>
+          </a:xfrm>
+        </p:spPr>
+        <p:txBody>
+          <a:bodyPr>
+            <a:normAutofit/>
+          </a:bodyPr>
+          <a:lstStyle/>
+          <a:p>
+            <a:pPr marL="0" indent="0">
+              <a:buNone/>
+            </a:pPr>
+            <a:r>
+              <a:rPr lang="ru-RU" sz="1800" dirty="0"/>
+              <a:t>Окно «</a:t>
+            </a:r>
+            <a:r>
+              <a:rPr lang="en-US" sz="1800" dirty="0"/>
+              <a:t>Debug -&gt; Exceptions ...</a:t>
+            </a:r>
+            <a:r>
+              <a:rPr lang="ru-RU" sz="1800" dirty="0"/>
+              <a:t>» контролирует поведение отладчика при генерации исключений. По умолчанию остановка будет происходить только если исключение не было обработано. Иногда возникает необходимость делать остановку как только исключения было сгенерировано. Для этого нужно поставить отметку в колонке «</a:t>
+            </a:r>
+            <a:r>
+              <a:rPr lang="en-US" sz="1800" dirty="0"/>
+              <a:t>Thrown</a:t>
+            </a:r>
+            <a:r>
+              <a:rPr lang="ru-RU" sz="1800" dirty="0"/>
+              <a:t>» в ветке «</a:t>
+            </a:r>
+            <a:r>
+              <a:rPr lang="en-US" sz="1800" dirty="0"/>
+              <a:t>Common Language Runtime Exceptions</a:t>
+            </a:r>
+            <a:r>
+              <a:rPr lang="ru-RU" sz="1800" dirty="0"/>
+              <a:t>»</a:t>
+            </a:r>
+            <a:r>
+              <a:rPr lang="en-US" sz="1800" dirty="0"/>
+              <a:t> </a:t>
+            </a:r>
+            <a:r>
+              <a:rPr lang="ru-RU" sz="1800" dirty="0"/>
+              <a:t>для всех исключений или только для отдельных.</a:t>
+            </a:r>
+            <a:endParaRPr lang="en-US" sz="1800" dirty="0"/>
+          </a:p>
+        </p:txBody>
+      </p:sp>
+      <p:pic>
+        <p:nvPicPr>
+          <p:cNvPr id="1028" name="Picture 4"/>
+          <p:cNvPicPr>
+            <a:picLocks noChangeAspect="1" noChangeArrowheads="1"/>
+          </p:cNvPicPr>
+          <p:nvPr/>
+        </p:nvPicPr>
+        <p:blipFill>
+          <a:blip r:embed="rId2">
+            <a:extLst>
+              <a:ext uri="{28A0092B-C50C-407E-A947-70E740481C1C}">
+                <a14:useLocalDpi xmlns:a14="http://schemas.microsoft.com/office/drawing/2010/main" val="0"/>
+              </a:ext>
+            </a:extLst>
+          </a:blip>
+          <a:srcRect/>
+          <a:stretch>
+            <a:fillRect/>
+          </a:stretch>
+        </p:blipFill>
+        <p:spPr bwMode="auto">
+          <a:xfrm>
+            <a:off x="899592" y="3356992"/>
+            <a:ext cx="7002463" cy="3105150"/>
+          </a:xfrm>
+          <a:prstGeom prst="rect">
+            <a:avLst/>
+          </a:prstGeom>
+          <a:noFill/>
+          <a:ln>
+            <a:noFill/>
+          </a:ln>
+          <a:effectLst/>
+          <a:extLst>
+            <a:ext uri="{909E8E84-426E-40DD-AFC4-6F175D3DCCD1}">
+              <a14:hiddenFill xmlns:a14="http://schemas.microsoft.com/office/drawing/2010/main">
+                <a:solidFill>
+                  <a:schemeClr val="accent1"/>
+                </a:solidFill>
+              </a14:hiddenFill>
+            </a:ext>
+            <a:ext uri="{91240B29-F687-4F45-9708-019B960494DF}">
+              <a14:hiddenLine xmlns:a14="http://schemas.microsoft.com/office/drawing/2010/main" w="9525">
+                <a:solidFill>
+                  <a:schemeClr val="tx1"/>
+                </a:solidFill>
+                <a:miter lim="800000"/>
+                <a:headEnd/>
+                <a:tailEnd/>
+              </a14:hiddenLine>
+            </a:ext>
+            <a:ext uri="{AF507438-7753-43E0-B8FC-AC1667EBCBE1}">
+              <a14:hiddenEffects xmlns:a14="http://schemas.microsoft.com/office/drawing/2010/main">
+                <a:effectLst>
+                  <a:outerShdw dist="35921" dir="2700000" algn="ctr" rotWithShape="0">
+                    <a:schemeClr val="bg2"/>
+                  </a:outerShdw>
+                </a:effectLst>
+              </a14:hiddenEffects>
+            </a:ext>
+          </a:extLst>
+        </p:spPr>
+      </p:pic>
+    </p:spTree>
+    <p:extLst>
+      <p:ext uri="{BB962C8B-B14F-4D97-AF65-F5344CB8AC3E}">
+        <p14:creationId xmlns:p14="http://schemas.microsoft.com/office/powerpoint/2010/main" val="274208739"/>
+      </p:ext>
+    </p:extLst>
+  </p:cSld>
+  <p:clrMapOvr>
+    <a:masterClrMapping/>
+  </p:clrMapOvr>
+</p:sld>
+</file>
+
+<file path=ppt/slides/slide21.xml><?xml version="1.0" encoding="utf-8"?>
+<p:sld xmlns:a="http://schemas.openxmlformats.org/drawingml/2006/main" xmlns:r="http://schemas.openxmlformats.org/officeDocument/2006/relationships" xmlns:p="http://schemas.openxmlformats.org/presentationml/2006/main">
+  <p:cSld>
+    <p:spTree>
+      <p:nvGrpSpPr>
+        <p:cNvPr id="1" name=""/>
+        <p:cNvGrpSpPr/>
+        <p:nvPr/>
+      </p:nvGrpSpPr>
+      <p:grpSpPr>
+        <a:xfrm>
+          <a:off x="0" y="0"/>
+          <a:ext cx="0" cy="0"/>
+          <a:chOff x="0" y="0"/>
+          <a:chExt cx="0" cy="0"/>
+        </a:xfrm>
+      </p:grpSpPr>
+      <p:sp>
+        <p:nvSpPr>
+          <p:cNvPr id="2" name="Title 1"/>
+          <p:cNvSpPr>
+            <a:spLocks noGrp="1"/>
+          </p:cNvSpPr>
+          <p:nvPr>
+            <p:ph type="title"/>
+          </p:nvPr>
+        </p:nvSpPr>
+        <p:spPr/>
+        <p:txBody>
+          <a:bodyPr>
+            <a:normAutofit/>
+          </a:bodyPr>
+          <a:lstStyle/>
+          <a:p>
+            <a:r>
               <a:rPr lang="en-US" dirty="0"/>
               <a:t>Windows Error Reporting</a:t>
             </a:r>
@@ -9776,7 +10381,7 @@
 </p:sld>
 </file>
 
-<file path=ppt/slides/slide21.xml><?xml version="1.0" encoding="utf-8"?>
+<file path=ppt/slides/slide22.xml><?xml version="1.0" encoding="utf-8"?>
 <p:sld xmlns:a="http://schemas.openxmlformats.org/drawingml/2006/main" xmlns:r="http://schemas.openxmlformats.org/officeDocument/2006/relationships" xmlns:p="http://schemas.openxmlformats.org/presentationml/2006/main">
   <p:cSld>
     <p:spTree>
@@ -9947,7 +10552,7 @@
 </p:sld>
 </file>
 
-<file path=ppt/slides/slide22.xml><?xml version="1.0" encoding="utf-8"?>
+<file path=ppt/slides/slide23.xml><?xml version="1.0" encoding="utf-8"?>
 <p:sld xmlns:a="http://schemas.openxmlformats.org/drawingml/2006/main" xmlns:r="http://schemas.openxmlformats.org/officeDocument/2006/relationships" xmlns:p="http://schemas.openxmlformats.org/presentationml/2006/main">
   <p:cSld>
     <p:spTree>
@@ -12741,7 +13346,7 @@
           <p:cNvPr id="4" name="Rectangle 3">
             <a:extLst>
               <a:ext uri="{FF2B5EF4-FFF2-40B4-BE49-F238E27FC236}">
-                <a16:creationId xmlns:a16="http://schemas.microsoft.com/office/drawing/2014/main" id="{2E9267E0-FD09-1743-84CC-3146448A5065}"/>
+                <a16:creationId xmlns:a16="http://schemas.microsoft.com/office/drawing/2014/main" xmlns="" id="{2E9267E0-FD09-1743-84CC-3146448A5065}"/>
               </a:ext>
             </a:extLst>
           </p:cNvPr>
@@ -13140,6 +13745,127 @@
 </file>
 
 <file path=ppt/slides/slide7.xml><?xml version="1.0" encoding="utf-8"?>
+<p:sld xmlns:a="http://schemas.openxmlformats.org/drawingml/2006/main" xmlns:r="http://schemas.openxmlformats.org/officeDocument/2006/relationships" xmlns:p="http://schemas.openxmlformats.org/presentationml/2006/main">
+  <p:cSld>
+    <p:spTree>
+      <p:nvGrpSpPr>
+        <p:cNvPr id="1" name=""/>
+        <p:cNvGrpSpPr/>
+        <p:nvPr/>
+      </p:nvGrpSpPr>
+      <p:grpSpPr>
+        <a:xfrm>
+          <a:off x="0" y="0"/>
+          <a:ext cx="0" cy="0"/>
+          <a:chOff x="0" y="0"/>
+          <a:chExt cx="0" cy="0"/>
+        </a:xfrm>
+      </p:grpSpPr>
+      <p:sp>
+        <p:nvSpPr>
+          <p:cNvPr id="2" name="Title 1"/>
+          <p:cNvSpPr>
+            <a:spLocks noGrp="1"/>
+          </p:cNvSpPr>
+          <p:nvPr>
+            <p:ph type="title"/>
+          </p:nvPr>
+        </p:nvSpPr>
+        <p:spPr/>
+        <p:txBody>
+          <a:bodyPr/>
+          <a:lstStyle/>
+          <a:p>
+            <a:r>
+              <a:rPr lang="ru-RU" dirty="0"/>
+              <a:t>Блок </a:t>
+            </a:r>
+            <a:r>
+              <a:rPr lang="en-US" dirty="0" smtClean="0"/>
+              <a:t>using</a:t>
+            </a:r>
+            <a:endParaRPr lang="ru-RU" dirty="0"/>
+          </a:p>
+        </p:txBody>
+      </p:sp>
+      <p:sp>
+        <p:nvSpPr>
+          <p:cNvPr id="3" name="Content Placeholder 2"/>
+          <p:cNvSpPr>
+            <a:spLocks noGrp="1"/>
+          </p:cNvSpPr>
+          <p:nvPr>
+            <p:ph idx="1"/>
+          </p:nvPr>
+        </p:nvSpPr>
+        <p:spPr/>
+        <p:txBody>
+          <a:bodyPr>
+            <a:normAutofit/>
+          </a:bodyPr>
+          <a:lstStyle/>
+          <a:p>
+            <a:pPr marL="0" indent="0">
+              <a:buNone/>
+            </a:pPr>
+            <a:r>
+              <a:rPr lang="ru-RU" dirty="0" smtClean="0"/>
+              <a:t>Блок </a:t>
+            </a:r>
+            <a:r>
+              <a:rPr lang="en-US" dirty="0" smtClean="0"/>
+              <a:t>using (</a:t>
+            </a:r>
+            <a:r>
+              <a:rPr lang="ru-RU" dirty="0" smtClean="0"/>
+              <a:t>не путать с директивой </a:t>
+            </a:r>
+            <a:r>
+              <a:rPr lang="en-US" dirty="0" smtClean="0"/>
+              <a:t>using) </a:t>
+            </a:r>
+            <a:r>
+              <a:rPr lang="ru-RU" dirty="0" smtClean="0"/>
+              <a:t>предназначен для гарантированного освобождения неуправляемых ресурсов принадлежащих объекту путем вызова метода </a:t>
+            </a:r>
+            <a:r>
+              <a:rPr lang="en-US" dirty="0" smtClean="0"/>
+              <a:t>Dispose() </a:t>
+            </a:r>
+            <a:r>
+              <a:rPr lang="ru-RU" dirty="0" smtClean="0"/>
+              <a:t>интерфейса </a:t>
+            </a:r>
+            <a:r>
+              <a:rPr lang="en-US" dirty="0" err="1" smtClean="0"/>
+              <a:t>IDisposable</a:t>
+            </a:r>
+            <a:r>
+              <a:rPr lang="ru-RU" dirty="0" smtClean="0"/>
+              <a:t>. Происходит это в блоке </a:t>
+            </a:r>
+            <a:r>
+              <a:rPr lang="en-US" dirty="0" smtClean="0"/>
+              <a:t>finally.</a:t>
+            </a:r>
+            <a:endParaRPr lang="ru-RU" dirty="0"/>
+          </a:p>
+        </p:txBody>
+      </p:sp>
+    </p:spTree>
+    <p:extLst>
+      <p:ext uri="{BB962C8B-B14F-4D97-AF65-F5344CB8AC3E}">
+        <p14:creationId xmlns:p14="http://schemas.microsoft.com/office/powerpoint/2010/main" val="4029792320"/>
+      </p:ext>
+    </p:extLst>
+  </p:cSld>
+  <p:clrMapOvr>
+    <a:masterClrMapping/>
+  </p:clrMapOvr>
+</p:sld>
+</file>
+
+<file path=ppt/slides/slide8.xml><?xml version="1.0" encoding="utf-8"?>
 <p:sld xmlns:a="http://schemas.openxmlformats.org/drawingml/2006/main" xmlns:r="http://schemas.openxmlformats.org/officeDocument/2006/relationships" xmlns:p="http://schemas.openxmlformats.org/presentationml/2006/main" show="0">
   <p:cSld>
     <p:bg>
@@ -13391,10 +14117,18 @@
   <p:clrMapOvr>
     <a:masterClrMapping/>
   </p:clrMapOvr>
+  <mc:AlternateContent xmlns:mc="http://schemas.openxmlformats.org/markup-compatibility/2006">
+    <mc:Choice xmlns:p14="http://schemas.microsoft.com/office/powerpoint/2010/main" Requires="p14">
+      <p:transition spd="slow" p14:dur="2000"/>
+    </mc:Choice>
+    <mc:Fallback>
+      <p:transition spd="slow"/>
+    </mc:Fallback>
+  </mc:AlternateContent>
 </p:sld>
 </file>
 
-<file path=ppt/slides/slide8.xml><?xml version="1.0" encoding="utf-8"?>
+<file path=ppt/slides/slide9.xml><?xml version="1.0" encoding="utf-8"?>
 <p:sld xmlns:a="http://schemas.openxmlformats.org/drawingml/2006/main" xmlns:r="http://schemas.openxmlformats.org/officeDocument/2006/relationships" xmlns:p="http://schemas.openxmlformats.org/presentationml/2006/main">
   <p:cSld>
     <p:bg>
@@ -13641,586 +14375,6 @@
     <p:extLst>
       <p:ext uri="{BB962C8B-B14F-4D97-AF65-F5344CB8AC3E}">
         <p14:creationId xmlns:p14="http://schemas.microsoft.com/office/powerpoint/2010/main" val="450197225"/>
-      </p:ext>
-    </p:extLst>
-  </p:cSld>
-  <p:clrMapOvr>
-    <a:masterClrMapping/>
-  </p:clrMapOvr>
-</p:sld>
-</file>
-
-<file path=ppt/slides/slide9.xml><?xml version="1.0" encoding="utf-8"?>
-<p:sld xmlns:a="http://schemas.openxmlformats.org/drawingml/2006/main" xmlns:r="http://schemas.openxmlformats.org/officeDocument/2006/relationships" xmlns:p="http://schemas.openxmlformats.org/presentationml/2006/main">
-  <p:cSld>
-    <p:spTree>
-      <p:nvGrpSpPr>
-        <p:cNvPr id="1" name=""/>
-        <p:cNvGrpSpPr/>
-        <p:nvPr/>
-      </p:nvGrpSpPr>
-      <p:grpSpPr>
-        <a:xfrm>
-          <a:off x="0" y="0"/>
-          <a:ext cx="0" cy="0"/>
-          <a:chOff x="0" y="0"/>
-          <a:chExt cx="0" cy="0"/>
-        </a:xfrm>
-      </p:grpSpPr>
-      <p:sp>
-        <p:nvSpPr>
-          <p:cNvPr id="2" name="Title 1"/>
-          <p:cNvSpPr>
-            <a:spLocks noGrp="1"/>
-          </p:cNvSpPr>
-          <p:nvPr>
-            <p:ph type="title"/>
-          </p:nvPr>
-        </p:nvSpPr>
-        <p:spPr/>
-        <p:txBody>
-          <a:bodyPr>
-            <a:normAutofit fontScale="90000"/>
-          </a:bodyPr>
-          <a:lstStyle/>
-          <a:p>
-            <a:r>
-              <a:rPr lang="ru-RU" b="1" dirty="0"/>
-              <a:t>Часто используемые исключения</a:t>
-            </a:r>
-            <a:endParaRPr lang="ru-RU" dirty="0"/>
-          </a:p>
-        </p:txBody>
-      </p:sp>
-      <p:graphicFrame>
-        <p:nvGraphicFramePr>
-          <p:cNvPr id="5" name="Table 4"/>
-          <p:cNvGraphicFramePr>
-            <a:graphicFrameLocks noGrp="1"/>
-          </p:cNvGraphicFramePr>
-          <p:nvPr>
-            <p:extLst>
-              <p:ext uri="{D42A27DB-BD31-4B8C-83A1-F6EECF244321}">
-                <p14:modId xmlns:p14="http://schemas.microsoft.com/office/powerpoint/2010/main" val="252463179"/>
-              </p:ext>
-            </p:extLst>
-          </p:nvPr>
-        </p:nvGraphicFramePr>
-        <p:xfrm>
-          <a:off x="457200" y="1596400"/>
-          <a:ext cx="8229600" cy="4312920"/>
-        </p:xfrm>
-        <a:graphic>
-          <a:graphicData uri="http://schemas.openxmlformats.org/drawingml/2006/table">
-            <a:tbl>
-              <a:tblPr firstRow="1" bandRow="1">
-                <a:tableStyleId>{5C22544A-7EE6-4342-B048-85BDC9FD1C3A}</a:tableStyleId>
-              </a:tblPr>
-              <a:tblGrid>
-                <a:gridCol w="3538736">
-                  <a:extLst>
-                    <a:ext uri="{9D8B030D-6E8A-4147-A177-3AD203B41FA5}">
-                      <a16:colId xmlns:a16="http://schemas.microsoft.com/office/drawing/2014/main" val="20000"/>
-                    </a:ext>
-                  </a:extLst>
-                </a:gridCol>
-                <a:gridCol w="4690864">
-                  <a:extLst>
-                    <a:ext uri="{9D8B030D-6E8A-4147-A177-3AD203B41FA5}">
-                      <a16:colId xmlns:a16="http://schemas.microsoft.com/office/drawing/2014/main" val="20001"/>
-                    </a:ext>
-                  </a:extLst>
-                </a:gridCol>
-              </a:tblGrid>
-              <a:tr h="370840">
-                <a:tc>
-                  <a:txBody>
-                    <a:bodyPr/>
-                    <a:lstStyle/>
-                    <a:p>
-                      <a:r>
-                        <a:rPr lang="ru-RU" dirty="0"/>
-                        <a:t>Название</a:t>
-                      </a:r>
-                      <a:r>
-                        <a:rPr lang="ru-RU" baseline="0" dirty="0"/>
-                        <a:t> класса исключения</a:t>
-                      </a:r>
-                      <a:endParaRPr lang="en-US" dirty="0"/>
-                    </a:p>
-                  </a:txBody>
-                  <a:tcPr/>
-                </a:tc>
-                <a:tc>
-                  <a:txBody>
-                    <a:bodyPr/>
-                    <a:lstStyle/>
-                    <a:p>
-                      <a:r>
-                        <a:rPr lang="ru-RU" dirty="0"/>
-                        <a:t>Описание</a:t>
-                      </a:r>
-                      <a:endParaRPr lang="en-US" dirty="0"/>
-                    </a:p>
-                  </a:txBody>
-                  <a:tcPr/>
-                </a:tc>
-                <a:extLst>
-                  <a:ext uri="{0D108BD9-81ED-4DB2-BD59-A6C34878D82A}">
-                    <a16:rowId xmlns:a16="http://schemas.microsoft.com/office/drawing/2014/main" val="10000"/>
-                  </a:ext>
-                </a:extLst>
-              </a:tr>
-              <a:tr h="370840">
-                <a:tc>
-                  <a:txBody>
-                    <a:bodyPr/>
-                    <a:lstStyle/>
-                    <a:p>
-                      <a:r>
-                        <a:rPr lang="en-US" dirty="0" err="1">
-                          <a:solidFill>
-                            <a:schemeClr val="bg2"/>
-                          </a:solidFill>
-                        </a:rPr>
-                        <a:t>NullReferenceException</a:t>
-                      </a:r>
-                      <a:endParaRPr lang="en-US" dirty="0">
-                        <a:solidFill>
-                          <a:schemeClr val="bg2"/>
-                        </a:solidFill>
-                      </a:endParaRPr>
-                    </a:p>
-                  </a:txBody>
-                  <a:tcPr/>
-                </a:tc>
-                <a:tc>
-                  <a:txBody>
-                    <a:bodyPr/>
-                    <a:lstStyle/>
-                    <a:p>
-                      <a:r>
-                        <a:rPr lang="ru-RU" dirty="0">
-                          <a:solidFill>
-                            <a:schemeClr val="bg2"/>
-                          </a:solidFill>
-                        </a:rPr>
-                        <a:t>Значение</a:t>
-                      </a:r>
-                      <a:r>
-                        <a:rPr lang="ru-RU" baseline="0" dirty="0">
-                          <a:solidFill>
-                            <a:schemeClr val="bg2"/>
-                          </a:solidFill>
-                        </a:rPr>
-                        <a:t> ссылочного типа равно </a:t>
-                      </a:r>
-                      <a:r>
-                        <a:rPr lang="en-US" baseline="0" dirty="0">
-                          <a:solidFill>
-                            <a:schemeClr val="bg2"/>
-                          </a:solidFill>
-                        </a:rPr>
-                        <a:t>null</a:t>
-                      </a:r>
-                      <a:endParaRPr lang="en-US" dirty="0">
-                        <a:solidFill>
-                          <a:schemeClr val="bg2"/>
-                        </a:solidFill>
-                      </a:endParaRPr>
-                    </a:p>
-                  </a:txBody>
-                  <a:tcPr/>
-                </a:tc>
-                <a:extLst>
-                  <a:ext uri="{0D108BD9-81ED-4DB2-BD59-A6C34878D82A}">
-                    <a16:rowId xmlns:a16="http://schemas.microsoft.com/office/drawing/2014/main" val="10001"/>
-                  </a:ext>
-                </a:extLst>
-              </a:tr>
-              <a:tr h="370840">
-                <a:tc>
-                  <a:txBody>
-                    <a:bodyPr/>
-                    <a:lstStyle/>
-                    <a:p>
-                      <a:r>
-                        <a:rPr lang="en-US" sz="1800" kern="1200" dirty="0" err="1">
-                          <a:solidFill>
-                            <a:schemeClr val="bg2"/>
-                          </a:solidFill>
-                          <a:latin typeface="+mn-lt"/>
-                          <a:ea typeface="+mn-ea"/>
-                          <a:cs typeface="+mn-cs"/>
-                        </a:rPr>
-                        <a:t>ArgumentNullException</a:t>
-                      </a:r>
-                      <a:endParaRPr lang="en-US" dirty="0">
-                        <a:solidFill>
-                          <a:schemeClr val="bg2"/>
-                        </a:solidFill>
-                      </a:endParaRPr>
-                    </a:p>
-                  </a:txBody>
-                  <a:tcPr/>
-                </a:tc>
-                <a:tc>
-                  <a:txBody>
-                    <a:bodyPr/>
-                    <a:lstStyle/>
-                    <a:p>
-                      <a:r>
-                        <a:rPr lang="ru-RU" dirty="0">
-                          <a:solidFill>
-                            <a:schemeClr val="bg2"/>
-                          </a:solidFill>
-                        </a:rPr>
-                        <a:t>Аргумент</a:t>
-                      </a:r>
-                      <a:r>
-                        <a:rPr lang="ru-RU" baseline="0" dirty="0">
-                          <a:solidFill>
-                            <a:schemeClr val="bg2"/>
-                          </a:solidFill>
-                        </a:rPr>
-                        <a:t> ссылочного типа равен </a:t>
-                      </a:r>
-                      <a:r>
-                        <a:rPr lang="en-US" baseline="0" dirty="0">
-                          <a:solidFill>
-                            <a:schemeClr val="bg2"/>
-                          </a:solidFill>
-                        </a:rPr>
-                        <a:t>null</a:t>
-                      </a:r>
-                      <a:endParaRPr lang="en-US" dirty="0">
-                        <a:solidFill>
-                          <a:schemeClr val="bg2"/>
-                        </a:solidFill>
-                      </a:endParaRPr>
-                    </a:p>
-                  </a:txBody>
-                  <a:tcPr/>
-                </a:tc>
-                <a:extLst>
-                  <a:ext uri="{0D108BD9-81ED-4DB2-BD59-A6C34878D82A}">
-                    <a16:rowId xmlns:a16="http://schemas.microsoft.com/office/drawing/2014/main" val="10002"/>
-                  </a:ext>
-                </a:extLst>
-              </a:tr>
-              <a:tr h="370840">
-                <a:tc>
-                  <a:txBody>
-                    <a:bodyPr/>
-                    <a:lstStyle/>
-                    <a:p>
-                      <a:r>
-                        <a:rPr lang="en-US" sz="1800" kern="1200" dirty="0" err="1">
-                          <a:solidFill>
-                            <a:schemeClr val="bg2"/>
-                          </a:solidFill>
-                          <a:latin typeface="+mn-lt"/>
-                          <a:ea typeface="+mn-ea"/>
-                          <a:cs typeface="+mn-cs"/>
-                        </a:rPr>
-                        <a:t>ArgumentOutOfRangeException</a:t>
-                      </a:r>
-                      <a:endParaRPr lang="en-US" dirty="0">
-                        <a:solidFill>
-                          <a:schemeClr val="bg2"/>
-                        </a:solidFill>
-                      </a:endParaRPr>
-                    </a:p>
-                  </a:txBody>
-                  <a:tcPr/>
-                </a:tc>
-                <a:tc>
-                  <a:txBody>
-                    <a:bodyPr/>
-                    <a:lstStyle/>
-                    <a:p>
-                      <a:r>
-                        <a:rPr lang="ru-RU" dirty="0">
-                          <a:solidFill>
-                            <a:schemeClr val="bg2"/>
-                          </a:solidFill>
-                        </a:rPr>
-                        <a:t>Значение</a:t>
-                      </a:r>
-                      <a:r>
-                        <a:rPr lang="ru-RU" baseline="0" dirty="0">
-                          <a:solidFill>
-                            <a:schemeClr val="bg2"/>
-                          </a:solidFill>
-                        </a:rPr>
-                        <a:t> аргумента выходит за разрешенный диапазон значений</a:t>
-                      </a:r>
-                      <a:endParaRPr lang="en-US" dirty="0">
-                        <a:solidFill>
-                          <a:schemeClr val="bg2"/>
-                        </a:solidFill>
-                      </a:endParaRPr>
-                    </a:p>
-                  </a:txBody>
-                  <a:tcPr/>
-                </a:tc>
-                <a:extLst>
-                  <a:ext uri="{0D108BD9-81ED-4DB2-BD59-A6C34878D82A}">
-                    <a16:rowId xmlns:a16="http://schemas.microsoft.com/office/drawing/2014/main" val="10003"/>
-                  </a:ext>
-                </a:extLst>
-              </a:tr>
-              <a:tr h="370840">
-                <a:tc>
-                  <a:txBody>
-                    <a:bodyPr/>
-                    <a:lstStyle/>
-                    <a:p>
-                      <a:r>
-                        <a:rPr lang="en-US" sz="1800" kern="1200" dirty="0" err="1">
-                          <a:solidFill>
-                            <a:schemeClr val="bg2"/>
-                          </a:solidFill>
-                          <a:latin typeface="+mn-lt"/>
-                          <a:ea typeface="+mn-ea"/>
-                          <a:cs typeface="+mn-cs"/>
-                        </a:rPr>
-                        <a:t>IndexOutOfRangeException</a:t>
-                      </a:r>
-                      <a:endParaRPr lang="en-US" dirty="0">
-                        <a:solidFill>
-                          <a:schemeClr val="bg2"/>
-                        </a:solidFill>
-                      </a:endParaRPr>
-                    </a:p>
-                  </a:txBody>
-                  <a:tcPr/>
-                </a:tc>
-                <a:tc>
-                  <a:txBody>
-                    <a:bodyPr/>
-                    <a:lstStyle/>
-                    <a:p>
-                      <a:r>
-                        <a:rPr lang="ru-RU" dirty="0">
-                          <a:solidFill>
-                            <a:schemeClr val="bg2"/>
-                          </a:solidFill>
-                        </a:rPr>
-                        <a:t>Индекс</a:t>
-                      </a:r>
-                      <a:r>
-                        <a:rPr lang="ru-RU" baseline="0" dirty="0">
-                          <a:solidFill>
-                            <a:schemeClr val="bg2"/>
-                          </a:solidFill>
-                        </a:rPr>
-                        <a:t> (коллекции) выходит за разрешенный диапазон значений</a:t>
-                      </a:r>
-                      <a:endParaRPr lang="en-US" dirty="0">
-                        <a:solidFill>
-                          <a:schemeClr val="bg2"/>
-                        </a:solidFill>
-                      </a:endParaRPr>
-                    </a:p>
-                  </a:txBody>
-                  <a:tcPr/>
-                </a:tc>
-                <a:extLst>
-                  <a:ext uri="{0D108BD9-81ED-4DB2-BD59-A6C34878D82A}">
-                    <a16:rowId xmlns:a16="http://schemas.microsoft.com/office/drawing/2014/main" val="10004"/>
-                  </a:ext>
-                </a:extLst>
-              </a:tr>
-              <a:tr h="370840">
-                <a:tc>
-                  <a:txBody>
-                    <a:bodyPr/>
-                    <a:lstStyle/>
-                    <a:p>
-                      <a:r>
-                        <a:rPr lang="en-US" sz="1800" kern="1200" dirty="0" err="1">
-                          <a:solidFill>
-                            <a:schemeClr val="bg2"/>
-                          </a:solidFill>
-                          <a:latin typeface="+mn-lt"/>
-                          <a:ea typeface="+mn-ea"/>
-                          <a:cs typeface="+mn-cs"/>
-                        </a:rPr>
-                        <a:t>InvalidOperationException</a:t>
-                      </a:r>
-                      <a:endParaRPr lang="en-US" dirty="0">
-                        <a:solidFill>
-                          <a:schemeClr val="bg2"/>
-                        </a:solidFill>
-                      </a:endParaRPr>
-                    </a:p>
-                  </a:txBody>
-                  <a:tcPr/>
-                </a:tc>
-                <a:tc>
-                  <a:txBody>
-                    <a:bodyPr/>
-                    <a:lstStyle/>
-                    <a:p>
-                      <a:r>
-                        <a:rPr lang="ru-RU" dirty="0">
-                          <a:solidFill>
-                            <a:schemeClr val="bg2"/>
-                          </a:solidFill>
-                        </a:rPr>
-                        <a:t>Попытка выполнить операцию</a:t>
-                      </a:r>
-                      <a:r>
-                        <a:rPr lang="ru-RU" baseline="0" dirty="0">
-                          <a:solidFill>
-                            <a:schemeClr val="bg2"/>
-                          </a:solidFill>
-                        </a:rPr>
-                        <a:t> запрещенную текущим состоянием объекта</a:t>
-                      </a:r>
-                      <a:endParaRPr lang="en-US" dirty="0">
-                        <a:solidFill>
-                          <a:schemeClr val="bg2"/>
-                        </a:solidFill>
-                      </a:endParaRPr>
-                    </a:p>
-                  </a:txBody>
-                  <a:tcPr/>
-                </a:tc>
-                <a:extLst>
-                  <a:ext uri="{0D108BD9-81ED-4DB2-BD59-A6C34878D82A}">
-                    <a16:rowId xmlns:a16="http://schemas.microsoft.com/office/drawing/2014/main" val="10005"/>
-                  </a:ext>
-                </a:extLst>
-              </a:tr>
-              <a:tr h="370840">
-                <a:tc>
-                  <a:txBody>
-                    <a:bodyPr/>
-                    <a:lstStyle/>
-                    <a:p>
-                      <a:r>
-                        <a:rPr lang="en-US" sz="1800" kern="1200" dirty="0" err="1">
-                          <a:solidFill>
-                            <a:schemeClr val="bg2"/>
-                          </a:solidFill>
-                          <a:latin typeface="+mn-lt"/>
-                          <a:ea typeface="+mn-ea"/>
-                          <a:cs typeface="+mn-cs"/>
-                        </a:rPr>
-                        <a:t>AggregateException</a:t>
-                      </a:r>
-                      <a:endParaRPr lang="en-US" dirty="0">
-                        <a:solidFill>
-                          <a:schemeClr val="bg2"/>
-                        </a:solidFill>
-                      </a:endParaRPr>
-                    </a:p>
-                  </a:txBody>
-                  <a:tcPr/>
-                </a:tc>
-                <a:tc>
-                  <a:txBody>
-                    <a:bodyPr/>
-                    <a:lstStyle/>
-                    <a:p>
-                      <a:r>
-                        <a:rPr lang="ru-RU" dirty="0">
-                          <a:solidFill>
-                            <a:schemeClr val="bg2"/>
-                          </a:solidFill>
-                        </a:rPr>
-                        <a:t>Исключение состоящее из других</a:t>
-                      </a:r>
-                      <a:r>
-                        <a:rPr lang="ru-RU" baseline="0" dirty="0">
-                          <a:solidFill>
-                            <a:schemeClr val="bg2"/>
-                          </a:solidFill>
-                        </a:rPr>
-                        <a:t> вложенных исключений</a:t>
-                      </a:r>
-                      <a:endParaRPr lang="en-US" dirty="0">
-                        <a:solidFill>
-                          <a:schemeClr val="bg2"/>
-                        </a:solidFill>
-                      </a:endParaRPr>
-                    </a:p>
-                  </a:txBody>
-                  <a:tcPr/>
-                </a:tc>
-                <a:extLst>
-                  <a:ext uri="{0D108BD9-81ED-4DB2-BD59-A6C34878D82A}">
-                    <a16:rowId xmlns:a16="http://schemas.microsoft.com/office/drawing/2014/main" val="10006"/>
-                  </a:ext>
-                </a:extLst>
-              </a:tr>
-              <a:tr h="370840">
-                <a:tc>
-                  <a:txBody>
-                    <a:bodyPr/>
-                    <a:lstStyle/>
-                    <a:p>
-                      <a:r>
-                        <a:rPr lang="en-US" sz="1800" kern="1200" dirty="0" err="1">
-                          <a:solidFill>
-                            <a:schemeClr val="bg2"/>
-                          </a:solidFill>
-                          <a:latin typeface="+mn-lt"/>
-                          <a:ea typeface="+mn-ea"/>
-                          <a:cs typeface="+mn-cs"/>
-                        </a:rPr>
-                        <a:t>ObjectDisposedException</a:t>
-                      </a:r>
-                      <a:endParaRPr lang="en-US" dirty="0">
-                        <a:solidFill>
-                          <a:schemeClr val="bg2"/>
-                        </a:solidFill>
-                      </a:endParaRPr>
-                    </a:p>
-                  </a:txBody>
-                  <a:tcPr/>
-                </a:tc>
-                <a:tc>
-                  <a:txBody>
-                    <a:bodyPr/>
-                    <a:lstStyle/>
-                    <a:p>
-                      <a:r>
-                        <a:rPr lang="ru-RU" dirty="0">
-                          <a:solidFill>
-                            <a:schemeClr val="bg2"/>
-                          </a:solidFill>
-                        </a:rPr>
-                        <a:t>Попытка использовать объект после вызова </a:t>
-                      </a:r>
-                      <a:r>
-                        <a:rPr lang="en-US" dirty="0">
-                          <a:solidFill>
-                            <a:schemeClr val="bg2"/>
-                          </a:solidFill>
-                        </a:rPr>
-                        <a:t>Dispose()</a:t>
-                      </a:r>
-                    </a:p>
-                  </a:txBody>
-                  <a:tcPr/>
-                </a:tc>
-                <a:extLst>
-                  <a:ext uri="{0D108BD9-81ED-4DB2-BD59-A6C34878D82A}">
-                    <a16:rowId xmlns:a16="http://schemas.microsoft.com/office/drawing/2014/main" val="10007"/>
-                  </a:ext>
-                </a:extLst>
-              </a:tr>
-            </a:tbl>
-          </a:graphicData>
-        </a:graphic>
-      </p:graphicFrame>
-    </p:spTree>
-    <p:extLst>
-      <p:ext uri="{BB962C8B-B14F-4D97-AF65-F5344CB8AC3E}">
-        <p14:creationId xmlns:p14="http://schemas.microsoft.com/office/powerpoint/2010/main" val="4081289214"/>
       </p:ext>
     </p:extLst>
   </p:cSld>

--- a/Presentation/lesson-04-exceptions.pptx
+++ b/Presentation/lesson-04-exceptions.pptx
@@ -15,19 +15,20 @@
     <p:sldId id="318" r:id="rId9"/>
     <p:sldId id="273" r:id="rId10"/>
     <p:sldId id="329" r:id="rId11"/>
-    <p:sldId id="324" r:id="rId12"/>
-    <p:sldId id="330" r:id="rId13"/>
-    <p:sldId id="319" r:id="rId14"/>
-    <p:sldId id="326" r:id="rId15"/>
-    <p:sldId id="292" r:id="rId16"/>
-    <p:sldId id="282" r:id="rId17"/>
-    <p:sldId id="284" r:id="rId18"/>
-    <p:sldId id="285" r:id="rId19"/>
-    <p:sldId id="322" r:id="rId20"/>
-    <p:sldId id="323" r:id="rId21"/>
-    <p:sldId id="320" r:id="rId22"/>
-    <p:sldId id="321" r:id="rId23"/>
-    <p:sldId id="325" r:id="rId24"/>
+    <p:sldId id="333" r:id="rId12"/>
+    <p:sldId id="324" r:id="rId13"/>
+    <p:sldId id="330" r:id="rId14"/>
+    <p:sldId id="319" r:id="rId15"/>
+    <p:sldId id="326" r:id="rId16"/>
+    <p:sldId id="292" r:id="rId17"/>
+    <p:sldId id="282" r:id="rId18"/>
+    <p:sldId id="284" r:id="rId19"/>
+    <p:sldId id="285" r:id="rId20"/>
+    <p:sldId id="322" r:id="rId21"/>
+    <p:sldId id="323" r:id="rId22"/>
+    <p:sldId id="320" r:id="rId23"/>
+    <p:sldId id="321" r:id="rId24"/>
+    <p:sldId id="325" r:id="rId25"/>
   </p:sldIdLst>
   <p:sldSz cx="9144000" cy="6858000" type="screen4x3"/>
   <p:notesSz cx="6858000" cy="9144000"/>
@@ -128,7 +129,7 @@
   </p:defaultTextStyle>
   <p:extLst>
     <p:ext uri="{EFAFB233-063F-42B5-8137-9DF3F51BA10A}">
-      <p15:sldGuideLst xmlns:p15="http://schemas.microsoft.com/office/powerpoint/2012/main" xmlns="">
+      <p15:sldGuideLst xmlns="" xmlns:p15="http://schemas.microsoft.com/office/powerpoint/2012/main">
         <p15:guide id="1" orient="horz" pos="2160">
           <p15:clr>
             <a:srgbClr val="A4A3A4"/>
@@ -325,7 +326,7 @@
             <a:fld id="{FAECF776-F836-4CCD-9497-99E5597B8B5D}" type="datetimeFigureOut">
               <a:rPr lang="en-US" smtClean="0"/>
               <a:pPr/>
-              <a:t>11/30/2018</a:t>
+              <a:t>3/9/2019</a:t>
             </a:fld>
             <a:endParaRPr lang="en-US"/>
           </a:p>
@@ -495,7 +496,7 @@
             <a:fld id="{FAECF776-F836-4CCD-9497-99E5597B8B5D}" type="datetimeFigureOut">
               <a:rPr lang="en-US" smtClean="0"/>
               <a:pPr/>
-              <a:t>11/30/2018</a:t>
+              <a:t>3/9/2019</a:t>
             </a:fld>
             <a:endParaRPr lang="en-US"/>
           </a:p>
@@ -675,7 +676,7 @@
             <a:fld id="{FAECF776-F836-4CCD-9497-99E5597B8B5D}" type="datetimeFigureOut">
               <a:rPr lang="en-US" smtClean="0"/>
               <a:pPr/>
-              <a:t>11/30/2018</a:t>
+              <a:t>3/9/2019</a:t>
             </a:fld>
             <a:endParaRPr lang="en-US"/>
           </a:p>
@@ -845,7 +846,7 @@
             <a:fld id="{FAECF776-F836-4CCD-9497-99E5597B8B5D}" type="datetimeFigureOut">
               <a:rPr lang="en-US" smtClean="0"/>
               <a:pPr/>
-              <a:t>11/30/2018</a:t>
+              <a:t>3/9/2019</a:t>
             </a:fld>
             <a:endParaRPr lang="en-US"/>
           </a:p>
@@ -1092,7 +1093,7 @@
             <a:fld id="{FAECF776-F836-4CCD-9497-99E5597B8B5D}" type="datetimeFigureOut">
               <a:rPr lang="en-US" smtClean="0"/>
               <a:pPr/>
-              <a:t>11/30/2018</a:t>
+              <a:t>3/9/2019</a:t>
             </a:fld>
             <a:endParaRPr lang="en-US"/>
           </a:p>
@@ -1379,7 +1380,7 @@
             <a:fld id="{FAECF776-F836-4CCD-9497-99E5597B8B5D}" type="datetimeFigureOut">
               <a:rPr lang="en-US" smtClean="0"/>
               <a:pPr/>
-              <a:t>11/30/2018</a:t>
+              <a:t>3/9/2019</a:t>
             </a:fld>
             <a:endParaRPr lang="en-US"/>
           </a:p>
@@ -1800,7 +1801,7 @@
             <a:fld id="{FAECF776-F836-4CCD-9497-99E5597B8B5D}" type="datetimeFigureOut">
               <a:rPr lang="en-US" smtClean="0"/>
               <a:pPr/>
-              <a:t>11/30/2018</a:t>
+              <a:t>3/9/2019</a:t>
             </a:fld>
             <a:endParaRPr lang="en-US"/>
           </a:p>
@@ -1919,7 +1920,7 @@
             <a:fld id="{FAECF776-F836-4CCD-9497-99E5597B8B5D}" type="datetimeFigureOut">
               <a:rPr lang="en-US" smtClean="0"/>
               <a:pPr/>
-              <a:t>11/30/2018</a:t>
+              <a:t>3/9/2019</a:t>
             </a:fld>
             <a:endParaRPr lang="en-US"/>
           </a:p>
@@ -2016,7 +2017,7 @@
             <a:fld id="{FAECF776-F836-4CCD-9497-99E5597B8B5D}" type="datetimeFigureOut">
               <a:rPr lang="en-US" smtClean="0"/>
               <a:pPr/>
-              <a:t>11/30/2018</a:t>
+              <a:t>3/9/2019</a:t>
             </a:fld>
             <a:endParaRPr lang="en-US"/>
           </a:p>
@@ -2293,7 +2294,7 @@
             <a:fld id="{FAECF776-F836-4CCD-9497-99E5597B8B5D}" type="datetimeFigureOut">
               <a:rPr lang="en-US" smtClean="0"/>
               <a:pPr/>
-              <a:t>11/30/2018</a:t>
+              <a:t>3/9/2019</a:t>
             </a:fld>
             <a:endParaRPr lang="en-US"/>
           </a:p>
@@ -2547,7 +2548,7 @@
             <a:fld id="{FAECF776-F836-4CCD-9497-99E5597B8B5D}" type="datetimeFigureOut">
               <a:rPr lang="en-US" smtClean="0"/>
               <a:pPr/>
-              <a:t>11/30/2018</a:t>
+              <a:t>3/9/2019</a:t>
             </a:fld>
             <a:endParaRPr lang="en-US"/>
           </a:p>
@@ -2769,7 +2770,7 @@
             <a:fld id="{FAECF776-F836-4CCD-9497-99E5597B8B5D}" type="datetimeFigureOut">
               <a:rPr lang="en-US" smtClean="0"/>
               <a:pPr/>
-              <a:t>11/30/2018</a:t>
+              <a:t>3/9/2019</a:t>
             </a:fld>
             <a:endParaRPr lang="en-US"/>
           </a:p>
@@ -3251,7 +3252,7 @@
           <p:cNvPr id="5" name="TextBox 4">
             <a:extLst>
               <a:ext uri="{FF2B5EF4-FFF2-40B4-BE49-F238E27FC236}">
-                <a16:creationId xmlns:a16="http://schemas.microsoft.com/office/drawing/2014/main" xmlns="" id="{1A85FE82-D427-3E40-9156-9771195096C3}"/>
+                <a16:creationId xmlns="" xmlns:a16="http://schemas.microsoft.com/office/drawing/2014/main" id="{1A85FE82-D427-3E40-9156-9771195096C3}"/>
               </a:ext>
             </a:extLst>
           </p:cNvPr>
@@ -3408,8 +3409,8 @@
           <a:lstStyle/>
           <a:p>
             <a:r>
-              <a:rPr lang="ru-RU" b="1" dirty="0"/>
-              <a:t>Часто используемые исключения</a:t>
+              <a:rPr lang="ru-RU" b="1" dirty="0" smtClean="0"/>
+              <a:t>Исключения которые генерируются ...</a:t>
             </a:r>
             <a:endParaRPr lang="ru-RU" dirty="0"/>
           </a:p>
@@ -3424,14 +3425,14 @@
           <p:nvPr>
             <p:extLst>
               <p:ext uri="{D42A27DB-BD31-4B8C-83A1-F6EECF244321}">
-                <p14:modId xmlns:p14="http://schemas.microsoft.com/office/powerpoint/2010/main" val="252463179"/>
+                <p14:modId xmlns:p14="http://schemas.microsoft.com/office/powerpoint/2010/main" val="4055454444"/>
               </p:ext>
             </p:extLst>
           </p:nvPr>
         </p:nvGraphicFramePr>
         <p:xfrm>
           <a:off x="457200" y="1596400"/>
-          <a:ext cx="8229600" cy="4312920"/>
+          <a:ext cx="8229600" cy="6680200"/>
         </p:xfrm>
         <a:graphic>
           <a:graphicData uri="http://schemas.openxmlformats.org/drawingml/2006/table">
@@ -3443,14 +3444,14 @@
                 <a:gridCol w="3538736">
                   <a:extLst>
                     <a:ext uri="{9D8B030D-6E8A-4147-A177-3AD203B41FA5}">
-                      <a16:colId xmlns:a16="http://schemas.microsoft.com/office/drawing/2014/main" xmlns="" val="20000"/>
+                      <a16:colId xmlns="" xmlns:a16="http://schemas.microsoft.com/office/drawing/2014/main" val="20000"/>
                     </a:ext>
                   </a:extLst>
                 </a:gridCol>
                 <a:gridCol w="4690864">
                   <a:extLst>
                     <a:ext uri="{9D8B030D-6E8A-4147-A177-3AD203B41FA5}">
-                      <a16:colId xmlns:a16="http://schemas.microsoft.com/office/drawing/2014/main" xmlns="" val="20001"/>
+                      <a16:colId xmlns="" xmlns:a16="http://schemas.microsoft.com/office/drawing/2014/main" val="20001"/>
                     </a:ext>
                   </a:extLst>
                 </a:gridCol>
@@ -3490,7 +3491,852 @@
                 </a:tc>
                 <a:extLst>
                   <a:ext uri="{0D108BD9-81ED-4DB2-BD59-A6C34878D82A}">
-                    <a16:rowId xmlns:a16="http://schemas.microsoft.com/office/drawing/2014/main" xmlns="" val="10000"/>
+                    <a16:rowId xmlns="" xmlns:a16="http://schemas.microsoft.com/office/drawing/2014/main" val="10000"/>
+                  </a:ext>
+                </a:extLst>
+              </a:tr>
+              <a:tr h="370840">
+                <a:tc>
+                  <a:txBody>
+                    <a:bodyPr/>
+                    <a:lstStyle/>
+                    <a:p>
+                      <a:pPr>
+                        <a:spcBef>
+                          <a:spcPts val="300"/>
+                        </a:spcBef>
+                        <a:spcAft>
+                          <a:spcPts val="300"/>
+                        </a:spcAft>
+                      </a:pPr>
+                      <a:r>
+                        <a:rPr lang="en-US" sz="1800" kern="1200" dirty="0" err="1">
+                          <a:solidFill>
+                            <a:schemeClr val="bg2"/>
+                          </a:solidFill>
+                          <a:latin typeface="+mn-lt"/>
+                          <a:ea typeface="+mn-ea"/>
+                          <a:cs typeface="+mn-cs"/>
+                        </a:rPr>
+                        <a:t>System.ArrayTypeMismatchException</a:t>
+                      </a:r>
+                      <a:endParaRPr lang="ru-RU" sz="1800" kern="1200" dirty="0">
+                        <a:solidFill>
+                          <a:schemeClr val="bg2"/>
+                        </a:solidFill>
+                        <a:latin typeface="+mn-lt"/>
+                        <a:ea typeface="+mn-ea"/>
+                        <a:cs typeface="+mn-cs"/>
+                      </a:endParaRPr>
+                    </a:p>
+                  </a:txBody>
+                  <a:tcPr marL="68580" marR="68580" marT="0" marB="0"/>
+                </a:tc>
+                <a:tc>
+                  <a:txBody>
+                    <a:bodyPr/>
+                    <a:lstStyle/>
+                    <a:p>
+                      <a:pPr>
+                        <a:spcBef>
+                          <a:spcPts val="300"/>
+                        </a:spcBef>
+                        <a:spcAft>
+                          <a:spcPts val="300"/>
+                        </a:spcAft>
+                      </a:pPr>
+                      <a:r>
+                        <a:rPr lang="en-US" sz="1800" kern="1200">
+                          <a:solidFill>
+                            <a:schemeClr val="bg2"/>
+                          </a:solidFill>
+                          <a:latin typeface="+mn-lt"/>
+                          <a:ea typeface="+mn-ea"/>
+                          <a:cs typeface="+mn-cs"/>
+                        </a:rPr>
+                        <a:t>Thrown when a store into an array fails because the actual type of the stored element is incompatible with the actual type of the array.</a:t>
+                      </a:r>
+                      <a:endParaRPr lang="ru-RU" sz="1800" kern="1200">
+                        <a:solidFill>
+                          <a:schemeClr val="bg2"/>
+                        </a:solidFill>
+                        <a:latin typeface="+mn-lt"/>
+                        <a:ea typeface="+mn-ea"/>
+                        <a:cs typeface="+mn-cs"/>
+                      </a:endParaRPr>
+                    </a:p>
+                  </a:txBody>
+                  <a:tcPr marL="68580" marR="68580" marT="0" marB="0"/>
+                </a:tc>
+              </a:tr>
+              <a:tr h="370840">
+                <a:tc>
+                  <a:txBody>
+                    <a:bodyPr/>
+                    <a:lstStyle/>
+                    <a:p>
+                      <a:pPr>
+                        <a:spcBef>
+                          <a:spcPts val="300"/>
+                        </a:spcBef>
+                        <a:spcAft>
+                          <a:spcPts val="300"/>
+                        </a:spcAft>
+                      </a:pPr>
+                      <a:r>
+                        <a:rPr lang="en-US" sz="1800" kern="1200" dirty="0" err="1">
+                          <a:solidFill>
+                            <a:schemeClr val="bg2"/>
+                          </a:solidFill>
+                          <a:latin typeface="+mn-lt"/>
+                          <a:ea typeface="+mn-ea"/>
+                          <a:cs typeface="+mn-cs"/>
+                        </a:rPr>
+                        <a:t>System.DivideByZeroException</a:t>
+                      </a:r>
+                      <a:endParaRPr lang="ru-RU" sz="1800" kern="1200" dirty="0">
+                        <a:solidFill>
+                          <a:schemeClr val="bg2"/>
+                        </a:solidFill>
+                        <a:latin typeface="+mn-lt"/>
+                        <a:ea typeface="+mn-ea"/>
+                        <a:cs typeface="+mn-cs"/>
+                      </a:endParaRPr>
+                    </a:p>
+                  </a:txBody>
+                  <a:tcPr marL="68580" marR="68580" marT="0" marB="0"/>
+                </a:tc>
+                <a:tc>
+                  <a:txBody>
+                    <a:bodyPr/>
+                    <a:lstStyle/>
+                    <a:p>
+                      <a:pPr>
+                        <a:spcBef>
+                          <a:spcPts val="300"/>
+                        </a:spcBef>
+                        <a:spcAft>
+                          <a:spcPts val="300"/>
+                        </a:spcAft>
+                      </a:pPr>
+                      <a:r>
+                        <a:rPr lang="ru-RU" sz="1800" kern="1200" dirty="0" smtClean="0">
+                          <a:solidFill>
+                            <a:schemeClr val="bg2"/>
+                          </a:solidFill>
+                          <a:latin typeface="+mn-lt"/>
+                          <a:ea typeface="+mn-ea"/>
+                          <a:cs typeface="+mn-cs"/>
+                        </a:rPr>
+                        <a:t>Генерируется при делении на ноль целочисленных значений и </a:t>
+                      </a:r>
+                      <a:r>
+                        <a:rPr lang="en-US" sz="1800" kern="1200" dirty="0" smtClean="0">
+                          <a:solidFill>
+                            <a:schemeClr val="bg2"/>
+                          </a:solidFill>
+                          <a:latin typeface="+mn-lt"/>
+                          <a:ea typeface="+mn-ea"/>
+                          <a:cs typeface="+mn-cs"/>
+                        </a:rPr>
+                        <a:t>decimal</a:t>
+                      </a:r>
+                      <a:endParaRPr lang="ru-RU" sz="1800" kern="1200" dirty="0">
+                        <a:solidFill>
+                          <a:schemeClr val="bg2"/>
+                        </a:solidFill>
+                        <a:latin typeface="+mn-lt"/>
+                        <a:ea typeface="+mn-ea"/>
+                        <a:cs typeface="+mn-cs"/>
+                      </a:endParaRPr>
+                    </a:p>
+                  </a:txBody>
+                  <a:tcPr marL="68580" marR="68580" marT="0" marB="0"/>
+                </a:tc>
+              </a:tr>
+              <a:tr h="370840">
+                <a:tc>
+                  <a:txBody>
+                    <a:bodyPr/>
+                    <a:lstStyle/>
+                    <a:p>
+                      <a:pPr>
+                        <a:spcBef>
+                          <a:spcPts val="300"/>
+                        </a:spcBef>
+                        <a:spcAft>
+                          <a:spcPts val="300"/>
+                        </a:spcAft>
+                      </a:pPr>
+                      <a:r>
+                        <a:rPr lang="en-US" sz="1800" kern="1200" dirty="0" err="1">
+                          <a:solidFill>
+                            <a:schemeClr val="bg2"/>
+                          </a:solidFill>
+                          <a:latin typeface="+mn-lt"/>
+                          <a:ea typeface="+mn-ea"/>
+                          <a:cs typeface="+mn-cs"/>
+                        </a:rPr>
+                        <a:t>System.IndexOutOfRangeException</a:t>
+                      </a:r>
+                      <a:endParaRPr lang="ru-RU" sz="1800" kern="1200" dirty="0">
+                        <a:solidFill>
+                          <a:schemeClr val="bg2"/>
+                        </a:solidFill>
+                        <a:latin typeface="+mn-lt"/>
+                        <a:ea typeface="+mn-ea"/>
+                        <a:cs typeface="+mn-cs"/>
+                      </a:endParaRPr>
+                    </a:p>
+                  </a:txBody>
+                  <a:tcPr marL="68580" marR="68580" marT="0" marB="0"/>
+                </a:tc>
+                <a:tc>
+                  <a:txBody>
+                    <a:bodyPr/>
+                    <a:lstStyle/>
+                    <a:p>
+                      <a:pPr>
+                        <a:spcBef>
+                          <a:spcPts val="300"/>
+                        </a:spcBef>
+                        <a:spcAft>
+                          <a:spcPts val="300"/>
+                        </a:spcAft>
+                      </a:pPr>
+                      <a:r>
+                        <a:rPr lang="en-US" sz="1800" kern="1200" dirty="0">
+                          <a:solidFill>
+                            <a:schemeClr val="bg2"/>
+                          </a:solidFill>
+                          <a:latin typeface="+mn-lt"/>
+                          <a:ea typeface="+mn-ea"/>
+                          <a:cs typeface="+mn-cs"/>
+                        </a:rPr>
+                        <a:t>Thrown when an attempt to index an array via an index that is less than zero or outside the bounds of the array.</a:t>
+                      </a:r>
+                      <a:endParaRPr lang="ru-RU" sz="1800" kern="1200" dirty="0">
+                        <a:solidFill>
+                          <a:schemeClr val="bg2"/>
+                        </a:solidFill>
+                        <a:latin typeface="+mn-lt"/>
+                        <a:ea typeface="+mn-ea"/>
+                        <a:cs typeface="+mn-cs"/>
+                      </a:endParaRPr>
+                    </a:p>
+                  </a:txBody>
+                  <a:tcPr marL="68580" marR="68580" marT="0" marB="0"/>
+                </a:tc>
+              </a:tr>
+              <a:tr h="370840">
+                <a:tc>
+                  <a:txBody>
+                    <a:bodyPr/>
+                    <a:lstStyle/>
+                    <a:p>
+                      <a:pPr>
+                        <a:spcBef>
+                          <a:spcPts val="300"/>
+                        </a:spcBef>
+                        <a:spcAft>
+                          <a:spcPts val="300"/>
+                        </a:spcAft>
+                      </a:pPr>
+                      <a:r>
+                        <a:rPr lang="en-US" sz="1800" kern="1200" dirty="0" err="1">
+                          <a:solidFill>
+                            <a:schemeClr val="bg2"/>
+                          </a:solidFill>
+                          <a:latin typeface="+mn-lt"/>
+                          <a:ea typeface="+mn-ea"/>
+                          <a:cs typeface="+mn-cs"/>
+                        </a:rPr>
+                        <a:t>System.InvalidCastException</a:t>
+                      </a:r>
+                      <a:endParaRPr lang="ru-RU" sz="1800" kern="1200" dirty="0">
+                        <a:solidFill>
+                          <a:schemeClr val="bg2"/>
+                        </a:solidFill>
+                        <a:latin typeface="+mn-lt"/>
+                        <a:ea typeface="+mn-ea"/>
+                        <a:cs typeface="+mn-cs"/>
+                      </a:endParaRPr>
+                    </a:p>
+                  </a:txBody>
+                  <a:tcPr marL="68580" marR="68580" marT="0" marB="0"/>
+                </a:tc>
+                <a:tc>
+                  <a:txBody>
+                    <a:bodyPr/>
+                    <a:lstStyle/>
+                    <a:p>
+                      <a:pPr>
+                        <a:spcBef>
+                          <a:spcPts val="300"/>
+                        </a:spcBef>
+                        <a:spcAft>
+                          <a:spcPts val="300"/>
+                        </a:spcAft>
+                      </a:pPr>
+                      <a:r>
+                        <a:rPr lang="en-US" sz="1800" kern="1200">
+                          <a:solidFill>
+                            <a:schemeClr val="bg2"/>
+                          </a:solidFill>
+                          <a:latin typeface="+mn-lt"/>
+                          <a:ea typeface="+mn-ea"/>
+                          <a:cs typeface="+mn-cs"/>
+                        </a:rPr>
+                        <a:t>Thrown when an explicit conversion from a base type or interface to a derived type fails at run time.</a:t>
+                      </a:r>
+                      <a:endParaRPr lang="ru-RU" sz="1800" kern="1200">
+                        <a:solidFill>
+                          <a:schemeClr val="bg2"/>
+                        </a:solidFill>
+                        <a:latin typeface="+mn-lt"/>
+                        <a:ea typeface="+mn-ea"/>
+                        <a:cs typeface="+mn-cs"/>
+                      </a:endParaRPr>
+                    </a:p>
+                  </a:txBody>
+                  <a:tcPr marL="68580" marR="68580" marT="0" marB="0"/>
+                </a:tc>
+                <a:extLst>
+                  <a:ext uri="{0D108BD9-81ED-4DB2-BD59-A6C34878D82A}">
+                    <a16:rowId xmlns="" xmlns:a16="http://schemas.microsoft.com/office/drawing/2014/main" val="10002"/>
+                  </a:ext>
+                </a:extLst>
+              </a:tr>
+              <a:tr h="370840">
+                <a:tc>
+                  <a:txBody>
+                    <a:bodyPr/>
+                    <a:lstStyle/>
+                    <a:p>
+                      <a:pPr>
+                        <a:spcBef>
+                          <a:spcPts val="300"/>
+                        </a:spcBef>
+                        <a:spcAft>
+                          <a:spcPts val="300"/>
+                        </a:spcAft>
+                      </a:pPr>
+                      <a:r>
+                        <a:rPr lang="en-US" sz="1800" kern="1200" dirty="0" err="1">
+                          <a:solidFill>
+                            <a:schemeClr val="bg2"/>
+                          </a:solidFill>
+                          <a:latin typeface="+mn-lt"/>
+                          <a:ea typeface="+mn-ea"/>
+                          <a:cs typeface="+mn-cs"/>
+                        </a:rPr>
+                        <a:t>System.NullReferenceException</a:t>
+                      </a:r>
+                      <a:endParaRPr lang="ru-RU" sz="1800" kern="1200" dirty="0">
+                        <a:solidFill>
+                          <a:schemeClr val="bg2"/>
+                        </a:solidFill>
+                        <a:latin typeface="+mn-lt"/>
+                        <a:ea typeface="+mn-ea"/>
+                        <a:cs typeface="+mn-cs"/>
+                      </a:endParaRPr>
+                    </a:p>
+                  </a:txBody>
+                  <a:tcPr marL="68580" marR="68580" marT="0" marB="0"/>
+                </a:tc>
+                <a:tc>
+                  <a:txBody>
+                    <a:bodyPr/>
+                    <a:lstStyle/>
+                    <a:p>
+                      <a:pPr>
+                        <a:spcBef>
+                          <a:spcPts val="300"/>
+                        </a:spcBef>
+                        <a:spcAft>
+                          <a:spcPts val="300"/>
+                        </a:spcAft>
+                      </a:pPr>
+                      <a:r>
+                        <a:rPr lang="en-US" sz="1800" kern="1200">
+                          <a:solidFill>
+                            <a:schemeClr val="bg2"/>
+                          </a:solidFill>
+                          <a:latin typeface="+mn-lt"/>
+                          <a:ea typeface="+mn-ea"/>
+                          <a:cs typeface="+mn-cs"/>
+                        </a:rPr>
+                        <a:t>Thrown when a null reference is used in a way that causes the referenced object to be required.</a:t>
+                      </a:r>
+                      <a:endParaRPr lang="ru-RU" sz="1800" kern="1200">
+                        <a:solidFill>
+                          <a:schemeClr val="bg2"/>
+                        </a:solidFill>
+                        <a:latin typeface="+mn-lt"/>
+                        <a:ea typeface="+mn-ea"/>
+                        <a:cs typeface="+mn-cs"/>
+                      </a:endParaRPr>
+                    </a:p>
+                  </a:txBody>
+                  <a:tcPr marL="68580" marR="68580" marT="0" marB="0"/>
+                </a:tc>
+                <a:extLst>
+                  <a:ext uri="{0D108BD9-81ED-4DB2-BD59-A6C34878D82A}">
+                    <a16:rowId xmlns="" xmlns:a16="http://schemas.microsoft.com/office/drawing/2014/main" val="10003"/>
+                  </a:ext>
+                </a:extLst>
+              </a:tr>
+              <a:tr h="370840">
+                <a:tc>
+                  <a:txBody>
+                    <a:bodyPr/>
+                    <a:lstStyle/>
+                    <a:p>
+                      <a:pPr>
+                        <a:spcBef>
+                          <a:spcPts val="300"/>
+                        </a:spcBef>
+                        <a:spcAft>
+                          <a:spcPts val="300"/>
+                        </a:spcAft>
+                      </a:pPr>
+                      <a:r>
+                        <a:rPr lang="en-US" sz="1800" kern="1200" dirty="0" err="1">
+                          <a:solidFill>
+                            <a:schemeClr val="bg2"/>
+                          </a:solidFill>
+                          <a:latin typeface="+mn-lt"/>
+                          <a:ea typeface="+mn-ea"/>
+                          <a:cs typeface="+mn-cs"/>
+                        </a:rPr>
+                        <a:t>System.OutOfMemoryException</a:t>
+                      </a:r>
+                      <a:endParaRPr lang="ru-RU" sz="1800" kern="1200" dirty="0">
+                        <a:solidFill>
+                          <a:schemeClr val="bg2"/>
+                        </a:solidFill>
+                        <a:latin typeface="+mn-lt"/>
+                        <a:ea typeface="+mn-ea"/>
+                        <a:cs typeface="+mn-cs"/>
+                      </a:endParaRPr>
+                    </a:p>
+                  </a:txBody>
+                  <a:tcPr marL="68580" marR="68580" marT="0" marB="0"/>
+                </a:tc>
+                <a:tc>
+                  <a:txBody>
+                    <a:bodyPr/>
+                    <a:lstStyle/>
+                    <a:p>
+                      <a:pPr>
+                        <a:spcBef>
+                          <a:spcPts val="300"/>
+                        </a:spcBef>
+                        <a:spcAft>
+                          <a:spcPts val="300"/>
+                        </a:spcAft>
+                      </a:pPr>
+                      <a:r>
+                        <a:rPr lang="en-US" sz="1800" kern="1200">
+                          <a:solidFill>
+                            <a:schemeClr val="bg2"/>
+                          </a:solidFill>
+                          <a:latin typeface="+mn-lt"/>
+                          <a:ea typeface="+mn-ea"/>
+                          <a:cs typeface="+mn-cs"/>
+                        </a:rPr>
+                        <a:t>Thrown when an attempt to allocate memory (via new) fails.</a:t>
+                      </a:r>
+                      <a:endParaRPr lang="ru-RU" sz="1800" kern="1200">
+                        <a:solidFill>
+                          <a:schemeClr val="bg2"/>
+                        </a:solidFill>
+                        <a:latin typeface="+mn-lt"/>
+                        <a:ea typeface="+mn-ea"/>
+                        <a:cs typeface="+mn-cs"/>
+                      </a:endParaRPr>
+                    </a:p>
+                  </a:txBody>
+                  <a:tcPr marL="68580" marR="68580" marT="0" marB="0"/>
+                </a:tc>
+                <a:extLst>
+                  <a:ext uri="{0D108BD9-81ED-4DB2-BD59-A6C34878D82A}">
+                    <a16:rowId xmlns="" xmlns:a16="http://schemas.microsoft.com/office/drawing/2014/main" val="10004"/>
+                  </a:ext>
+                </a:extLst>
+              </a:tr>
+              <a:tr h="370840">
+                <a:tc>
+                  <a:txBody>
+                    <a:bodyPr/>
+                    <a:lstStyle/>
+                    <a:p>
+                      <a:pPr>
+                        <a:spcBef>
+                          <a:spcPts val="300"/>
+                        </a:spcBef>
+                        <a:spcAft>
+                          <a:spcPts val="300"/>
+                        </a:spcAft>
+                      </a:pPr>
+                      <a:r>
+                        <a:rPr lang="en-US" sz="1800" kern="1200" dirty="0" err="1">
+                          <a:solidFill>
+                            <a:schemeClr val="bg2"/>
+                          </a:solidFill>
+                          <a:latin typeface="+mn-lt"/>
+                          <a:ea typeface="+mn-ea"/>
+                          <a:cs typeface="+mn-cs"/>
+                        </a:rPr>
+                        <a:t>System.OverflowException</a:t>
+                      </a:r>
+                      <a:endParaRPr lang="ru-RU" sz="1800" kern="1200" dirty="0">
+                        <a:solidFill>
+                          <a:schemeClr val="bg2"/>
+                        </a:solidFill>
+                        <a:latin typeface="+mn-lt"/>
+                        <a:ea typeface="+mn-ea"/>
+                        <a:cs typeface="+mn-cs"/>
+                      </a:endParaRPr>
+                    </a:p>
+                  </a:txBody>
+                  <a:tcPr marL="68580" marR="68580" marT="0" marB="0"/>
+                </a:tc>
+                <a:tc>
+                  <a:txBody>
+                    <a:bodyPr/>
+                    <a:lstStyle/>
+                    <a:p>
+                      <a:pPr>
+                        <a:spcBef>
+                          <a:spcPts val="300"/>
+                        </a:spcBef>
+                        <a:spcAft>
+                          <a:spcPts val="300"/>
+                        </a:spcAft>
+                      </a:pPr>
+                      <a:r>
+                        <a:rPr lang="en-US" sz="1800" kern="1200" dirty="0">
+                          <a:solidFill>
+                            <a:schemeClr val="bg2"/>
+                          </a:solidFill>
+                          <a:latin typeface="+mn-lt"/>
+                          <a:ea typeface="+mn-ea"/>
+                          <a:cs typeface="+mn-cs"/>
+                        </a:rPr>
+                        <a:t>Thrown when an arithmetic operation in a checked context overflows.</a:t>
+                      </a:r>
+                      <a:endParaRPr lang="ru-RU" sz="1800" kern="1200" dirty="0">
+                        <a:solidFill>
+                          <a:schemeClr val="bg2"/>
+                        </a:solidFill>
+                        <a:latin typeface="+mn-lt"/>
+                        <a:ea typeface="+mn-ea"/>
+                        <a:cs typeface="+mn-cs"/>
+                      </a:endParaRPr>
+                    </a:p>
+                  </a:txBody>
+                  <a:tcPr marL="68580" marR="68580" marT="0" marB="0"/>
+                </a:tc>
+                <a:extLst>
+                  <a:ext uri="{0D108BD9-81ED-4DB2-BD59-A6C34878D82A}">
+                    <a16:rowId xmlns="" xmlns:a16="http://schemas.microsoft.com/office/drawing/2014/main" val="10005"/>
+                  </a:ext>
+                </a:extLst>
+              </a:tr>
+              <a:tr h="370840">
+                <a:tc>
+                  <a:txBody>
+                    <a:bodyPr/>
+                    <a:lstStyle/>
+                    <a:p>
+                      <a:pPr>
+                        <a:spcBef>
+                          <a:spcPts val="300"/>
+                        </a:spcBef>
+                        <a:spcAft>
+                          <a:spcPts val="300"/>
+                        </a:spcAft>
+                      </a:pPr>
+                      <a:r>
+                        <a:rPr lang="en-US" sz="1800" kern="1200">
+                          <a:solidFill>
+                            <a:schemeClr val="bg2"/>
+                          </a:solidFill>
+                          <a:latin typeface="+mn-lt"/>
+                          <a:ea typeface="+mn-ea"/>
+                          <a:cs typeface="+mn-cs"/>
+                        </a:rPr>
+                        <a:t>System.StackOverflowException</a:t>
+                      </a:r>
+                      <a:endParaRPr lang="ru-RU" sz="1800" kern="1200">
+                        <a:solidFill>
+                          <a:schemeClr val="bg2"/>
+                        </a:solidFill>
+                        <a:latin typeface="+mn-lt"/>
+                        <a:ea typeface="+mn-ea"/>
+                        <a:cs typeface="+mn-cs"/>
+                      </a:endParaRPr>
+                    </a:p>
+                  </a:txBody>
+                  <a:tcPr marL="68580" marR="68580" marT="0" marB="0"/>
+                </a:tc>
+                <a:tc>
+                  <a:txBody>
+                    <a:bodyPr/>
+                    <a:lstStyle/>
+                    <a:p>
+                      <a:pPr>
+                        <a:spcBef>
+                          <a:spcPts val="300"/>
+                        </a:spcBef>
+                        <a:spcAft>
+                          <a:spcPts val="300"/>
+                        </a:spcAft>
+                      </a:pPr>
+                      <a:r>
+                        <a:rPr lang="en-US" sz="1800" kern="1200" dirty="0">
+                          <a:solidFill>
+                            <a:schemeClr val="bg2"/>
+                          </a:solidFill>
+                          <a:latin typeface="+mn-lt"/>
+                          <a:ea typeface="+mn-ea"/>
+                          <a:cs typeface="+mn-cs"/>
+                        </a:rPr>
+                        <a:t>Thrown when the execution stack is exhausted by having too many pending method calls; typically indicative of very deep or unbounded recursion.</a:t>
+                      </a:r>
+                      <a:endParaRPr lang="ru-RU" sz="1800" kern="1200" dirty="0">
+                        <a:solidFill>
+                          <a:schemeClr val="bg2"/>
+                        </a:solidFill>
+                        <a:latin typeface="+mn-lt"/>
+                        <a:ea typeface="+mn-ea"/>
+                        <a:cs typeface="+mn-cs"/>
+                      </a:endParaRPr>
+                    </a:p>
+                  </a:txBody>
+                  <a:tcPr marL="68580" marR="68580" marT="0" marB="0"/>
+                </a:tc>
+                <a:extLst>
+                  <a:ext uri="{0D108BD9-81ED-4DB2-BD59-A6C34878D82A}">
+                    <a16:rowId xmlns="" xmlns:a16="http://schemas.microsoft.com/office/drawing/2014/main" val="10006"/>
+                  </a:ext>
+                </a:extLst>
+              </a:tr>
+              <a:tr h="370840">
+                <a:tc>
+                  <a:txBody>
+                    <a:bodyPr/>
+                    <a:lstStyle/>
+                    <a:p>
+                      <a:pPr>
+                        <a:spcBef>
+                          <a:spcPts val="300"/>
+                        </a:spcBef>
+                        <a:spcAft>
+                          <a:spcPts val="300"/>
+                        </a:spcAft>
+                      </a:pPr>
+                      <a:r>
+                        <a:rPr lang="en-US" sz="1800" kern="1200">
+                          <a:solidFill>
+                            <a:schemeClr val="bg2"/>
+                          </a:solidFill>
+                          <a:latin typeface="+mn-lt"/>
+                          <a:ea typeface="+mn-ea"/>
+                          <a:cs typeface="+mn-cs"/>
+                        </a:rPr>
+                        <a:t>System.TypeInitializationException</a:t>
+                      </a:r>
+                      <a:endParaRPr lang="ru-RU" sz="1800" kern="1200">
+                        <a:solidFill>
+                          <a:schemeClr val="bg2"/>
+                        </a:solidFill>
+                        <a:latin typeface="+mn-lt"/>
+                        <a:ea typeface="+mn-ea"/>
+                        <a:cs typeface="+mn-cs"/>
+                      </a:endParaRPr>
+                    </a:p>
+                  </a:txBody>
+                  <a:tcPr marL="68580" marR="68580" marT="0" marB="0"/>
+                </a:tc>
+                <a:tc>
+                  <a:txBody>
+                    <a:bodyPr/>
+                    <a:lstStyle/>
+                    <a:p>
+                      <a:pPr>
+                        <a:spcBef>
+                          <a:spcPts val="300"/>
+                        </a:spcBef>
+                        <a:spcAft>
+                          <a:spcPts val="300"/>
+                        </a:spcAft>
+                      </a:pPr>
+                      <a:r>
+                        <a:rPr lang="en-US" sz="1800" kern="1200" dirty="0">
+                          <a:solidFill>
+                            <a:schemeClr val="bg2"/>
+                          </a:solidFill>
+                          <a:latin typeface="+mn-lt"/>
+                          <a:ea typeface="+mn-ea"/>
+                          <a:cs typeface="+mn-cs"/>
+                        </a:rPr>
+                        <a:t>Thrown when a static constructor throws an exception, and no catch clauses exists to catch it.</a:t>
+                      </a:r>
+                      <a:endParaRPr lang="ru-RU" sz="1800" kern="1200" dirty="0">
+                        <a:solidFill>
+                          <a:schemeClr val="bg2"/>
+                        </a:solidFill>
+                        <a:latin typeface="+mn-lt"/>
+                        <a:ea typeface="+mn-ea"/>
+                        <a:cs typeface="+mn-cs"/>
+                      </a:endParaRPr>
+                    </a:p>
+                  </a:txBody>
+                  <a:tcPr marL="68580" marR="68580" marT="0" marB="0"/>
+                </a:tc>
+                <a:extLst>
+                  <a:ext uri="{0D108BD9-81ED-4DB2-BD59-A6C34878D82A}">
+                    <a16:rowId xmlns="" xmlns:a16="http://schemas.microsoft.com/office/drawing/2014/main" val="10007"/>
+                  </a:ext>
+                </a:extLst>
+              </a:tr>
+            </a:tbl>
+          </a:graphicData>
+        </a:graphic>
+      </p:graphicFrame>
+    </p:spTree>
+    <p:extLst>
+      <p:ext uri="{BB962C8B-B14F-4D97-AF65-F5344CB8AC3E}">
+        <p14:creationId xmlns:p14="http://schemas.microsoft.com/office/powerpoint/2010/main" val="4081289214"/>
+      </p:ext>
+    </p:extLst>
+  </p:cSld>
+  <p:clrMapOvr>
+    <a:masterClrMapping/>
+  </p:clrMapOvr>
+</p:sld>
+</file>
+
+<file path=ppt/slides/slide11.xml><?xml version="1.0" encoding="utf-8"?>
+<p:sld xmlns:a="http://schemas.openxmlformats.org/drawingml/2006/main" xmlns:r="http://schemas.openxmlformats.org/officeDocument/2006/relationships" xmlns:p="http://schemas.openxmlformats.org/presentationml/2006/main">
+  <p:cSld>
+    <p:spTree>
+      <p:nvGrpSpPr>
+        <p:cNvPr id="1" name=""/>
+        <p:cNvGrpSpPr/>
+        <p:nvPr/>
+      </p:nvGrpSpPr>
+      <p:grpSpPr>
+        <a:xfrm>
+          <a:off x="0" y="0"/>
+          <a:ext cx="0" cy="0"/>
+          <a:chOff x="0" y="0"/>
+          <a:chExt cx="0" cy="0"/>
+        </a:xfrm>
+      </p:grpSpPr>
+      <p:sp>
+        <p:nvSpPr>
+          <p:cNvPr id="2" name="Title 1"/>
+          <p:cNvSpPr>
+            <a:spLocks noGrp="1"/>
+          </p:cNvSpPr>
+          <p:nvPr>
+            <p:ph type="title"/>
+          </p:nvPr>
+        </p:nvSpPr>
+        <p:spPr/>
+        <p:txBody>
+          <a:bodyPr>
+            <a:normAutofit fontScale="90000"/>
+          </a:bodyPr>
+          <a:lstStyle/>
+          <a:p>
+            <a:r>
+              <a:rPr lang="ru-RU" b="1" dirty="0"/>
+              <a:t>Часто используемые исключения</a:t>
+            </a:r>
+            <a:endParaRPr lang="ru-RU" dirty="0"/>
+          </a:p>
+        </p:txBody>
+      </p:sp>
+      <p:graphicFrame>
+        <p:nvGraphicFramePr>
+          <p:cNvPr id="5" name="Table 4"/>
+          <p:cNvGraphicFramePr>
+            <a:graphicFrameLocks noGrp="1"/>
+          </p:cNvGraphicFramePr>
+          <p:nvPr>
+            <p:extLst>
+              <p:ext uri="{D42A27DB-BD31-4B8C-83A1-F6EECF244321}">
+                <p14:modId xmlns:p14="http://schemas.microsoft.com/office/powerpoint/2010/main" val="2846102581"/>
+              </p:ext>
+            </p:extLst>
+          </p:nvPr>
+        </p:nvGraphicFramePr>
+        <p:xfrm>
+          <a:off x="457200" y="1596400"/>
+          <a:ext cx="8229600" cy="4312920"/>
+        </p:xfrm>
+        <a:graphic>
+          <a:graphicData uri="http://schemas.openxmlformats.org/drawingml/2006/table">
+            <a:tbl>
+              <a:tblPr firstRow="1" bandRow="1">
+                <a:tableStyleId>{5C22544A-7EE6-4342-B048-85BDC9FD1C3A}</a:tableStyleId>
+              </a:tblPr>
+              <a:tblGrid>
+                <a:gridCol w="3538736">
+                  <a:extLst>
+                    <a:ext uri="{9D8B030D-6E8A-4147-A177-3AD203B41FA5}">
+                      <a16:colId xmlns="" xmlns:a16="http://schemas.microsoft.com/office/drawing/2014/main" val="20000"/>
+                    </a:ext>
+                  </a:extLst>
+                </a:gridCol>
+                <a:gridCol w="4690864">
+                  <a:extLst>
+                    <a:ext uri="{9D8B030D-6E8A-4147-A177-3AD203B41FA5}">
+                      <a16:colId xmlns="" xmlns:a16="http://schemas.microsoft.com/office/drawing/2014/main" val="20001"/>
+                    </a:ext>
+                  </a:extLst>
+                </a:gridCol>
+              </a:tblGrid>
+              <a:tr h="370840">
+                <a:tc>
+                  <a:txBody>
+                    <a:bodyPr/>
+                    <a:lstStyle/>
+                    <a:p>
+                      <a:r>
+                        <a:rPr lang="ru-RU" dirty="0"/>
+                        <a:t>Название</a:t>
+                      </a:r>
+                      <a:r>
+                        <a:rPr lang="ru-RU" baseline="0" dirty="0"/>
+                        <a:t> класса исключения</a:t>
+                      </a:r>
+                      <a:endParaRPr lang="en-US" dirty="0"/>
+                    </a:p>
+                  </a:txBody>
+                  <a:tcPr/>
+                </a:tc>
+                <a:tc>
+                  <a:txBody>
+                    <a:bodyPr/>
+                    <a:lstStyle/>
+                    <a:p>
+                      <a:r>
+                        <a:rPr lang="ru-RU" dirty="0"/>
+                        <a:t>Описание</a:t>
+                      </a:r>
+                      <a:endParaRPr lang="en-US" dirty="0"/>
+                    </a:p>
+                  </a:txBody>
+                  <a:tcPr/>
+                </a:tc>
+                <a:extLst>
+                  <a:ext uri="{0D108BD9-81ED-4DB2-BD59-A6C34878D82A}">
+                    <a16:rowId xmlns="" xmlns:a16="http://schemas.microsoft.com/office/drawing/2014/main" val="10000"/>
                   </a:ext>
                 </a:extLst>
               </a:tr>
@@ -3557,7 +4403,7 @@
                 </a:tc>
                 <a:extLst>
                   <a:ext uri="{0D108BD9-81ED-4DB2-BD59-A6C34878D82A}">
-                    <a16:rowId xmlns:a16="http://schemas.microsoft.com/office/drawing/2014/main" xmlns="" val="10001"/>
+                    <a16:rowId xmlns="" xmlns:a16="http://schemas.microsoft.com/office/drawing/2014/main" val="10001"/>
                   </a:ext>
                 </a:extLst>
               </a:tr>
@@ -3627,7 +4473,7 @@
                 </a:tc>
                 <a:extLst>
                   <a:ext uri="{0D108BD9-81ED-4DB2-BD59-A6C34878D82A}">
-                    <a16:rowId xmlns:a16="http://schemas.microsoft.com/office/drawing/2014/main" xmlns="" val="10002"/>
+                    <a16:rowId xmlns="" xmlns:a16="http://schemas.microsoft.com/office/drawing/2014/main" val="10002"/>
                   </a:ext>
                 </a:extLst>
               </a:tr>
@@ -3689,7 +4535,7 @@
                 </a:tc>
                 <a:extLst>
                   <a:ext uri="{0D108BD9-81ED-4DB2-BD59-A6C34878D82A}">
-                    <a16:rowId xmlns:a16="http://schemas.microsoft.com/office/drawing/2014/main" xmlns="" val="10003"/>
+                    <a16:rowId xmlns="" xmlns:a16="http://schemas.microsoft.com/office/drawing/2014/main" val="10003"/>
                   </a:ext>
                 </a:extLst>
               </a:tr>
@@ -3751,7 +4597,7 @@
                 </a:tc>
                 <a:extLst>
                   <a:ext uri="{0D108BD9-81ED-4DB2-BD59-A6C34878D82A}">
-                    <a16:rowId xmlns:a16="http://schemas.microsoft.com/office/drawing/2014/main" xmlns="" val="10004"/>
+                    <a16:rowId xmlns="" xmlns:a16="http://schemas.microsoft.com/office/drawing/2014/main" val="10004"/>
                   </a:ext>
                 </a:extLst>
               </a:tr>
@@ -3813,7 +4659,7 @@
                 </a:tc>
                 <a:extLst>
                   <a:ext uri="{0D108BD9-81ED-4DB2-BD59-A6C34878D82A}">
-                    <a16:rowId xmlns:a16="http://schemas.microsoft.com/office/drawing/2014/main" xmlns="" val="10005"/>
+                    <a16:rowId xmlns="" xmlns:a16="http://schemas.microsoft.com/office/drawing/2014/main" val="10005"/>
                   </a:ext>
                 </a:extLst>
               </a:tr>
@@ -3875,7 +4721,7 @@
                 </a:tc>
                 <a:extLst>
                   <a:ext uri="{0D108BD9-81ED-4DB2-BD59-A6C34878D82A}">
-                    <a16:rowId xmlns:a16="http://schemas.microsoft.com/office/drawing/2014/main" xmlns="" val="10006"/>
+                    <a16:rowId xmlns="" xmlns:a16="http://schemas.microsoft.com/office/drawing/2014/main" val="10006"/>
                   </a:ext>
                 </a:extLst>
               </a:tr>
@@ -3932,7 +4778,7 @@
                 </a:tc>
                 <a:extLst>
                   <a:ext uri="{0D108BD9-81ED-4DB2-BD59-A6C34878D82A}">
-                    <a16:rowId xmlns:a16="http://schemas.microsoft.com/office/drawing/2014/main" xmlns="" val="10007"/>
+                    <a16:rowId xmlns="" xmlns:a16="http://schemas.microsoft.com/office/drawing/2014/main" val="10007"/>
                   </a:ext>
                 </a:extLst>
               </a:tr>
@@ -3943,7 +4789,7 @@
     </p:spTree>
     <p:extLst>
       <p:ext uri="{BB962C8B-B14F-4D97-AF65-F5344CB8AC3E}">
-        <p14:creationId xmlns:p14="http://schemas.microsoft.com/office/powerpoint/2010/main" val="4081289214"/>
+        <p14:creationId xmlns:p14="http://schemas.microsoft.com/office/powerpoint/2010/main" val="959333478"/>
       </p:ext>
     </p:extLst>
   </p:cSld>
@@ -3953,7 +4799,7 @@
 </p:sld>
 </file>
 
-<file path=ppt/slides/slide11.xml><?xml version="1.0" encoding="utf-8"?>
+<file path=ppt/slides/slide12.xml><?xml version="1.0" encoding="utf-8"?>
 <p:sld xmlns:a="http://schemas.openxmlformats.org/drawingml/2006/main" xmlns:r="http://schemas.openxmlformats.org/officeDocument/2006/relationships" xmlns:p="http://schemas.openxmlformats.org/presentationml/2006/main">
   <p:cSld>
     <p:bg>
@@ -4108,7 +4954,7 @@
 </p:sld>
 </file>
 
-<file path=ppt/slides/slide12.xml><?xml version="1.0" encoding="utf-8"?>
+<file path=ppt/slides/slide13.xml><?xml version="1.0" encoding="utf-8"?>
 <p:sld xmlns:a="http://schemas.openxmlformats.org/drawingml/2006/main" xmlns:r="http://schemas.openxmlformats.org/officeDocument/2006/relationships" xmlns:p="http://schemas.openxmlformats.org/presentationml/2006/main">
   <p:cSld>
     <p:spTree>
@@ -4238,7 +5084,7 @@
 </p:sld>
 </file>
 
-<file path=ppt/slides/slide13.xml><?xml version="1.0" encoding="utf-8"?>
+<file path=ppt/slides/slide14.xml><?xml version="1.0" encoding="utf-8"?>
 <p:sld xmlns:a="http://schemas.openxmlformats.org/drawingml/2006/main" xmlns:r="http://schemas.openxmlformats.org/officeDocument/2006/relationships" xmlns:p="http://schemas.openxmlformats.org/presentationml/2006/main" show="0">
   <p:cSld>
     <p:bg>
@@ -4434,116 +5280,14 @@
   <p:clrMapOvr>
     <a:masterClrMapping/>
   </p:clrMapOvr>
-  <mc:AlternateContent xmlns:mc="http://schemas.openxmlformats.org/markup-compatibility/2006">
-    <mc:Choice xmlns:p14="http://schemas.microsoft.com/office/powerpoint/2010/main" Requires="p14">
+  <mc:AlternateContent xmlns:mc="http://schemas.openxmlformats.org/markup-compatibility/2006" xmlns:p14="http://schemas.microsoft.com/office/powerpoint/2010/main">
+    <mc:Choice Requires="p14">
       <p:transition spd="slow" p14:dur="2000"/>
     </mc:Choice>
-    <mc:Fallback>
+    <mc:Fallback xmlns="">
       <p:transition spd="slow"/>
     </mc:Fallback>
   </mc:AlternateContent>
-</p:sld>
-</file>
-
-<file path=ppt/slides/slide14.xml><?xml version="1.0" encoding="utf-8"?>
-<p:sld xmlns:a="http://schemas.openxmlformats.org/drawingml/2006/main" xmlns:r="http://schemas.openxmlformats.org/officeDocument/2006/relationships" xmlns:p="http://schemas.openxmlformats.org/presentationml/2006/main">
-  <p:cSld>
-    <p:spTree>
-      <p:nvGrpSpPr>
-        <p:cNvPr id="1" name=""/>
-        <p:cNvGrpSpPr/>
-        <p:nvPr/>
-      </p:nvGrpSpPr>
-      <p:grpSpPr>
-        <a:xfrm>
-          <a:off x="0" y="0"/>
-          <a:ext cx="0" cy="0"/>
-          <a:chOff x="0" y="0"/>
-          <a:chExt cx="0" cy="0"/>
-        </a:xfrm>
-      </p:grpSpPr>
-      <p:sp>
-        <p:nvSpPr>
-          <p:cNvPr id="2" name="Title 1"/>
-          <p:cNvSpPr>
-            <a:spLocks noGrp="1"/>
-          </p:cNvSpPr>
-          <p:nvPr>
-            <p:ph type="title"/>
-          </p:nvPr>
-        </p:nvSpPr>
-        <p:spPr/>
-        <p:txBody>
-          <a:bodyPr/>
-          <a:lstStyle/>
-          <a:p>
-            <a:r>
-              <a:rPr lang="ru-RU" dirty="0"/>
-              <a:t>Документирование исключений</a:t>
-            </a:r>
-          </a:p>
-        </p:txBody>
-      </p:sp>
-      <p:sp>
-        <p:nvSpPr>
-          <p:cNvPr id="3" name="Content Placeholder 2"/>
-          <p:cNvSpPr>
-            <a:spLocks noGrp="1"/>
-          </p:cNvSpPr>
-          <p:nvPr>
-            <p:ph idx="1"/>
-          </p:nvPr>
-        </p:nvSpPr>
-        <p:spPr/>
-        <p:txBody>
-          <a:bodyPr/>
-          <a:lstStyle/>
-          <a:p>
-            <a:pPr marL="0" indent="0">
-              <a:buNone/>
-            </a:pPr>
-            <a:r>
-              <a:rPr lang="ru-RU" dirty="0"/>
-              <a:t>Используйте </a:t>
-            </a:r>
-            <a:r>
-              <a:rPr lang="en-US" dirty="0"/>
-              <a:t>XML </a:t>
-            </a:r>
-            <a:r>
-              <a:rPr lang="ru-RU" dirty="0"/>
-              <a:t>комментарий </a:t>
-            </a:r>
-            <a:r>
-              <a:rPr lang="en-US" dirty="0"/>
-              <a:t>&lt;exception&gt; </a:t>
-            </a:r>
-            <a:r>
-              <a:rPr lang="ru-RU" dirty="0"/>
-              <a:t>для документирования списка исключений для </a:t>
-            </a:r>
-            <a:r>
-              <a:rPr lang="en-US" dirty="0"/>
-              <a:t>public </a:t>
-            </a:r>
-            <a:r>
-              <a:rPr lang="ru-RU"/>
-              <a:t>членов собственных типов.</a:t>
-            </a:r>
-            <a:endParaRPr lang="ru-RU" dirty="0"/>
-          </a:p>
-        </p:txBody>
-      </p:sp>
-    </p:spTree>
-    <p:extLst>
-      <p:ext uri="{BB962C8B-B14F-4D97-AF65-F5344CB8AC3E}">
-        <p14:creationId xmlns:p14="http://schemas.microsoft.com/office/powerpoint/2010/main" val="313182341"/>
-      </p:ext>
-    </p:extLst>
-  </p:cSld>
-  <p:clrMapOvr>
-    <a:masterClrMapping/>
-  </p:clrMapOvr>
 </p:sld>
 </file>
 
@@ -4576,6 +5320,108 @@
         </p:nvSpPr>
         <p:spPr/>
         <p:txBody>
+          <a:bodyPr/>
+          <a:lstStyle/>
+          <a:p>
+            <a:r>
+              <a:rPr lang="ru-RU" dirty="0"/>
+              <a:t>Документирование исключений</a:t>
+            </a:r>
+          </a:p>
+        </p:txBody>
+      </p:sp>
+      <p:sp>
+        <p:nvSpPr>
+          <p:cNvPr id="3" name="Content Placeholder 2"/>
+          <p:cNvSpPr>
+            <a:spLocks noGrp="1"/>
+          </p:cNvSpPr>
+          <p:nvPr>
+            <p:ph idx="1"/>
+          </p:nvPr>
+        </p:nvSpPr>
+        <p:spPr/>
+        <p:txBody>
+          <a:bodyPr/>
+          <a:lstStyle/>
+          <a:p>
+            <a:pPr marL="0" indent="0">
+              <a:buNone/>
+            </a:pPr>
+            <a:r>
+              <a:rPr lang="ru-RU" dirty="0"/>
+              <a:t>Используйте </a:t>
+            </a:r>
+            <a:r>
+              <a:rPr lang="en-US" dirty="0"/>
+              <a:t>XML </a:t>
+            </a:r>
+            <a:r>
+              <a:rPr lang="ru-RU" dirty="0"/>
+              <a:t>комментарий </a:t>
+            </a:r>
+            <a:r>
+              <a:rPr lang="en-US" dirty="0"/>
+              <a:t>&lt;exception&gt; </a:t>
+            </a:r>
+            <a:r>
+              <a:rPr lang="ru-RU" dirty="0"/>
+              <a:t>для документирования списка исключений для </a:t>
+            </a:r>
+            <a:r>
+              <a:rPr lang="en-US" dirty="0"/>
+              <a:t>public </a:t>
+            </a:r>
+            <a:r>
+              <a:rPr lang="ru-RU"/>
+              <a:t>членов собственных типов.</a:t>
+            </a:r>
+            <a:endParaRPr lang="ru-RU" dirty="0"/>
+          </a:p>
+        </p:txBody>
+      </p:sp>
+    </p:spTree>
+    <p:extLst>
+      <p:ext uri="{BB962C8B-B14F-4D97-AF65-F5344CB8AC3E}">
+        <p14:creationId xmlns:p14="http://schemas.microsoft.com/office/powerpoint/2010/main" val="313182341"/>
+      </p:ext>
+    </p:extLst>
+  </p:cSld>
+  <p:clrMapOvr>
+    <a:masterClrMapping/>
+  </p:clrMapOvr>
+</p:sld>
+</file>
+
+<file path=ppt/slides/slide16.xml><?xml version="1.0" encoding="utf-8"?>
+<p:sld xmlns:a="http://schemas.openxmlformats.org/drawingml/2006/main" xmlns:r="http://schemas.openxmlformats.org/officeDocument/2006/relationships" xmlns:p="http://schemas.openxmlformats.org/presentationml/2006/main">
+  <p:cSld>
+    <p:spTree>
+      <p:nvGrpSpPr>
+        <p:cNvPr id="1" name=""/>
+        <p:cNvGrpSpPr/>
+        <p:nvPr/>
+      </p:nvGrpSpPr>
+      <p:grpSpPr>
+        <a:xfrm>
+          <a:off x="0" y="0"/>
+          <a:ext cx="0" cy="0"/>
+          <a:chOff x="0" y="0"/>
+          <a:chExt cx="0" cy="0"/>
+        </a:xfrm>
+      </p:grpSpPr>
+      <p:sp>
+        <p:nvSpPr>
+          <p:cNvPr id="2" name="Title 1"/>
+          <p:cNvSpPr>
+            <a:spLocks noGrp="1"/>
+          </p:cNvSpPr>
+          <p:nvPr>
+            <p:ph type="title"/>
+          </p:nvPr>
+        </p:nvSpPr>
+        <p:spPr/>
+        <p:txBody>
           <a:bodyPr>
             <a:normAutofit fontScale="90000"/>
           </a:bodyPr>
@@ -4843,7 +5689,7 @@
 </p:sld>
 </file>
 
-<file path=ppt/slides/slide16.xml><?xml version="1.0" encoding="utf-8"?>
+<file path=ppt/slides/slide17.xml><?xml version="1.0" encoding="utf-8"?>
 <p:sld xmlns:a="http://schemas.openxmlformats.org/drawingml/2006/main" xmlns:r="http://schemas.openxmlformats.org/officeDocument/2006/relationships" xmlns:p="http://schemas.openxmlformats.org/presentationml/2006/main">
   <p:cSld>
     <p:bg>
@@ -6191,7 +7037,7 @@
 </p:sld>
 </file>
 
-<file path=ppt/slides/slide17.xml><?xml version="1.0" encoding="utf-8"?>
+<file path=ppt/slides/slide18.xml><?xml version="1.0" encoding="utf-8"?>
 <p:sld xmlns:a="http://schemas.openxmlformats.org/drawingml/2006/main" xmlns:r="http://schemas.openxmlformats.org/officeDocument/2006/relationships" xmlns:p="http://schemas.openxmlformats.org/presentationml/2006/main">
   <p:cSld>
     <p:bg>
@@ -7805,7 +8651,7 @@
 </p:sld>
 </file>
 
-<file path=ppt/slides/slide18.xml><?xml version="1.0" encoding="utf-8"?>
+<file path=ppt/slides/slide19.xml><?xml version="1.0" encoding="utf-8"?>
 <p:sld xmlns:a="http://schemas.openxmlformats.org/drawingml/2006/main" xmlns:r="http://schemas.openxmlformats.org/officeDocument/2006/relationships" xmlns:p="http://schemas.openxmlformats.org/presentationml/2006/main">
   <p:cSld>
     <p:bg>
@@ -8879,677 +9725,6 @@
     <p:extLst>
       <p:ext uri="{BB962C8B-B14F-4D97-AF65-F5344CB8AC3E}">
         <p14:creationId xmlns:p14="http://schemas.microsoft.com/office/powerpoint/2010/main" val="654378905"/>
-      </p:ext>
-    </p:extLst>
-  </p:cSld>
-  <p:clrMapOvr>
-    <a:masterClrMapping/>
-  </p:clrMapOvr>
-</p:sld>
-</file>
-
-<file path=ppt/slides/slide19.xml><?xml version="1.0" encoding="utf-8"?>
-<p:sld xmlns:a="http://schemas.openxmlformats.org/drawingml/2006/main" xmlns:r="http://schemas.openxmlformats.org/officeDocument/2006/relationships" xmlns:p="http://schemas.openxmlformats.org/presentationml/2006/main">
-  <p:cSld>
-    <p:spTree>
-      <p:nvGrpSpPr>
-        <p:cNvPr id="1" name=""/>
-        <p:cNvGrpSpPr/>
-        <p:nvPr/>
-      </p:nvGrpSpPr>
-      <p:grpSpPr>
-        <a:xfrm>
-          <a:off x="0" y="0"/>
-          <a:ext cx="0" cy="0"/>
-          <a:chOff x="0" y="0"/>
-          <a:chExt cx="0" cy="0"/>
-        </a:xfrm>
-      </p:grpSpPr>
-      <p:sp>
-        <p:nvSpPr>
-          <p:cNvPr id="2" name="Title 1"/>
-          <p:cNvSpPr>
-            <a:spLocks noGrp="1"/>
-          </p:cNvSpPr>
-          <p:nvPr>
-            <p:ph type="title"/>
-          </p:nvPr>
-        </p:nvSpPr>
-        <p:spPr/>
-        <p:txBody>
-          <a:bodyPr>
-            <a:noAutofit/>
-          </a:bodyPr>
-          <a:lstStyle/>
-          <a:p>
-            <a:r>
-              <a:rPr lang="ru-RU" sz="3600" dirty="0"/>
-              <a:t>Необработанные исключения приложения</a:t>
-            </a:r>
-            <a:endParaRPr lang="en-US" sz="3600" dirty="0"/>
-          </a:p>
-        </p:txBody>
-      </p:sp>
-      <p:sp>
-        <p:nvSpPr>
-          <p:cNvPr id="3" name="Content Placeholder 2"/>
-          <p:cNvSpPr>
-            <a:spLocks noGrp="1"/>
-          </p:cNvSpPr>
-          <p:nvPr>
-            <p:ph idx="1"/>
-          </p:nvPr>
-        </p:nvSpPr>
-        <p:spPr>
-          <a:xfrm>
-            <a:off x="457200" y="1412776"/>
-            <a:ext cx="8229600" cy="1656183"/>
-          </a:xfrm>
-        </p:spPr>
-        <p:txBody>
-          <a:bodyPr>
-            <a:normAutofit/>
-          </a:bodyPr>
-          <a:lstStyle/>
-          <a:p>
-            <a:pPr marL="0" indent="0">
-              <a:buNone/>
-            </a:pPr>
-            <a:r>
-              <a:rPr lang="ru-RU" sz="2000" dirty="0"/>
-              <a:t>У класса </a:t>
-            </a:r>
-            <a:r>
-              <a:rPr lang="en-US" sz="2000" dirty="0" err="1"/>
-              <a:t>System.AppDomain</a:t>
-            </a:r>
-            <a:r>
-              <a:rPr lang="en-US" sz="2000" dirty="0"/>
-              <a:t> </a:t>
-            </a:r>
-            <a:r>
-              <a:rPr lang="ru-RU" sz="2000" dirty="0"/>
-              <a:t>есть событие </a:t>
-            </a:r>
-            <a:r>
-              <a:rPr lang="en-US" sz="2000" dirty="0" err="1"/>
-              <a:t>UnhandledException</a:t>
-            </a:r>
-            <a:r>
-              <a:rPr lang="en-US" sz="2000" dirty="0"/>
-              <a:t> </a:t>
-            </a:r>
-            <a:r>
-              <a:rPr lang="ru-RU" sz="2000" dirty="0"/>
-              <a:t>которое генерируется при наличии необработанного исключения в приложении (точнее в домене приложения). Подписываться на это событие следует</a:t>
-            </a:r>
-            <a:r>
-              <a:rPr lang="en-US" sz="2000" dirty="0"/>
-              <a:t> </a:t>
-            </a:r>
-            <a:r>
-              <a:rPr lang="ru-RU" sz="2000" dirty="0"/>
-              <a:t>при запуске программы. Это событие НЕ ДАЕТ возможность обработать исключение, но ДАЕТ возможность записать информацию о нем.</a:t>
-            </a:r>
-            <a:endParaRPr lang="en-US" sz="2000" dirty="0"/>
-          </a:p>
-        </p:txBody>
-      </p:sp>
-      <p:sp>
-        <p:nvSpPr>
-          <p:cNvPr id="5" name="TextBox 4"/>
-          <p:cNvSpPr txBox="1"/>
-          <p:nvPr/>
-        </p:nvSpPr>
-        <p:spPr>
-          <a:xfrm>
-            <a:off x="467544" y="3645024"/>
-            <a:ext cx="8136904" cy="2308324"/>
-          </a:xfrm>
-          <a:prstGeom prst="rect">
-            <a:avLst/>
-          </a:prstGeom>
-          <a:solidFill>
-            <a:schemeClr val="bg1"/>
-          </a:solidFill>
-        </p:spPr>
-        <p:txBody>
-          <a:bodyPr wrap="square" rtlCol="0">
-            <a:spAutoFit/>
-          </a:bodyPr>
-          <a:lstStyle/>
-          <a:p>
-            <a:r>
-              <a:rPr lang="en-US" sz="1200" dirty="0">
-                <a:solidFill>
-                  <a:srgbClr val="0000FF"/>
-                </a:solidFill>
-                <a:latin typeface="Courier New" panose="02070309020205020404" pitchFamily="49" charset="0"/>
-                <a:cs typeface="Courier New" panose="02070309020205020404" pitchFamily="49" charset="0"/>
-              </a:rPr>
-              <a:t>static</a:t>
-            </a:r>
-            <a:r>
-              <a:rPr lang="en-US" sz="1200" dirty="0">
-                <a:latin typeface="Courier New" panose="02070309020205020404" pitchFamily="49" charset="0"/>
-                <a:cs typeface="Courier New" panose="02070309020205020404" pitchFamily="49" charset="0"/>
-              </a:rPr>
-              <a:t> </a:t>
-            </a:r>
-            <a:r>
-              <a:rPr lang="en-US" sz="1200" dirty="0">
-                <a:solidFill>
-                  <a:srgbClr val="0000FF"/>
-                </a:solidFill>
-                <a:latin typeface="Courier New" panose="02070309020205020404" pitchFamily="49" charset="0"/>
-                <a:cs typeface="Courier New" panose="02070309020205020404" pitchFamily="49" charset="0"/>
-              </a:rPr>
-              <a:t>void</a:t>
-            </a:r>
-            <a:r>
-              <a:rPr lang="en-US" sz="1200" dirty="0">
-                <a:solidFill>
-                  <a:srgbClr val="000000"/>
-                </a:solidFill>
-                <a:latin typeface="Courier New" panose="02070309020205020404" pitchFamily="49" charset="0"/>
-                <a:cs typeface="Courier New" panose="02070309020205020404" pitchFamily="49" charset="0"/>
-              </a:rPr>
-              <a:t> Main(</a:t>
-            </a:r>
-            <a:r>
-              <a:rPr lang="en-US" sz="1200" dirty="0">
-                <a:solidFill>
-                  <a:srgbClr val="0000FF"/>
-                </a:solidFill>
-                <a:latin typeface="Courier New" panose="02070309020205020404" pitchFamily="49" charset="0"/>
-                <a:cs typeface="Courier New" panose="02070309020205020404" pitchFamily="49" charset="0"/>
-              </a:rPr>
-              <a:t>string</a:t>
-            </a:r>
-            <a:r>
-              <a:rPr lang="en-US" sz="1200" dirty="0">
-                <a:solidFill>
-                  <a:srgbClr val="000000"/>
-                </a:solidFill>
-                <a:latin typeface="Courier New" panose="02070309020205020404" pitchFamily="49" charset="0"/>
-                <a:cs typeface="Courier New" panose="02070309020205020404" pitchFamily="49" charset="0"/>
-              </a:rPr>
-              <a:t>[] args)</a:t>
-            </a:r>
-            <a:endParaRPr lang="ru-RU" sz="1200" dirty="0">
-              <a:solidFill>
-                <a:srgbClr val="000000"/>
-              </a:solidFill>
-              <a:latin typeface="Courier New" panose="02070309020205020404" pitchFamily="49" charset="0"/>
-              <a:cs typeface="Courier New" panose="02070309020205020404" pitchFamily="49" charset="0"/>
-            </a:endParaRPr>
-          </a:p>
-          <a:p>
-            <a:r>
-              <a:rPr lang="en-US" sz="1200" dirty="0">
-                <a:solidFill>
-                  <a:srgbClr val="000000"/>
-                </a:solidFill>
-                <a:latin typeface="Courier New" panose="02070309020205020404" pitchFamily="49" charset="0"/>
-                <a:cs typeface="Courier New" panose="02070309020205020404" pitchFamily="49" charset="0"/>
-              </a:rPr>
-              <a:t>{</a:t>
-            </a:r>
-            <a:endParaRPr lang="ru-RU" sz="1200" dirty="0">
-              <a:solidFill>
-                <a:srgbClr val="000000"/>
-              </a:solidFill>
-              <a:latin typeface="Courier New" panose="02070309020205020404" pitchFamily="49" charset="0"/>
-              <a:cs typeface="Courier New" panose="02070309020205020404" pitchFamily="49" charset="0"/>
-            </a:endParaRPr>
-          </a:p>
-          <a:p>
-            <a:r>
-              <a:rPr lang="ru-RU" sz="1200" dirty="0">
-                <a:solidFill>
-                  <a:srgbClr val="2B91AF"/>
-                </a:solidFill>
-                <a:latin typeface="Courier New" panose="02070309020205020404" pitchFamily="49" charset="0"/>
-                <a:cs typeface="Courier New" panose="02070309020205020404" pitchFamily="49" charset="0"/>
-              </a:rPr>
-              <a:t>    </a:t>
-            </a:r>
-            <a:r>
-              <a:rPr lang="en-US" sz="1200" dirty="0">
-                <a:solidFill>
-                  <a:srgbClr val="2B91AF"/>
-                </a:solidFill>
-                <a:latin typeface="Courier New" panose="02070309020205020404" pitchFamily="49" charset="0"/>
-                <a:cs typeface="Courier New" panose="02070309020205020404" pitchFamily="49" charset="0"/>
-              </a:rPr>
-              <a:t>AppDomain</a:t>
-            </a:r>
-            <a:r>
-              <a:rPr lang="en-US" sz="1200" dirty="0">
-                <a:solidFill>
-                  <a:srgbClr val="000000"/>
-                </a:solidFill>
-                <a:latin typeface="Courier New" panose="02070309020205020404" pitchFamily="49" charset="0"/>
-                <a:cs typeface="Courier New" panose="02070309020205020404" pitchFamily="49" charset="0"/>
-              </a:rPr>
-              <a:t>.CurrentDomain.UnhandledException += OnUnhandledException;</a:t>
-            </a:r>
-            <a:endParaRPr lang="ru-RU" sz="1200" dirty="0">
-              <a:solidFill>
-                <a:srgbClr val="000000"/>
-              </a:solidFill>
-              <a:latin typeface="Courier New" panose="02070309020205020404" pitchFamily="49" charset="0"/>
-              <a:cs typeface="Courier New" panose="02070309020205020404" pitchFamily="49" charset="0"/>
-            </a:endParaRPr>
-          </a:p>
-          <a:p>
-            <a:r>
-              <a:rPr lang="ru-RU" sz="1200" dirty="0">
-                <a:solidFill>
-                  <a:srgbClr val="008000"/>
-                </a:solidFill>
-                <a:latin typeface="Courier New" panose="02070309020205020404" pitchFamily="49" charset="0"/>
-                <a:cs typeface="Courier New" panose="02070309020205020404" pitchFamily="49" charset="0"/>
-              </a:rPr>
-              <a:t>   </a:t>
-            </a:r>
-            <a:r>
-              <a:rPr lang="en-US" sz="1200" dirty="0">
-                <a:solidFill>
-                  <a:srgbClr val="008000"/>
-                </a:solidFill>
-                <a:latin typeface="Courier New" panose="02070309020205020404" pitchFamily="49" charset="0"/>
-                <a:cs typeface="Courier New" panose="02070309020205020404" pitchFamily="49" charset="0"/>
-              </a:rPr>
-              <a:t> // </a:t>
-            </a:r>
-            <a:r>
-              <a:rPr lang="ru-RU" sz="1200" dirty="0">
-                <a:solidFill>
-                  <a:srgbClr val="008000"/>
-                </a:solidFill>
-                <a:latin typeface="Courier New" panose="02070309020205020404" pitchFamily="49" charset="0"/>
-                <a:cs typeface="Courier New" panose="02070309020205020404" pitchFamily="49" charset="0"/>
-              </a:rPr>
-              <a:t>Основной код приложения</a:t>
-            </a:r>
-            <a:endParaRPr lang="ru-RU" sz="1200" dirty="0">
-              <a:solidFill>
-                <a:srgbClr val="000000"/>
-              </a:solidFill>
-              <a:latin typeface="Courier New" panose="02070309020205020404" pitchFamily="49" charset="0"/>
-              <a:cs typeface="Courier New" panose="02070309020205020404" pitchFamily="49" charset="0"/>
-            </a:endParaRPr>
-          </a:p>
-          <a:p>
-            <a:r>
-              <a:rPr lang="en-US" sz="1200" dirty="0">
-                <a:solidFill>
-                  <a:srgbClr val="000000"/>
-                </a:solidFill>
-                <a:latin typeface="Courier New" panose="02070309020205020404" pitchFamily="49" charset="0"/>
-                <a:cs typeface="Courier New" panose="02070309020205020404" pitchFamily="49" charset="0"/>
-              </a:rPr>
-              <a:t>}</a:t>
-            </a:r>
-            <a:endParaRPr lang="ru-RU" sz="1200" dirty="0">
-              <a:solidFill>
-                <a:srgbClr val="000000"/>
-              </a:solidFill>
-              <a:latin typeface="Courier New" panose="02070309020205020404" pitchFamily="49" charset="0"/>
-              <a:cs typeface="Courier New" panose="02070309020205020404" pitchFamily="49" charset="0"/>
-            </a:endParaRPr>
-          </a:p>
-          <a:p>
-            <a:endParaRPr lang="ru-RU" sz="1200" dirty="0">
-              <a:solidFill>
-                <a:srgbClr val="000000"/>
-              </a:solidFill>
-              <a:latin typeface="Courier New" panose="02070309020205020404" pitchFamily="49" charset="0"/>
-              <a:cs typeface="Courier New" panose="02070309020205020404" pitchFamily="49" charset="0"/>
-            </a:endParaRPr>
-          </a:p>
-          <a:p>
-            <a:r>
-              <a:rPr lang="en-US" sz="1200" dirty="0">
-                <a:solidFill>
-                  <a:srgbClr val="0000FF"/>
-                </a:solidFill>
-                <a:latin typeface="Courier New" panose="02070309020205020404" pitchFamily="49" charset="0"/>
-                <a:cs typeface="Courier New" panose="02070309020205020404" pitchFamily="49" charset="0"/>
-              </a:rPr>
-              <a:t>private</a:t>
-            </a:r>
-            <a:r>
-              <a:rPr lang="en-US" sz="1200" dirty="0">
-                <a:latin typeface="Courier New" panose="02070309020205020404" pitchFamily="49" charset="0"/>
-                <a:cs typeface="Courier New" panose="02070309020205020404" pitchFamily="49" charset="0"/>
-              </a:rPr>
-              <a:t> </a:t>
-            </a:r>
-            <a:r>
-              <a:rPr lang="en-US" sz="1200" dirty="0">
-                <a:solidFill>
-                  <a:srgbClr val="0000FF"/>
-                </a:solidFill>
-                <a:latin typeface="Courier New" panose="02070309020205020404" pitchFamily="49" charset="0"/>
-                <a:cs typeface="Courier New" panose="02070309020205020404" pitchFamily="49" charset="0"/>
-              </a:rPr>
-              <a:t>static</a:t>
-            </a:r>
-            <a:r>
-              <a:rPr lang="en-US" sz="1200" dirty="0">
-                <a:latin typeface="Courier New" panose="02070309020205020404" pitchFamily="49" charset="0"/>
-                <a:cs typeface="Courier New" panose="02070309020205020404" pitchFamily="49" charset="0"/>
-              </a:rPr>
-              <a:t> </a:t>
-            </a:r>
-            <a:r>
-              <a:rPr lang="en-US" sz="1200" dirty="0">
-                <a:solidFill>
-                  <a:srgbClr val="0000FF"/>
-                </a:solidFill>
-                <a:latin typeface="Courier New" panose="02070309020205020404" pitchFamily="49" charset="0"/>
-                <a:cs typeface="Courier New" panose="02070309020205020404" pitchFamily="49" charset="0"/>
-              </a:rPr>
-              <a:t>void</a:t>
-            </a:r>
-            <a:r>
-              <a:rPr lang="en-US" sz="1200" dirty="0">
-                <a:solidFill>
-                  <a:srgbClr val="000000"/>
-                </a:solidFill>
-                <a:latin typeface="Courier New" panose="02070309020205020404" pitchFamily="49" charset="0"/>
-                <a:cs typeface="Courier New" panose="02070309020205020404" pitchFamily="49" charset="0"/>
-              </a:rPr>
-              <a:t> OnUnhandledException(</a:t>
-            </a:r>
-            <a:r>
-              <a:rPr lang="en-US" sz="1200" dirty="0">
-                <a:solidFill>
-                  <a:srgbClr val="0000FF"/>
-                </a:solidFill>
-                <a:latin typeface="Courier New" panose="02070309020205020404" pitchFamily="49" charset="0"/>
-                <a:cs typeface="Courier New" panose="02070309020205020404" pitchFamily="49" charset="0"/>
-              </a:rPr>
-              <a:t>object</a:t>
-            </a:r>
-            <a:r>
-              <a:rPr lang="en-US" sz="1200" dirty="0">
-                <a:solidFill>
-                  <a:srgbClr val="000000"/>
-                </a:solidFill>
-                <a:latin typeface="Courier New" panose="02070309020205020404" pitchFamily="49" charset="0"/>
-                <a:cs typeface="Courier New" panose="02070309020205020404" pitchFamily="49" charset="0"/>
-              </a:rPr>
-              <a:t> sender,</a:t>
-            </a:r>
-            <a:r>
-              <a:rPr lang="en-US" sz="1200" dirty="0">
-                <a:latin typeface="Courier New" panose="02070309020205020404" pitchFamily="49" charset="0"/>
-                <a:cs typeface="Courier New" panose="02070309020205020404" pitchFamily="49" charset="0"/>
-              </a:rPr>
-              <a:t> </a:t>
-            </a:r>
-            <a:r>
-              <a:rPr lang="en-US" sz="1200" dirty="0">
-                <a:solidFill>
-                  <a:srgbClr val="2B91AF"/>
-                </a:solidFill>
-                <a:latin typeface="Courier New" panose="02070309020205020404" pitchFamily="49" charset="0"/>
-                <a:cs typeface="Courier New" panose="02070309020205020404" pitchFamily="49" charset="0"/>
-              </a:rPr>
-              <a:t>UnhandledExceptionEventArgs</a:t>
-            </a:r>
-            <a:r>
-              <a:rPr lang="en-US" sz="1200" dirty="0">
-                <a:solidFill>
-                  <a:srgbClr val="000000"/>
-                </a:solidFill>
-                <a:latin typeface="Courier New" panose="02070309020205020404" pitchFamily="49" charset="0"/>
-                <a:cs typeface="Courier New" panose="02070309020205020404" pitchFamily="49" charset="0"/>
-              </a:rPr>
-              <a:t> e)</a:t>
-            </a:r>
-            <a:endParaRPr lang="ru-RU" sz="1200" dirty="0">
-              <a:solidFill>
-                <a:srgbClr val="000000"/>
-              </a:solidFill>
-              <a:latin typeface="Courier New" panose="02070309020205020404" pitchFamily="49" charset="0"/>
-              <a:cs typeface="Courier New" panose="02070309020205020404" pitchFamily="49" charset="0"/>
-            </a:endParaRPr>
-          </a:p>
-          <a:p>
-            <a:r>
-              <a:rPr lang="en-US" sz="1200" dirty="0">
-                <a:solidFill>
-                  <a:srgbClr val="000000"/>
-                </a:solidFill>
-                <a:latin typeface="Courier New" panose="02070309020205020404" pitchFamily="49" charset="0"/>
-                <a:cs typeface="Courier New" panose="02070309020205020404" pitchFamily="49" charset="0"/>
-              </a:rPr>
-              <a:t>{</a:t>
-            </a:r>
-            <a:endParaRPr lang="ru-RU" sz="1200" dirty="0">
-              <a:solidFill>
-                <a:srgbClr val="000000"/>
-              </a:solidFill>
-              <a:latin typeface="Courier New" panose="02070309020205020404" pitchFamily="49" charset="0"/>
-              <a:cs typeface="Courier New" panose="02070309020205020404" pitchFamily="49" charset="0"/>
-            </a:endParaRPr>
-          </a:p>
-          <a:p>
-            <a:r>
-              <a:rPr lang="ru-RU" sz="1200" dirty="0">
-                <a:solidFill>
-                  <a:srgbClr val="000000"/>
-                </a:solidFill>
-                <a:latin typeface="Courier New" panose="02070309020205020404" pitchFamily="49" charset="0"/>
-                <a:cs typeface="Courier New" panose="02070309020205020404" pitchFamily="49" charset="0"/>
-              </a:rPr>
-              <a:t>    </a:t>
-            </a:r>
-            <a:r>
-              <a:rPr lang="en-US" sz="1200" dirty="0">
-                <a:solidFill>
-                  <a:srgbClr val="2B91AF"/>
-                </a:solidFill>
-                <a:latin typeface="Courier New" panose="02070309020205020404" pitchFamily="49" charset="0"/>
-                <a:cs typeface="Courier New" panose="02070309020205020404" pitchFamily="49" charset="0"/>
-              </a:rPr>
-              <a:t>Exception</a:t>
-            </a:r>
-            <a:r>
-              <a:rPr lang="en-US" sz="1200" dirty="0">
-                <a:solidFill>
-                  <a:srgbClr val="000000"/>
-                </a:solidFill>
-                <a:latin typeface="Courier New" panose="02070309020205020404" pitchFamily="49" charset="0"/>
-                <a:cs typeface="Courier New" panose="02070309020205020404" pitchFamily="49" charset="0"/>
-              </a:rPr>
-              <a:t> ex = e.ExceptionObject </a:t>
-            </a:r>
-            <a:r>
-              <a:rPr lang="en-US" sz="1200" dirty="0">
-                <a:solidFill>
-                  <a:srgbClr val="0000FF"/>
-                </a:solidFill>
-                <a:latin typeface="Courier New" panose="02070309020205020404" pitchFamily="49" charset="0"/>
-                <a:cs typeface="Courier New" panose="02070309020205020404" pitchFamily="49" charset="0"/>
-              </a:rPr>
-              <a:t>as</a:t>
-            </a:r>
-            <a:r>
-              <a:rPr lang="en-US" sz="1200" dirty="0">
-                <a:latin typeface="Courier New" panose="02070309020205020404" pitchFamily="49" charset="0"/>
-                <a:cs typeface="Courier New" panose="02070309020205020404" pitchFamily="49" charset="0"/>
-              </a:rPr>
-              <a:t> </a:t>
-            </a:r>
-            <a:r>
-              <a:rPr lang="en-US" sz="1200" dirty="0">
-                <a:solidFill>
-                  <a:srgbClr val="2B91AF"/>
-                </a:solidFill>
-                <a:latin typeface="Courier New" panose="02070309020205020404" pitchFamily="49" charset="0"/>
-                <a:cs typeface="Courier New" panose="02070309020205020404" pitchFamily="49" charset="0"/>
-              </a:rPr>
-              <a:t>Exception</a:t>
-            </a:r>
-            <a:r>
-              <a:rPr lang="en-US" sz="1200" dirty="0">
-                <a:solidFill>
-                  <a:srgbClr val="000000"/>
-                </a:solidFill>
-                <a:latin typeface="Courier New" panose="02070309020205020404" pitchFamily="49" charset="0"/>
-                <a:cs typeface="Courier New" panose="02070309020205020404" pitchFamily="49" charset="0"/>
-              </a:rPr>
-              <a:t>;</a:t>
-            </a:r>
-            <a:endParaRPr lang="ru-RU" sz="1200" dirty="0">
-              <a:solidFill>
-                <a:srgbClr val="000000"/>
-              </a:solidFill>
-              <a:latin typeface="Courier New" panose="02070309020205020404" pitchFamily="49" charset="0"/>
-              <a:cs typeface="Courier New" panose="02070309020205020404" pitchFamily="49" charset="0"/>
-            </a:endParaRPr>
-          </a:p>
-          <a:p>
-            <a:r>
-              <a:rPr lang="ru-RU" sz="1200" dirty="0">
-                <a:solidFill>
-                  <a:srgbClr val="000000"/>
-                </a:solidFill>
-                <a:latin typeface="Courier New" panose="02070309020205020404" pitchFamily="49" charset="0"/>
-                <a:cs typeface="Courier New" panose="02070309020205020404" pitchFamily="49" charset="0"/>
-              </a:rPr>
-              <a:t>    </a:t>
-            </a:r>
-            <a:r>
-              <a:rPr lang="en-US" sz="1200" dirty="0">
-                <a:solidFill>
-                  <a:srgbClr val="0000FF"/>
-                </a:solidFill>
-                <a:latin typeface="Courier New" panose="02070309020205020404" pitchFamily="49" charset="0"/>
-                <a:cs typeface="Courier New" panose="02070309020205020404" pitchFamily="49" charset="0"/>
-              </a:rPr>
-              <a:t>if</a:t>
-            </a:r>
-            <a:r>
-              <a:rPr lang="en-US" sz="1200" dirty="0">
-                <a:solidFill>
-                  <a:srgbClr val="000000"/>
-                </a:solidFill>
-                <a:latin typeface="Courier New" panose="02070309020205020404" pitchFamily="49" charset="0"/>
-                <a:cs typeface="Courier New" panose="02070309020205020404" pitchFamily="49" charset="0"/>
-              </a:rPr>
-              <a:t> (ex == </a:t>
-            </a:r>
-            <a:r>
-              <a:rPr lang="en-US" sz="1200" dirty="0">
-                <a:solidFill>
-                  <a:srgbClr val="0000FF"/>
-                </a:solidFill>
-                <a:latin typeface="Courier New" panose="02070309020205020404" pitchFamily="49" charset="0"/>
-                <a:cs typeface="Courier New" panose="02070309020205020404" pitchFamily="49" charset="0"/>
-              </a:rPr>
-              <a:t>null</a:t>
-            </a:r>
-            <a:r>
-              <a:rPr lang="en-US" sz="1200" dirty="0">
-                <a:solidFill>
-                  <a:srgbClr val="000000"/>
-                </a:solidFill>
-                <a:latin typeface="Courier New" panose="02070309020205020404" pitchFamily="49" charset="0"/>
-                <a:cs typeface="Courier New" panose="02070309020205020404" pitchFamily="49" charset="0"/>
-              </a:rPr>
-              <a:t>) </a:t>
-            </a:r>
-            <a:r>
-              <a:rPr lang="en-US" sz="1200" dirty="0">
-                <a:solidFill>
-                  <a:srgbClr val="0000FF"/>
-                </a:solidFill>
-                <a:latin typeface="Courier New" panose="02070309020205020404" pitchFamily="49" charset="0"/>
-                <a:cs typeface="Courier New" panose="02070309020205020404" pitchFamily="49" charset="0"/>
-              </a:rPr>
-              <a:t>return</a:t>
-            </a:r>
-            <a:r>
-              <a:rPr lang="en-US" sz="1200" dirty="0">
-                <a:solidFill>
-                  <a:srgbClr val="000000"/>
-                </a:solidFill>
-                <a:latin typeface="Courier New" panose="02070309020205020404" pitchFamily="49" charset="0"/>
-                <a:cs typeface="Courier New" panose="02070309020205020404" pitchFamily="49" charset="0"/>
-              </a:rPr>
-              <a:t>;</a:t>
-            </a:r>
-            <a:endParaRPr lang="ru-RU" sz="1200" dirty="0">
-              <a:solidFill>
-                <a:srgbClr val="000000"/>
-              </a:solidFill>
-              <a:latin typeface="Courier New" panose="02070309020205020404" pitchFamily="49" charset="0"/>
-              <a:cs typeface="Courier New" panose="02070309020205020404" pitchFamily="49" charset="0"/>
-            </a:endParaRPr>
-          </a:p>
-          <a:p>
-            <a:r>
-              <a:rPr lang="ru-RU" sz="1200" dirty="0">
-                <a:solidFill>
-                  <a:srgbClr val="000000"/>
-                </a:solidFill>
-                <a:latin typeface="Courier New" panose="02070309020205020404" pitchFamily="49" charset="0"/>
-                <a:cs typeface="Courier New" panose="02070309020205020404" pitchFamily="49" charset="0"/>
-              </a:rPr>
-              <a:t>    </a:t>
-            </a:r>
-            <a:r>
-              <a:rPr lang="en-US" sz="1200" dirty="0">
-                <a:solidFill>
-                  <a:srgbClr val="008000"/>
-                </a:solidFill>
-                <a:latin typeface="Courier New" panose="02070309020205020404" pitchFamily="49" charset="0"/>
-                <a:cs typeface="Courier New" panose="02070309020205020404" pitchFamily="49" charset="0"/>
-              </a:rPr>
-              <a:t>// </a:t>
-            </a:r>
-            <a:r>
-              <a:rPr lang="ru-RU" sz="1200" dirty="0">
-                <a:solidFill>
-                  <a:srgbClr val="008000"/>
-                </a:solidFill>
-                <a:latin typeface="Courier New" panose="02070309020205020404" pitchFamily="49" charset="0"/>
-                <a:cs typeface="Courier New" panose="02070309020205020404" pitchFamily="49" charset="0"/>
-              </a:rPr>
-              <a:t>Сохранить информацию об исключении в лог</a:t>
-            </a:r>
-          </a:p>
-          <a:p>
-            <a:r>
-              <a:rPr lang="ru-RU" sz="1200" dirty="0">
-                <a:solidFill>
-                  <a:srgbClr val="000000"/>
-                </a:solidFill>
-                <a:latin typeface="Courier New" panose="02070309020205020404" pitchFamily="49" charset="0"/>
-                <a:cs typeface="Courier New" panose="02070309020205020404" pitchFamily="49" charset="0"/>
-              </a:rPr>
-              <a:t>}</a:t>
-            </a:r>
-            <a:endParaRPr lang="en-US" sz="1200" dirty="0">
-              <a:solidFill>
-                <a:srgbClr val="000000"/>
-              </a:solidFill>
-              <a:latin typeface="Courier New" panose="02070309020205020404" pitchFamily="49" charset="0"/>
-              <a:cs typeface="Courier New" panose="02070309020205020404" pitchFamily="49" charset="0"/>
-            </a:endParaRPr>
-          </a:p>
-        </p:txBody>
-      </p:sp>
-    </p:spTree>
-    <p:extLst>
-      <p:ext uri="{BB962C8B-B14F-4D97-AF65-F5344CB8AC3E}">
-        <p14:creationId xmlns:p14="http://schemas.microsoft.com/office/powerpoint/2010/main" val="2325098032"/>
       </p:ext>
     </p:extLst>
   </p:cSld>
@@ -9758,6 +9933,677 @@
         <p:spPr/>
         <p:txBody>
           <a:bodyPr>
+            <a:noAutofit/>
+          </a:bodyPr>
+          <a:lstStyle/>
+          <a:p>
+            <a:r>
+              <a:rPr lang="ru-RU" sz="3600" dirty="0"/>
+              <a:t>Необработанные исключения приложения</a:t>
+            </a:r>
+            <a:endParaRPr lang="en-US" sz="3600" dirty="0"/>
+          </a:p>
+        </p:txBody>
+      </p:sp>
+      <p:sp>
+        <p:nvSpPr>
+          <p:cNvPr id="3" name="Content Placeholder 2"/>
+          <p:cNvSpPr>
+            <a:spLocks noGrp="1"/>
+          </p:cNvSpPr>
+          <p:nvPr>
+            <p:ph idx="1"/>
+          </p:nvPr>
+        </p:nvSpPr>
+        <p:spPr>
+          <a:xfrm>
+            <a:off x="457200" y="1412776"/>
+            <a:ext cx="8229600" cy="1656183"/>
+          </a:xfrm>
+        </p:spPr>
+        <p:txBody>
+          <a:bodyPr>
+            <a:normAutofit/>
+          </a:bodyPr>
+          <a:lstStyle/>
+          <a:p>
+            <a:pPr marL="0" indent="0">
+              <a:buNone/>
+            </a:pPr>
+            <a:r>
+              <a:rPr lang="ru-RU" sz="2000" dirty="0"/>
+              <a:t>У класса </a:t>
+            </a:r>
+            <a:r>
+              <a:rPr lang="en-US" sz="2000" dirty="0" err="1"/>
+              <a:t>System.AppDomain</a:t>
+            </a:r>
+            <a:r>
+              <a:rPr lang="en-US" sz="2000" dirty="0"/>
+              <a:t> </a:t>
+            </a:r>
+            <a:r>
+              <a:rPr lang="ru-RU" sz="2000" dirty="0"/>
+              <a:t>есть событие </a:t>
+            </a:r>
+            <a:r>
+              <a:rPr lang="en-US" sz="2000" dirty="0" err="1"/>
+              <a:t>UnhandledException</a:t>
+            </a:r>
+            <a:r>
+              <a:rPr lang="en-US" sz="2000" dirty="0"/>
+              <a:t> </a:t>
+            </a:r>
+            <a:r>
+              <a:rPr lang="ru-RU" sz="2000" dirty="0"/>
+              <a:t>которое генерируется при наличии необработанного исключения в приложении (точнее в домене приложения). Подписываться на это событие следует</a:t>
+            </a:r>
+            <a:r>
+              <a:rPr lang="en-US" sz="2000" dirty="0"/>
+              <a:t> </a:t>
+            </a:r>
+            <a:r>
+              <a:rPr lang="ru-RU" sz="2000" dirty="0"/>
+              <a:t>при запуске программы. Это событие НЕ ДАЕТ возможность обработать исключение, но ДАЕТ возможность записать информацию о нем.</a:t>
+            </a:r>
+            <a:endParaRPr lang="en-US" sz="2000" dirty="0"/>
+          </a:p>
+        </p:txBody>
+      </p:sp>
+      <p:sp>
+        <p:nvSpPr>
+          <p:cNvPr id="5" name="TextBox 4"/>
+          <p:cNvSpPr txBox="1"/>
+          <p:nvPr/>
+        </p:nvSpPr>
+        <p:spPr>
+          <a:xfrm>
+            <a:off x="467544" y="3645024"/>
+            <a:ext cx="8136904" cy="2308324"/>
+          </a:xfrm>
+          <a:prstGeom prst="rect">
+            <a:avLst/>
+          </a:prstGeom>
+          <a:solidFill>
+            <a:schemeClr val="bg1"/>
+          </a:solidFill>
+        </p:spPr>
+        <p:txBody>
+          <a:bodyPr wrap="square" rtlCol="0">
+            <a:spAutoFit/>
+          </a:bodyPr>
+          <a:lstStyle/>
+          <a:p>
+            <a:r>
+              <a:rPr lang="en-US" sz="1200" dirty="0">
+                <a:solidFill>
+                  <a:srgbClr val="0000FF"/>
+                </a:solidFill>
+                <a:latin typeface="Courier New" panose="02070309020205020404" pitchFamily="49" charset="0"/>
+                <a:cs typeface="Courier New" panose="02070309020205020404" pitchFamily="49" charset="0"/>
+              </a:rPr>
+              <a:t>static</a:t>
+            </a:r>
+            <a:r>
+              <a:rPr lang="en-US" sz="1200" dirty="0">
+                <a:latin typeface="Courier New" panose="02070309020205020404" pitchFamily="49" charset="0"/>
+                <a:cs typeface="Courier New" panose="02070309020205020404" pitchFamily="49" charset="0"/>
+              </a:rPr>
+              <a:t> </a:t>
+            </a:r>
+            <a:r>
+              <a:rPr lang="en-US" sz="1200" dirty="0">
+                <a:solidFill>
+                  <a:srgbClr val="0000FF"/>
+                </a:solidFill>
+                <a:latin typeface="Courier New" panose="02070309020205020404" pitchFamily="49" charset="0"/>
+                <a:cs typeface="Courier New" panose="02070309020205020404" pitchFamily="49" charset="0"/>
+              </a:rPr>
+              <a:t>void</a:t>
+            </a:r>
+            <a:r>
+              <a:rPr lang="en-US" sz="1200" dirty="0">
+                <a:solidFill>
+                  <a:srgbClr val="000000"/>
+                </a:solidFill>
+                <a:latin typeface="Courier New" panose="02070309020205020404" pitchFamily="49" charset="0"/>
+                <a:cs typeface="Courier New" panose="02070309020205020404" pitchFamily="49" charset="0"/>
+              </a:rPr>
+              <a:t> Main(</a:t>
+            </a:r>
+            <a:r>
+              <a:rPr lang="en-US" sz="1200" dirty="0">
+                <a:solidFill>
+                  <a:srgbClr val="0000FF"/>
+                </a:solidFill>
+                <a:latin typeface="Courier New" panose="02070309020205020404" pitchFamily="49" charset="0"/>
+                <a:cs typeface="Courier New" panose="02070309020205020404" pitchFamily="49" charset="0"/>
+              </a:rPr>
+              <a:t>string</a:t>
+            </a:r>
+            <a:r>
+              <a:rPr lang="en-US" sz="1200" dirty="0">
+                <a:solidFill>
+                  <a:srgbClr val="000000"/>
+                </a:solidFill>
+                <a:latin typeface="Courier New" panose="02070309020205020404" pitchFamily="49" charset="0"/>
+                <a:cs typeface="Courier New" panose="02070309020205020404" pitchFamily="49" charset="0"/>
+              </a:rPr>
+              <a:t>[] args)</a:t>
+            </a:r>
+            <a:endParaRPr lang="ru-RU" sz="1200" dirty="0">
+              <a:solidFill>
+                <a:srgbClr val="000000"/>
+              </a:solidFill>
+              <a:latin typeface="Courier New" panose="02070309020205020404" pitchFamily="49" charset="0"/>
+              <a:cs typeface="Courier New" panose="02070309020205020404" pitchFamily="49" charset="0"/>
+            </a:endParaRPr>
+          </a:p>
+          <a:p>
+            <a:r>
+              <a:rPr lang="en-US" sz="1200" dirty="0">
+                <a:solidFill>
+                  <a:srgbClr val="000000"/>
+                </a:solidFill>
+                <a:latin typeface="Courier New" panose="02070309020205020404" pitchFamily="49" charset="0"/>
+                <a:cs typeface="Courier New" panose="02070309020205020404" pitchFamily="49" charset="0"/>
+              </a:rPr>
+              <a:t>{</a:t>
+            </a:r>
+            <a:endParaRPr lang="ru-RU" sz="1200" dirty="0">
+              <a:solidFill>
+                <a:srgbClr val="000000"/>
+              </a:solidFill>
+              <a:latin typeface="Courier New" panose="02070309020205020404" pitchFamily="49" charset="0"/>
+              <a:cs typeface="Courier New" panose="02070309020205020404" pitchFamily="49" charset="0"/>
+            </a:endParaRPr>
+          </a:p>
+          <a:p>
+            <a:r>
+              <a:rPr lang="ru-RU" sz="1200" dirty="0">
+                <a:solidFill>
+                  <a:srgbClr val="2B91AF"/>
+                </a:solidFill>
+                <a:latin typeface="Courier New" panose="02070309020205020404" pitchFamily="49" charset="0"/>
+                <a:cs typeface="Courier New" panose="02070309020205020404" pitchFamily="49" charset="0"/>
+              </a:rPr>
+              <a:t>    </a:t>
+            </a:r>
+            <a:r>
+              <a:rPr lang="en-US" sz="1200" dirty="0">
+                <a:solidFill>
+                  <a:srgbClr val="2B91AF"/>
+                </a:solidFill>
+                <a:latin typeface="Courier New" panose="02070309020205020404" pitchFamily="49" charset="0"/>
+                <a:cs typeface="Courier New" panose="02070309020205020404" pitchFamily="49" charset="0"/>
+              </a:rPr>
+              <a:t>AppDomain</a:t>
+            </a:r>
+            <a:r>
+              <a:rPr lang="en-US" sz="1200" dirty="0">
+                <a:solidFill>
+                  <a:srgbClr val="000000"/>
+                </a:solidFill>
+                <a:latin typeface="Courier New" panose="02070309020205020404" pitchFamily="49" charset="0"/>
+                <a:cs typeface="Courier New" panose="02070309020205020404" pitchFamily="49" charset="0"/>
+              </a:rPr>
+              <a:t>.CurrentDomain.UnhandledException += OnUnhandledException;</a:t>
+            </a:r>
+            <a:endParaRPr lang="ru-RU" sz="1200" dirty="0">
+              <a:solidFill>
+                <a:srgbClr val="000000"/>
+              </a:solidFill>
+              <a:latin typeface="Courier New" panose="02070309020205020404" pitchFamily="49" charset="0"/>
+              <a:cs typeface="Courier New" panose="02070309020205020404" pitchFamily="49" charset="0"/>
+            </a:endParaRPr>
+          </a:p>
+          <a:p>
+            <a:r>
+              <a:rPr lang="ru-RU" sz="1200" dirty="0">
+                <a:solidFill>
+                  <a:srgbClr val="008000"/>
+                </a:solidFill>
+                <a:latin typeface="Courier New" panose="02070309020205020404" pitchFamily="49" charset="0"/>
+                <a:cs typeface="Courier New" panose="02070309020205020404" pitchFamily="49" charset="0"/>
+              </a:rPr>
+              <a:t>   </a:t>
+            </a:r>
+            <a:r>
+              <a:rPr lang="en-US" sz="1200" dirty="0">
+                <a:solidFill>
+                  <a:srgbClr val="008000"/>
+                </a:solidFill>
+                <a:latin typeface="Courier New" panose="02070309020205020404" pitchFamily="49" charset="0"/>
+                <a:cs typeface="Courier New" panose="02070309020205020404" pitchFamily="49" charset="0"/>
+              </a:rPr>
+              <a:t> // </a:t>
+            </a:r>
+            <a:r>
+              <a:rPr lang="ru-RU" sz="1200" dirty="0">
+                <a:solidFill>
+                  <a:srgbClr val="008000"/>
+                </a:solidFill>
+                <a:latin typeface="Courier New" panose="02070309020205020404" pitchFamily="49" charset="0"/>
+                <a:cs typeface="Courier New" panose="02070309020205020404" pitchFamily="49" charset="0"/>
+              </a:rPr>
+              <a:t>Основной код приложения</a:t>
+            </a:r>
+            <a:endParaRPr lang="ru-RU" sz="1200" dirty="0">
+              <a:solidFill>
+                <a:srgbClr val="000000"/>
+              </a:solidFill>
+              <a:latin typeface="Courier New" panose="02070309020205020404" pitchFamily="49" charset="0"/>
+              <a:cs typeface="Courier New" panose="02070309020205020404" pitchFamily="49" charset="0"/>
+            </a:endParaRPr>
+          </a:p>
+          <a:p>
+            <a:r>
+              <a:rPr lang="en-US" sz="1200" dirty="0">
+                <a:solidFill>
+                  <a:srgbClr val="000000"/>
+                </a:solidFill>
+                <a:latin typeface="Courier New" panose="02070309020205020404" pitchFamily="49" charset="0"/>
+                <a:cs typeface="Courier New" panose="02070309020205020404" pitchFamily="49" charset="0"/>
+              </a:rPr>
+              <a:t>}</a:t>
+            </a:r>
+            <a:endParaRPr lang="ru-RU" sz="1200" dirty="0">
+              <a:solidFill>
+                <a:srgbClr val="000000"/>
+              </a:solidFill>
+              <a:latin typeface="Courier New" panose="02070309020205020404" pitchFamily="49" charset="0"/>
+              <a:cs typeface="Courier New" panose="02070309020205020404" pitchFamily="49" charset="0"/>
+            </a:endParaRPr>
+          </a:p>
+          <a:p>
+            <a:endParaRPr lang="ru-RU" sz="1200" dirty="0">
+              <a:solidFill>
+                <a:srgbClr val="000000"/>
+              </a:solidFill>
+              <a:latin typeface="Courier New" panose="02070309020205020404" pitchFamily="49" charset="0"/>
+              <a:cs typeface="Courier New" panose="02070309020205020404" pitchFamily="49" charset="0"/>
+            </a:endParaRPr>
+          </a:p>
+          <a:p>
+            <a:r>
+              <a:rPr lang="en-US" sz="1200" dirty="0">
+                <a:solidFill>
+                  <a:srgbClr val="0000FF"/>
+                </a:solidFill>
+                <a:latin typeface="Courier New" panose="02070309020205020404" pitchFamily="49" charset="0"/>
+                <a:cs typeface="Courier New" panose="02070309020205020404" pitchFamily="49" charset="0"/>
+              </a:rPr>
+              <a:t>private</a:t>
+            </a:r>
+            <a:r>
+              <a:rPr lang="en-US" sz="1200" dirty="0">
+                <a:latin typeface="Courier New" panose="02070309020205020404" pitchFamily="49" charset="0"/>
+                <a:cs typeface="Courier New" panose="02070309020205020404" pitchFamily="49" charset="0"/>
+              </a:rPr>
+              <a:t> </a:t>
+            </a:r>
+            <a:r>
+              <a:rPr lang="en-US" sz="1200" dirty="0">
+                <a:solidFill>
+                  <a:srgbClr val="0000FF"/>
+                </a:solidFill>
+                <a:latin typeface="Courier New" panose="02070309020205020404" pitchFamily="49" charset="0"/>
+                <a:cs typeface="Courier New" panose="02070309020205020404" pitchFamily="49" charset="0"/>
+              </a:rPr>
+              <a:t>static</a:t>
+            </a:r>
+            <a:r>
+              <a:rPr lang="en-US" sz="1200" dirty="0">
+                <a:latin typeface="Courier New" panose="02070309020205020404" pitchFamily="49" charset="0"/>
+                <a:cs typeface="Courier New" panose="02070309020205020404" pitchFamily="49" charset="0"/>
+              </a:rPr>
+              <a:t> </a:t>
+            </a:r>
+            <a:r>
+              <a:rPr lang="en-US" sz="1200" dirty="0">
+                <a:solidFill>
+                  <a:srgbClr val="0000FF"/>
+                </a:solidFill>
+                <a:latin typeface="Courier New" panose="02070309020205020404" pitchFamily="49" charset="0"/>
+                <a:cs typeface="Courier New" panose="02070309020205020404" pitchFamily="49" charset="0"/>
+              </a:rPr>
+              <a:t>void</a:t>
+            </a:r>
+            <a:r>
+              <a:rPr lang="en-US" sz="1200" dirty="0">
+                <a:solidFill>
+                  <a:srgbClr val="000000"/>
+                </a:solidFill>
+                <a:latin typeface="Courier New" panose="02070309020205020404" pitchFamily="49" charset="0"/>
+                <a:cs typeface="Courier New" panose="02070309020205020404" pitchFamily="49" charset="0"/>
+              </a:rPr>
+              <a:t> OnUnhandledException(</a:t>
+            </a:r>
+            <a:r>
+              <a:rPr lang="en-US" sz="1200" dirty="0">
+                <a:solidFill>
+                  <a:srgbClr val="0000FF"/>
+                </a:solidFill>
+                <a:latin typeface="Courier New" panose="02070309020205020404" pitchFamily="49" charset="0"/>
+                <a:cs typeface="Courier New" panose="02070309020205020404" pitchFamily="49" charset="0"/>
+              </a:rPr>
+              <a:t>object</a:t>
+            </a:r>
+            <a:r>
+              <a:rPr lang="en-US" sz="1200" dirty="0">
+                <a:solidFill>
+                  <a:srgbClr val="000000"/>
+                </a:solidFill>
+                <a:latin typeface="Courier New" panose="02070309020205020404" pitchFamily="49" charset="0"/>
+                <a:cs typeface="Courier New" panose="02070309020205020404" pitchFamily="49" charset="0"/>
+              </a:rPr>
+              <a:t> sender,</a:t>
+            </a:r>
+            <a:r>
+              <a:rPr lang="en-US" sz="1200" dirty="0">
+                <a:latin typeface="Courier New" panose="02070309020205020404" pitchFamily="49" charset="0"/>
+                <a:cs typeface="Courier New" panose="02070309020205020404" pitchFamily="49" charset="0"/>
+              </a:rPr>
+              <a:t> </a:t>
+            </a:r>
+            <a:r>
+              <a:rPr lang="en-US" sz="1200" dirty="0">
+                <a:solidFill>
+                  <a:srgbClr val="2B91AF"/>
+                </a:solidFill>
+                <a:latin typeface="Courier New" panose="02070309020205020404" pitchFamily="49" charset="0"/>
+                <a:cs typeface="Courier New" panose="02070309020205020404" pitchFamily="49" charset="0"/>
+              </a:rPr>
+              <a:t>UnhandledExceptionEventArgs</a:t>
+            </a:r>
+            <a:r>
+              <a:rPr lang="en-US" sz="1200" dirty="0">
+                <a:solidFill>
+                  <a:srgbClr val="000000"/>
+                </a:solidFill>
+                <a:latin typeface="Courier New" panose="02070309020205020404" pitchFamily="49" charset="0"/>
+                <a:cs typeface="Courier New" panose="02070309020205020404" pitchFamily="49" charset="0"/>
+              </a:rPr>
+              <a:t> e)</a:t>
+            </a:r>
+            <a:endParaRPr lang="ru-RU" sz="1200" dirty="0">
+              <a:solidFill>
+                <a:srgbClr val="000000"/>
+              </a:solidFill>
+              <a:latin typeface="Courier New" panose="02070309020205020404" pitchFamily="49" charset="0"/>
+              <a:cs typeface="Courier New" panose="02070309020205020404" pitchFamily="49" charset="0"/>
+            </a:endParaRPr>
+          </a:p>
+          <a:p>
+            <a:r>
+              <a:rPr lang="en-US" sz="1200" dirty="0">
+                <a:solidFill>
+                  <a:srgbClr val="000000"/>
+                </a:solidFill>
+                <a:latin typeface="Courier New" panose="02070309020205020404" pitchFamily="49" charset="0"/>
+                <a:cs typeface="Courier New" panose="02070309020205020404" pitchFamily="49" charset="0"/>
+              </a:rPr>
+              <a:t>{</a:t>
+            </a:r>
+            <a:endParaRPr lang="ru-RU" sz="1200" dirty="0">
+              <a:solidFill>
+                <a:srgbClr val="000000"/>
+              </a:solidFill>
+              <a:latin typeface="Courier New" panose="02070309020205020404" pitchFamily="49" charset="0"/>
+              <a:cs typeface="Courier New" panose="02070309020205020404" pitchFamily="49" charset="0"/>
+            </a:endParaRPr>
+          </a:p>
+          <a:p>
+            <a:r>
+              <a:rPr lang="ru-RU" sz="1200" dirty="0">
+                <a:solidFill>
+                  <a:srgbClr val="000000"/>
+                </a:solidFill>
+                <a:latin typeface="Courier New" panose="02070309020205020404" pitchFamily="49" charset="0"/>
+                <a:cs typeface="Courier New" panose="02070309020205020404" pitchFamily="49" charset="0"/>
+              </a:rPr>
+              <a:t>    </a:t>
+            </a:r>
+            <a:r>
+              <a:rPr lang="en-US" sz="1200" dirty="0">
+                <a:solidFill>
+                  <a:srgbClr val="2B91AF"/>
+                </a:solidFill>
+                <a:latin typeface="Courier New" panose="02070309020205020404" pitchFamily="49" charset="0"/>
+                <a:cs typeface="Courier New" panose="02070309020205020404" pitchFamily="49" charset="0"/>
+              </a:rPr>
+              <a:t>Exception</a:t>
+            </a:r>
+            <a:r>
+              <a:rPr lang="en-US" sz="1200" dirty="0">
+                <a:solidFill>
+                  <a:srgbClr val="000000"/>
+                </a:solidFill>
+                <a:latin typeface="Courier New" panose="02070309020205020404" pitchFamily="49" charset="0"/>
+                <a:cs typeface="Courier New" panose="02070309020205020404" pitchFamily="49" charset="0"/>
+              </a:rPr>
+              <a:t> ex = e.ExceptionObject </a:t>
+            </a:r>
+            <a:r>
+              <a:rPr lang="en-US" sz="1200" dirty="0">
+                <a:solidFill>
+                  <a:srgbClr val="0000FF"/>
+                </a:solidFill>
+                <a:latin typeface="Courier New" panose="02070309020205020404" pitchFamily="49" charset="0"/>
+                <a:cs typeface="Courier New" panose="02070309020205020404" pitchFamily="49" charset="0"/>
+              </a:rPr>
+              <a:t>as</a:t>
+            </a:r>
+            <a:r>
+              <a:rPr lang="en-US" sz="1200" dirty="0">
+                <a:latin typeface="Courier New" panose="02070309020205020404" pitchFamily="49" charset="0"/>
+                <a:cs typeface="Courier New" panose="02070309020205020404" pitchFamily="49" charset="0"/>
+              </a:rPr>
+              <a:t> </a:t>
+            </a:r>
+            <a:r>
+              <a:rPr lang="en-US" sz="1200" dirty="0">
+                <a:solidFill>
+                  <a:srgbClr val="2B91AF"/>
+                </a:solidFill>
+                <a:latin typeface="Courier New" panose="02070309020205020404" pitchFamily="49" charset="0"/>
+                <a:cs typeface="Courier New" panose="02070309020205020404" pitchFamily="49" charset="0"/>
+              </a:rPr>
+              <a:t>Exception</a:t>
+            </a:r>
+            <a:r>
+              <a:rPr lang="en-US" sz="1200" dirty="0">
+                <a:solidFill>
+                  <a:srgbClr val="000000"/>
+                </a:solidFill>
+                <a:latin typeface="Courier New" panose="02070309020205020404" pitchFamily="49" charset="0"/>
+                <a:cs typeface="Courier New" panose="02070309020205020404" pitchFamily="49" charset="0"/>
+              </a:rPr>
+              <a:t>;</a:t>
+            </a:r>
+            <a:endParaRPr lang="ru-RU" sz="1200" dirty="0">
+              <a:solidFill>
+                <a:srgbClr val="000000"/>
+              </a:solidFill>
+              <a:latin typeface="Courier New" panose="02070309020205020404" pitchFamily="49" charset="0"/>
+              <a:cs typeface="Courier New" panose="02070309020205020404" pitchFamily="49" charset="0"/>
+            </a:endParaRPr>
+          </a:p>
+          <a:p>
+            <a:r>
+              <a:rPr lang="ru-RU" sz="1200" dirty="0">
+                <a:solidFill>
+                  <a:srgbClr val="000000"/>
+                </a:solidFill>
+                <a:latin typeface="Courier New" panose="02070309020205020404" pitchFamily="49" charset="0"/>
+                <a:cs typeface="Courier New" panose="02070309020205020404" pitchFamily="49" charset="0"/>
+              </a:rPr>
+              <a:t>    </a:t>
+            </a:r>
+            <a:r>
+              <a:rPr lang="en-US" sz="1200" dirty="0">
+                <a:solidFill>
+                  <a:srgbClr val="0000FF"/>
+                </a:solidFill>
+                <a:latin typeface="Courier New" panose="02070309020205020404" pitchFamily="49" charset="0"/>
+                <a:cs typeface="Courier New" panose="02070309020205020404" pitchFamily="49" charset="0"/>
+              </a:rPr>
+              <a:t>if</a:t>
+            </a:r>
+            <a:r>
+              <a:rPr lang="en-US" sz="1200" dirty="0">
+                <a:solidFill>
+                  <a:srgbClr val="000000"/>
+                </a:solidFill>
+                <a:latin typeface="Courier New" panose="02070309020205020404" pitchFamily="49" charset="0"/>
+                <a:cs typeface="Courier New" panose="02070309020205020404" pitchFamily="49" charset="0"/>
+              </a:rPr>
+              <a:t> (ex == </a:t>
+            </a:r>
+            <a:r>
+              <a:rPr lang="en-US" sz="1200" dirty="0">
+                <a:solidFill>
+                  <a:srgbClr val="0000FF"/>
+                </a:solidFill>
+                <a:latin typeface="Courier New" panose="02070309020205020404" pitchFamily="49" charset="0"/>
+                <a:cs typeface="Courier New" panose="02070309020205020404" pitchFamily="49" charset="0"/>
+              </a:rPr>
+              <a:t>null</a:t>
+            </a:r>
+            <a:r>
+              <a:rPr lang="en-US" sz="1200" dirty="0">
+                <a:solidFill>
+                  <a:srgbClr val="000000"/>
+                </a:solidFill>
+                <a:latin typeface="Courier New" panose="02070309020205020404" pitchFamily="49" charset="0"/>
+                <a:cs typeface="Courier New" panose="02070309020205020404" pitchFamily="49" charset="0"/>
+              </a:rPr>
+              <a:t>) </a:t>
+            </a:r>
+            <a:r>
+              <a:rPr lang="en-US" sz="1200" dirty="0">
+                <a:solidFill>
+                  <a:srgbClr val="0000FF"/>
+                </a:solidFill>
+                <a:latin typeface="Courier New" panose="02070309020205020404" pitchFamily="49" charset="0"/>
+                <a:cs typeface="Courier New" panose="02070309020205020404" pitchFamily="49" charset="0"/>
+              </a:rPr>
+              <a:t>return</a:t>
+            </a:r>
+            <a:r>
+              <a:rPr lang="en-US" sz="1200" dirty="0">
+                <a:solidFill>
+                  <a:srgbClr val="000000"/>
+                </a:solidFill>
+                <a:latin typeface="Courier New" panose="02070309020205020404" pitchFamily="49" charset="0"/>
+                <a:cs typeface="Courier New" panose="02070309020205020404" pitchFamily="49" charset="0"/>
+              </a:rPr>
+              <a:t>;</a:t>
+            </a:r>
+            <a:endParaRPr lang="ru-RU" sz="1200" dirty="0">
+              <a:solidFill>
+                <a:srgbClr val="000000"/>
+              </a:solidFill>
+              <a:latin typeface="Courier New" panose="02070309020205020404" pitchFamily="49" charset="0"/>
+              <a:cs typeface="Courier New" panose="02070309020205020404" pitchFamily="49" charset="0"/>
+            </a:endParaRPr>
+          </a:p>
+          <a:p>
+            <a:r>
+              <a:rPr lang="ru-RU" sz="1200" dirty="0">
+                <a:solidFill>
+                  <a:srgbClr val="000000"/>
+                </a:solidFill>
+                <a:latin typeface="Courier New" panose="02070309020205020404" pitchFamily="49" charset="0"/>
+                <a:cs typeface="Courier New" panose="02070309020205020404" pitchFamily="49" charset="0"/>
+              </a:rPr>
+              <a:t>    </a:t>
+            </a:r>
+            <a:r>
+              <a:rPr lang="en-US" sz="1200" dirty="0">
+                <a:solidFill>
+                  <a:srgbClr val="008000"/>
+                </a:solidFill>
+                <a:latin typeface="Courier New" panose="02070309020205020404" pitchFamily="49" charset="0"/>
+                <a:cs typeface="Courier New" panose="02070309020205020404" pitchFamily="49" charset="0"/>
+              </a:rPr>
+              <a:t>// </a:t>
+            </a:r>
+            <a:r>
+              <a:rPr lang="ru-RU" sz="1200" dirty="0">
+                <a:solidFill>
+                  <a:srgbClr val="008000"/>
+                </a:solidFill>
+                <a:latin typeface="Courier New" panose="02070309020205020404" pitchFamily="49" charset="0"/>
+                <a:cs typeface="Courier New" panose="02070309020205020404" pitchFamily="49" charset="0"/>
+              </a:rPr>
+              <a:t>Сохранить информацию об исключении в лог</a:t>
+            </a:r>
+          </a:p>
+          <a:p>
+            <a:r>
+              <a:rPr lang="ru-RU" sz="1200" dirty="0">
+                <a:solidFill>
+                  <a:srgbClr val="000000"/>
+                </a:solidFill>
+                <a:latin typeface="Courier New" panose="02070309020205020404" pitchFamily="49" charset="0"/>
+                <a:cs typeface="Courier New" panose="02070309020205020404" pitchFamily="49" charset="0"/>
+              </a:rPr>
+              <a:t>}</a:t>
+            </a:r>
+            <a:endParaRPr lang="en-US" sz="1200" dirty="0">
+              <a:solidFill>
+                <a:srgbClr val="000000"/>
+              </a:solidFill>
+              <a:latin typeface="Courier New" panose="02070309020205020404" pitchFamily="49" charset="0"/>
+              <a:cs typeface="Courier New" panose="02070309020205020404" pitchFamily="49" charset="0"/>
+            </a:endParaRPr>
+          </a:p>
+        </p:txBody>
+      </p:sp>
+    </p:spTree>
+    <p:extLst>
+      <p:ext uri="{BB962C8B-B14F-4D97-AF65-F5344CB8AC3E}">
+        <p14:creationId xmlns:p14="http://schemas.microsoft.com/office/powerpoint/2010/main" val="2325098032"/>
+      </p:ext>
+    </p:extLst>
+  </p:cSld>
+  <p:clrMapOvr>
+    <a:masterClrMapping/>
+  </p:clrMapOvr>
+</p:sld>
+</file>
+
+<file path=ppt/slides/slide21.xml><?xml version="1.0" encoding="utf-8"?>
+<p:sld xmlns:a="http://schemas.openxmlformats.org/drawingml/2006/main" xmlns:r="http://schemas.openxmlformats.org/officeDocument/2006/relationships" xmlns:p="http://schemas.openxmlformats.org/presentationml/2006/main">
+  <p:cSld>
+    <p:spTree>
+      <p:nvGrpSpPr>
+        <p:cNvPr id="1" name=""/>
+        <p:cNvGrpSpPr/>
+        <p:nvPr/>
+      </p:nvGrpSpPr>
+      <p:grpSpPr>
+        <a:xfrm>
+          <a:off x="0" y="0"/>
+          <a:ext cx="0" cy="0"/>
+          <a:chOff x="0" y="0"/>
+          <a:chExt cx="0" cy="0"/>
+        </a:xfrm>
+      </p:grpSpPr>
+      <p:sp>
+        <p:nvSpPr>
+          <p:cNvPr id="2" name="Title 1"/>
+          <p:cNvSpPr>
+            <a:spLocks noGrp="1"/>
+          </p:cNvSpPr>
+          <p:nvPr>
+            <p:ph type="title"/>
+          </p:nvPr>
+        </p:nvSpPr>
+        <p:spPr/>
+        <p:txBody>
+          <a:bodyPr>
             <a:normAutofit/>
           </a:bodyPr>
           <a:lstStyle/>
@@ -9915,7 +10761,7 @@
 </p:sld>
 </file>
 
-<file path=ppt/slides/slide21.xml><?xml version="1.0" encoding="utf-8"?>
+<file path=ppt/slides/slide22.xml><?xml version="1.0" encoding="utf-8"?>
 <p:sld xmlns:a="http://schemas.openxmlformats.org/drawingml/2006/main" xmlns:r="http://schemas.openxmlformats.org/officeDocument/2006/relationships" xmlns:p="http://schemas.openxmlformats.org/presentationml/2006/main">
   <p:cSld>
     <p:spTree>
@@ -10381,7 +11227,7 @@
 </p:sld>
 </file>
 
-<file path=ppt/slides/slide22.xml><?xml version="1.0" encoding="utf-8"?>
+<file path=ppt/slides/slide23.xml><?xml version="1.0" encoding="utf-8"?>
 <p:sld xmlns:a="http://schemas.openxmlformats.org/drawingml/2006/main" xmlns:r="http://schemas.openxmlformats.org/officeDocument/2006/relationships" xmlns:p="http://schemas.openxmlformats.org/presentationml/2006/main">
   <p:cSld>
     <p:spTree>
@@ -10552,7 +11398,7 @@
 </p:sld>
 </file>
 
-<file path=ppt/slides/slide23.xml><?xml version="1.0" encoding="utf-8"?>
+<file path=ppt/slides/slide24.xml><?xml version="1.0" encoding="utf-8"?>
 <p:sld xmlns:a="http://schemas.openxmlformats.org/drawingml/2006/main" xmlns:r="http://schemas.openxmlformats.org/officeDocument/2006/relationships" xmlns:p="http://schemas.openxmlformats.org/presentationml/2006/main">
   <p:cSld>
     <p:spTree>
@@ -13218,7 +14064,23 @@
             </a:r>
             <a:r>
               <a:rPr lang="ru-RU" dirty="0"/>
-              <a:t>выполняется всегда – и в случае исключения и если исключения не было. Там размещают код который выполняет операции «очистки». Например, закрытие файлов, закрытия  соединения с базой данной и т.п.</a:t>
+              <a:t>выполняется всегда – и в случае исключения и если исключения не было. Там размещают код который выполняет операции «очистки». Например, закрытие файлов, закрытия  соединения с базой </a:t>
+            </a:r>
+            <a:r>
+              <a:rPr lang="ru-RU" dirty="0" smtClean="0"/>
+              <a:t>данн</a:t>
+            </a:r>
+            <a:r>
+              <a:rPr lang="ru-RU" dirty="0" smtClean="0"/>
+              <a:t>ых</a:t>
+            </a:r>
+            <a:r>
+              <a:rPr lang="ru-RU" dirty="0" smtClean="0"/>
+              <a:t> </a:t>
+            </a:r>
+            <a:r>
+              <a:rPr lang="ru-RU" dirty="0"/>
+              <a:t>и т.п.</a:t>
             </a:r>
           </a:p>
         </p:txBody>
@@ -13346,7 +14208,7 @@
           <p:cNvPr id="4" name="Rectangle 3">
             <a:extLst>
               <a:ext uri="{FF2B5EF4-FFF2-40B4-BE49-F238E27FC236}">
-                <a16:creationId xmlns:a16="http://schemas.microsoft.com/office/drawing/2014/main" xmlns="" id="{2E9267E0-FD09-1743-84CC-3146448A5065}"/>
+                <a16:creationId xmlns="" xmlns:a16="http://schemas.microsoft.com/office/drawing/2014/main" id="{2E9267E0-FD09-1743-84CC-3146448A5065}"/>
               </a:ext>
             </a:extLst>
           </p:cNvPr>
@@ -14117,11 +14979,11 @@
   <p:clrMapOvr>
     <a:masterClrMapping/>
   </p:clrMapOvr>
-  <mc:AlternateContent xmlns:mc="http://schemas.openxmlformats.org/markup-compatibility/2006">
-    <mc:Choice xmlns:p14="http://schemas.microsoft.com/office/powerpoint/2010/main" Requires="p14">
+  <mc:AlternateContent xmlns:mc="http://schemas.openxmlformats.org/markup-compatibility/2006" xmlns:p14="http://schemas.microsoft.com/office/powerpoint/2010/main">
+    <mc:Choice Requires="p14">
       <p:transition spd="slow" p14:dur="2000"/>
     </mc:Choice>
-    <mc:Fallback>
+    <mc:Fallback xmlns="">
       <p:transition spd="slow"/>
     </mc:Fallback>
   </mc:AlternateContent>
